--- a/tyler/meena/cs220/f20/materials/lec_19_F20.pptx
+++ b/tyler/meena/cs220/f20/materials/lec_19_F20.pptx
@@ -5,7 +5,7 @@
     <p:sldMasterId id="2147483648" r:id="rId1"/>
   </p:sldMasterIdLst>
   <p:notesMasterIdLst>
-    <p:notesMasterId r:id="rId28"/>
+    <p:notesMasterId r:id="rId24"/>
   </p:notesMasterIdLst>
   <p:sldIdLst>
     <p:sldId id="256" r:id="rId2"/>
@@ -14,26 +14,22 @@
     <p:sldId id="259" r:id="rId5"/>
     <p:sldId id="260" r:id="rId6"/>
     <p:sldId id="261" r:id="rId7"/>
-    <p:sldId id="262" r:id="rId8"/>
-    <p:sldId id="263" r:id="rId9"/>
-    <p:sldId id="264" r:id="rId10"/>
-    <p:sldId id="265" r:id="rId11"/>
-    <p:sldId id="266" r:id="rId12"/>
-    <p:sldId id="267" r:id="rId13"/>
-    <p:sldId id="268" r:id="rId14"/>
-    <p:sldId id="269" r:id="rId15"/>
-    <p:sldId id="270" r:id="rId16"/>
-    <p:sldId id="271" r:id="rId17"/>
-    <p:sldId id="272" r:id="rId18"/>
-    <p:sldId id="273" r:id="rId19"/>
-    <p:sldId id="274" r:id="rId20"/>
-    <p:sldId id="275" r:id="rId21"/>
-    <p:sldId id="276" r:id="rId22"/>
-    <p:sldId id="277" r:id="rId23"/>
-    <p:sldId id="279" r:id="rId24"/>
-    <p:sldId id="278" r:id="rId25"/>
-    <p:sldId id="280" r:id="rId26"/>
-    <p:sldId id="281" r:id="rId27"/>
+    <p:sldId id="263" r:id="rId8"/>
+    <p:sldId id="264" r:id="rId9"/>
+    <p:sldId id="265" r:id="rId10"/>
+    <p:sldId id="266" r:id="rId11"/>
+    <p:sldId id="267" r:id="rId12"/>
+    <p:sldId id="268" r:id="rId13"/>
+    <p:sldId id="269" r:id="rId14"/>
+    <p:sldId id="271" r:id="rId15"/>
+    <p:sldId id="272" r:id="rId16"/>
+    <p:sldId id="275" r:id="rId17"/>
+    <p:sldId id="276" r:id="rId18"/>
+    <p:sldId id="277" r:id="rId19"/>
+    <p:sldId id="279" r:id="rId20"/>
+    <p:sldId id="278" r:id="rId21"/>
+    <p:sldId id="280" r:id="rId22"/>
+    <p:sldId id="281" r:id="rId23"/>
   </p:sldIdLst>
   <p:sldSz cx="13004800" cy="9753600"/>
   <p:notesSz cx="6858000" cy="9144000"/>
@@ -3601,17 +3597,16 @@
                 <a:latin typeface="Helvetica Neue" panose="02000503000000020004" pitchFamily="2" charset="0"/>
                 <a:sym typeface="Helvetica Neue" panose="02000503000000020004" pitchFamily="2" charset="0"/>
               </a:rPr>
-              <a:t>7 suspicious works for P5</a:t>
-            </a:r>
-          </a:p>
-          <a:p>
-            <a:pPr algn="ctr" eaLnBrk="1"/>
+              <a:t>14 suspicious works for P5</a:t>
+            </a:r>
+          </a:p>
+          <a:p>
             <a:r>
               <a:rPr lang="en-US" altLang="en-US" dirty="0">
                 <a:latin typeface="Helvetica Neue" panose="02000503000000020004" pitchFamily="2" charset="0"/>
                 <a:sym typeface="Helvetica Neue" panose="02000503000000020004" pitchFamily="2" charset="0"/>
               </a:rPr>
-              <a:t>(send Mike email to confess)</a:t>
+              <a:t>(email Mike to confess)</a:t>
             </a:r>
           </a:p>
         </p:txBody>
@@ -3644,7 +3639,7 @@
       </p:grpSpPr>
       <p:sp>
         <p:nvSpPr>
-          <p:cNvPr id="285" name="Double Arrow"/>
+          <p:cNvPr id="305" name="Double Arrow"/>
           <p:cNvSpPr/>
           <p:nvPr/>
         </p:nvSpPr>
@@ -3687,7 +3682,7 @@
       </p:sp>
       <p:sp>
         <p:nvSpPr>
-          <p:cNvPr id="286" name="Double Arrow"/>
+          <p:cNvPr id="306" name="Double Arrow"/>
           <p:cNvSpPr/>
           <p:nvPr/>
         </p:nvSpPr>
@@ -3730,7 +3725,7 @@
       </p:sp>
       <p:sp>
         <p:nvSpPr>
-          <p:cNvPr id="287" name="Python Data Structures and File Formats"/>
+          <p:cNvPr id="307" name="Python Data Structures and File Formats"/>
           <p:cNvSpPr txBox="1">
             <a:spLocks noGrp="1"/>
           </p:cNvSpPr>
@@ -3763,7 +3758,7 @@
       </p:sp>
       <p:sp>
         <p:nvSpPr>
-          <p:cNvPr id="288" name="Python"/>
+          <p:cNvPr id="308" name="Python"/>
           <p:cNvSpPr txBox="1"/>
           <p:nvPr/>
         </p:nvSpPr>
@@ -3798,7 +3793,7 @@
       </p:sp>
       <p:sp>
         <p:nvSpPr>
-          <p:cNvPr id="289" name="File"/>
+          <p:cNvPr id="309" name="File"/>
           <p:cNvSpPr txBox="1"/>
           <p:nvPr/>
         </p:nvSpPr>
@@ -3833,7 +3828,7 @@
       </p:sp>
       <p:sp>
         <p:nvSpPr>
-          <p:cNvPr id="290" name="[…"/>
+          <p:cNvPr id="310" name="[…"/>
           <p:cNvSpPr txBox="1"/>
           <p:nvPr/>
         </p:nvSpPr>
@@ -3928,7 +3923,7 @@
       </p:sp>
       <p:sp>
         <p:nvSpPr>
-          <p:cNvPr id="291" name="name,x,y…"/>
+          <p:cNvPr id="311" name="name,x,y…"/>
           <p:cNvSpPr txBox="1"/>
           <p:nvPr/>
         </p:nvSpPr>
@@ -4000,7 +3995,7 @@
       </p:sp>
       <p:sp>
         <p:nvSpPr>
-          <p:cNvPr id="292" name="list of lists"/>
+          <p:cNvPr id="312" name="list of lists"/>
           <p:cNvSpPr txBox="1"/>
           <p:nvPr/>
         </p:nvSpPr>
@@ -4047,7 +4042,7 @@
       </p:sp>
       <p:sp>
         <p:nvSpPr>
-          <p:cNvPr id="293" name="CSV file"/>
+          <p:cNvPr id="313" name="CSV file"/>
           <p:cNvSpPr txBox="1"/>
           <p:nvPr/>
         </p:nvSpPr>
@@ -4094,7 +4089,7 @@
       </p:sp>
       <p:sp>
         <p:nvSpPr>
-          <p:cNvPr id="294" name="{…"/>
+          <p:cNvPr id="314" name="{…"/>
           <p:cNvSpPr txBox="1"/>
           <p:nvPr/>
         </p:nvSpPr>
@@ -4280,7 +4275,7 @@
       </p:sp>
       <p:sp>
         <p:nvSpPr>
-          <p:cNvPr id="295" name="dict of dicts"/>
+          <p:cNvPr id="315" name="dict of dicts"/>
           <p:cNvSpPr txBox="1"/>
           <p:nvPr/>
         </p:nvSpPr>
@@ -4327,14 +4322,14 @@
       </p:sp>
       <p:sp>
         <p:nvSpPr>
-          <p:cNvPr id="296" name="Rectangle"/>
+          <p:cNvPr id="316" name="Rectangle"/>
           <p:cNvSpPr/>
           <p:nvPr/>
         </p:nvSpPr>
         <p:spPr>
           <a:xfrm>
-            <a:off x="114300" y="1191818"/>
-            <a:ext cx="12395200" cy="8403085"/>
+            <a:off x="-114300" y="1244600"/>
+            <a:ext cx="12395200" cy="8403084"/>
           </a:xfrm>
           <a:prstGeom prst="rect">
             <a:avLst/>
@@ -4369,7 +4364,7 @@
       </p:sp>
       <p:sp>
         <p:nvSpPr>
-          <p:cNvPr id="297" name="{…"/>
+          <p:cNvPr id="317" name="{…"/>
           <p:cNvSpPr txBox="1"/>
           <p:nvPr/>
         </p:nvSpPr>
@@ -4497,7 +4492,7 @@
       </p:sp>
       <p:sp>
         <p:nvSpPr>
-          <p:cNvPr id="298" name="JSON file"/>
+          <p:cNvPr id="318" name="JSON file"/>
           <p:cNvSpPr txBox="1"/>
           <p:nvPr/>
         </p:nvSpPr>
@@ -4544,7 +4539,7 @@
       </p:sp>
       <p:sp>
         <p:nvSpPr>
-          <p:cNvPr id="303" name="Connection Line"/>
+          <p:cNvPr id="323" name="Connection Line"/>
           <p:cNvSpPr/>
           <p:nvPr/>
         </p:nvSpPr>
@@ -4607,7 +4602,7 @@
       </p:sp>
       <p:sp>
         <p:nvSpPr>
-          <p:cNvPr id="300" name="JSON files look almost…"/>
+          <p:cNvPr id="320" name="JSON files look almost…"/>
           <p:cNvSpPr txBox="1"/>
           <p:nvPr/>
         </p:nvSpPr>
@@ -4685,14 +4680,14 @@
       </p:sp>
       <p:sp>
         <p:nvSpPr>
-          <p:cNvPr id="301" name="Rectangle"/>
+          <p:cNvPr id="321" name="Rectangle"/>
           <p:cNvSpPr/>
           <p:nvPr/>
         </p:nvSpPr>
         <p:spPr>
           <a:xfrm>
-            <a:off x="9766300" y="6424270"/>
-            <a:ext cx="352674" cy="422960"/>
+            <a:off x="8204200" y="6055864"/>
+            <a:ext cx="921743" cy="422960"/>
           </a:xfrm>
           <a:prstGeom prst="rect">
             <a:avLst/>
@@ -4725,14 +4720,14 @@
       </p:sp>
       <p:sp>
         <p:nvSpPr>
-          <p:cNvPr id="302" name="lists use square brackets"/>
+          <p:cNvPr id="322" name="strings are in quotes"/>
           <p:cNvSpPr txBox="1"/>
           <p:nvPr/>
         </p:nvSpPr>
         <p:spPr>
           <a:xfrm>
-            <a:off x="3260625" y="4961560"/>
-            <a:ext cx="3892750" cy="457201"/>
+            <a:off x="3577108" y="4961560"/>
+            <a:ext cx="3259784" cy="457201"/>
           </a:xfrm>
           <a:prstGeom prst="rect">
             <a:avLst/>
@@ -4765,7 +4760,7 @@
           </a:lstStyle>
           <a:p>
             <a:r>
-              <a:t>lists use square brackets</a:t>
+              <a:t>strings are in quotes</a:t>
             </a:r>
           </a:p>
         </p:txBody>
@@ -4798,7 +4793,7 @@
       </p:grpSpPr>
       <p:sp>
         <p:nvSpPr>
-          <p:cNvPr id="305" name="Double Arrow"/>
+          <p:cNvPr id="325" name="Double Arrow"/>
           <p:cNvSpPr/>
           <p:nvPr/>
         </p:nvSpPr>
@@ -4841,7 +4836,7 @@
       </p:sp>
       <p:sp>
         <p:nvSpPr>
-          <p:cNvPr id="306" name="Double Arrow"/>
+          <p:cNvPr id="326" name="Double Arrow"/>
           <p:cNvSpPr/>
           <p:nvPr/>
         </p:nvSpPr>
@@ -4884,7 +4879,7 @@
       </p:sp>
       <p:sp>
         <p:nvSpPr>
-          <p:cNvPr id="307" name="Python Data Structures and File Formats"/>
+          <p:cNvPr id="327" name="Python Data Structures and File Formats"/>
           <p:cNvSpPr txBox="1">
             <a:spLocks noGrp="1"/>
           </p:cNvSpPr>
@@ -4917,7 +4912,7 @@
       </p:sp>
       <p:sp>
         <p:nvSpPr>
-          <p:cNvPr id="308" name="Python"/>
+          <p:cNvPr id="328" name="Python"/>
           <p:cNvSpPr txBox="1"/>
           <p:nvPr/>
         </p:nvSpPr>
@@ -4952,7 +4947,7 @@
       </p:sp>
       <p:sp>
         <p:nvSpPr>
-          <p:cNvPr id="309" name="File"/>
+          <p:cNvPr id="329" name="File"/>
           <p:cNvSpPr txBox="1"/>
           <p:nvPr/>
         </p:nvSpPr>
@@ -4987,7 +4982,7 @@
       </p:sp>
       <p:sp>
         <p:nvSpPr>
-          <p:cNvPr id="310" name="[…"/>
+          <p:cNvPr id="330" name="[…"/>
           <p:cNvSpPr txBox="1"/>
           <p:nvPr/>
         </p:nvSpPr>
@@ -5082,7 +5077,7 @@
       </p:sp>
       <p:sp>
         <p:nvSpPr>
-          <p:cNvPr id="311" name="name,x,y…"/>
+          <p:cNvPr id="331" name="name,x,y…"/>
           <p:cNvSpPr txBox="1"/>
           <p:nvPr/>
         </p:nvSpPr>
@@ -5154,7 +5149,7 @@
       </p:sp>
       <p:sp>
         <p:nvSpPr>
-          <p:cNvPr id="312" name="list of lists"/>
+          <p:cNvPr id="332" name="list of lists"/>
           <p:cNvSpPr txBox="1"/>
           <p:nvPr/>
         </p:nvSpPr>
@@ -5201,7 +5196,7 @@
       </p:sp>
       <p:sp>
         <p:nvSpPr>
-          <p:cNvPr id="313" name="CSV file"/>
+          <p:cNvPr id="333" name="CSV file"/>
           <p:cNvSpPr txBox="1"/>
           <p:nvPr/>
         </p:nvSpPr>
@@ -5248,7 +5243,7 @@
       </p:sp>
       <p:sp>
         <p:nvSpPr>
-          <p:cNvPr id="314" name="{…"/>
+          <p:cNvPr id="334" name="{…"/>
           <p:cNvSpPr txBox="1"/>
           <p:nvPr/>
         </p:nvSpPr>
@@ -5434,7 +5429,7 @@
       </p:sp>
       <p:sp>
         <p:nvSpPr>
-          <p:cNvPr id="315" name="dict of dicts"/>
+          <p:cNvPr id="335" name="dict of dicts"/>
           <p:cNvSpPr txBox="1"/>
           <p:nvPr/>
         </p:nvSpPr>
@@ -5481,14 +5476,14 @@
       </p:sp>
       <p:sp>
         <p:nvSpPr>
-          <p:cNvPr id="316" name="Rectangle"/>
+          <p:cNvPr id="336" name="Rectangle"/>
           <p:cNvSpPr/>
           <p:nvPr/>
         </p:nvSpPr>
         <p:spPr>
           <a:xfrm>
-            <a:off x="-114300" y="1244600"/>
-            <a:ext cx="12395200" cy="8403084"/>
+            <a:off x="304800" y="1141018"/>
+            <a:ext cx="12395200" cy="8403085"/>
           </a:xfrm>
           <a:prstGeom prst="rect">
             <a:avLst/>
@@ -5523,7 +5518,7 @@
       </p:sp>
       <p:sp>
         <p:nvSpPr>
-          <p:cNvPr id="317" name="{…"/>
+          <p:cNvPr id="337" name="{…"/>
           <p:cNvSpPr txBox="1"/>
           <p:nvPr/>
         </p:nvSpPr>
@@ -5651,7 +5646,7 @@
       </p:sp>
       <p:sp>
         <p:nvSpPr>
-          <p:cNvPr id="318" name="JSON file"/>
+          <p:cNvPr id="338" name="JSON file"/>
           <p:cNvSpPr txBox="1"/>
           <p:nvPr/>
         </p:nvSpPr>
@@ -5698,7 +5693,7 @@
       </p:sp>
       <p:sp>
         <p:nvSpPr>
-          <p:cNvPr id="323" name="Connection Line"/>
+          <p:cNvPr id="343" name="Connection Line"/>
           <p:cNvSpPr/>
           <p:nvPr/>
         </p:nvSpPr>
@@ -5761,7 +5756,7 @@
       </p:sp>
       <p:sp>
         <p:nvSpPr>
-          <p:cNvPr id="320" name="JSON files look almost…"/>
+          <p:cNvPr id="340" name="JSON files look almost…"/>
           <p:cNvSpPr txBox="1"/>
           <p:nvPr/>
         </p:nvSpPr>
@@ -5839,14 +5834,14 @@
       </p:sp>
       <p:sp>
         <p:nvSpPr>
-          <p:cNvPr id="321" name="Rectangle"/>
+          <p:cNvPr id="341" name="Square"/>
           <p:cNvSpPr/>
           <p:nvPr/>
         </p:nvSpPr>
         <p:spPr>
           <a:xfrm>
-            <a:off x="8204200" y="6055864"/>
-            <a:ext cx="921743" cy="422960"/>
+            <a:off x="9347200" y="6030464"/>
+            <a:ext cx="420688" cy="422960"/>
           </a:xfrm>
           <a:prstGeom prst="rect">
             <a:avLst/>
@@ -5879,14 +5874,14 @@
       </p:sp>
       <p:sp>
         <p:nvSpPr>
-          <p:cNvPr id="322" name="strings are in quotes"/>
+          <p:cNvPr id="342" name="integers look like integers"/>
           <p:cNvSpPr txBox="1"/>
           <p:nvPr/>
         </p:nvSpPr>
         <p:spPr>
           <a:xfrm>
-            <a:off x="3577108" y="4961560"/>
-            <a:ext cx="3259784" cy="457201"/>
+            <a:off x="3145358" y="4961560"/>
+            <a:ext cx="4123284" cy="457201"/>
           </a:xfrm>
           <a:prstGeom prst="rect">
             <a:avLst/>
@@ -5919,7 +5914,7 @@
           </a:lstStyle>
           <a:p>
             <a:r>
-              <a:t>strings are in quotes</a:t>
+              <a:t>integers look like integers</a:t>
             </a:r>
           </a:p>
         </p:txBody>
@@ -5934,1160 +5929,6 @@
 </file>
 
 <file path=ppt/slides/slide12.xml><?xml version="1.0" encoding="utf-8"?>
-<p:sld xmlns:a="http://schemas.openxmlformats.org/drawingml/2006/main" xmlns:r="http://schemas.openxmlformats.org/officeDocument/2006/relationships" xmlns:p="http://schemas.openxmlformats.org/presentationml/2006/main">
-  <p:cSld>
-    <p:spTree>
-      <p:nvGrpSpPr>
-        <p:cNvPr id="1" name=""/>
-        <p:cNvGrpSpPr/>
-        <p:nvPr/>
-      </p:nvGrpSpPr>
-      <p:grpSpPr>
-        <a:xfrm>
-          <a:off x="0" y="0"/>
-          <a:ext cx="0" cy="0"/>
-          <a:chOff x="0" y="0"/>
-          <a:chExt cx="0" cy="0"/>
-        </a:xfrm>
-      </p:grpSpPr>
-      <p:sp>
-        <p:nvSpPr>
-          <p:cNvPr id="325" name="Double Arrow"/>
-          <p:cNvSpPr/>
-          <p:nvPr/>
-        </p:nvSpPr>
-        <p:spPr>
-          <a:xfrm>
-            <a:off x="5537200" y="3008935"/>
-            <a:ext cx="2168228" cy="713130"/>
-          </a:xfrm>
-          <a:prstGeom prst="leftRightArrow">
-            <a:avLst>
-              <a:gd name="adj1" fmla="val 39430"/>
-              <a:gd name="adj2" fmla="val 51131"/>
-            </a:avLst>
-          </a:prstGeom>
-          <a:solidFill>
-            <a:srgbClr val="000000"/>
-          </a:solidFill>
-          <a:ln w="12700">
-            <a:miter lim="400000"/>
-          </a:ln>
-        </p:spPr>
-        <p:txBody>
-          <a:bodyPr lIns="50800" tIns="50800" rIns="50800" bIns="50800" anchor="ctr"/>
-          <a:lstStyle/>
-          <a:p>
-            <a:pPr>
-              <a:defRPr sz="2200" b="0">
-                <a:solidFill>
-                  <a:srgbClr val="FFFFFF"/>
-                </a:solidFill>
-                <a:latin typeface="+mn-lt"/>
-                <a:ea typeface="+mn-ea"/>
-                <a:cs typeface="+mn-cs"/>
-                <a:sym typeface="Gill Sans SemiBold"/>
-              </a:defRPr>
-            </a:pPr>
-            <a:endParaRPr/>
-          </a:p>
-        </p:txBody>
-      </p:sp>
-      <p:sp>
-        <p:nvSpPr>
-          <p:cNvPr id="326" name="Double Arrow"/>
-          <p:cNvSpPr/>
-          <p:nvPr/>
-        </p:nvSpPr>
-        <p:spPr>
-          <a:xfrm>
-            <a:off x="5537200" y="6437935"/>
-            <a:ext cx="1829410" cy="713130"/>
-          </a:xfrm>
-          <a:prstGeom prst="leftRightArrow">
-            <a:avLst>
-              <a:gd name="adj1" fmla="val 39430"/>
-              <a:gd name="adj2" fmla="val 51131"/>
-            </a:avLst>
-          </a:prstGeom>
-          <a:solidFill>
-            <a:srgbClr val="000000"/>
-          </a:solidFill>
-          <a:ln w="12700">
-            <a:miter lim="400000"/>
-          </a:ln>
-        </p:spPr>
-        <p:txBody>
-          <a:bodyPr lIns="50800" tIns="50800" rIns="50800" bIns="50800" anchor="ctr"/>
-          <a:lstStyle/>
-          <a:p>
-            <a:pPr>
-              <a:defRPr sz="2200" b="0">
-                <a:solidFill>
-                  <a:srgbClr val="FFFFFF"/>
-                </a:solidFill>
-                <a:latin typeface="+mn-lt"/>
-                <a:ea typeface="+mn-ea"/>
-                <a:cs typeface="+mn-cs"/>
-                <a:sym typeface="Gill Sans SemiBold"/>
-              </a:defRPr>
-            </a:pPr>
-            <a:endParaRPr/>
-          </a:p>
-        </p:txBody>
-      </p:sp>
-      <p:sp>
-        <p:nvSpPr>
-          <p:cNvPr id="327" name="Python Data Structures and File Formats"/>
-          <p:cNvSpPr txBox="1">
-            <a:spLocks noGrp="1"/>
-          </p:cNvSpPr>
-          <p:nvPr>
-            <p:ph type="title"/>
-          </p:nvPr>
-        </p:nvSpPr>
-        <p:spPr>
-          <a:xfrm>
-            <a:off x="952500" y="254000"/>
-            <a:ext cx="11099800" cy="902345"/>
-          </a:xfrm>
-          <a:prstGeom prst="rect">
-            <a:avLst/>
-          </a:prstGeom>
-        </p:spPr>
-        <p:txBody>
-          <a:bodyPr/>
-          <a:lstStyle>
-            <a:lvl1pPr algn="l">
-              <a:defRPr sz="4800"/>
-            </a:lvl1pPr>
-          </a:lstStyle>
-          <a:p>
-            <a:r>
-              <a:t>Python Data Structures and File Formats</a:t>
-            </a:r>
-          </a:p>
-        </p:txBody>
-      </p:sp>
-      <p:sp>
-        <p:nvSpPr>
-          <p:cNvPr id="328" name="Python"/>
-          <p:cNvSpPr txBox="1"/>
-          <p:nvPr/>
-        </p:nvSpPr>
-        <p:spPr>
-          <a:xfrm>
-            <a:off x="2445146" y="1460499"/>
-            <a:ext cx="1231108" cy="457201"/>
-          </a:xfrm>
-          <a:prstGeom prst="rect">
-            <a:avLst/>
-          </a:prstGeom>
-          <a:ln w="12700">
-            <a:miter lim="400000"/>
-          </a:ln>
-          <a:extLst>
-            <a:ext uri="{C572A759-6A51-4108-AA02-DFA0A04FC94B}">
-              <ma14:wrappingTextBoxFlag xmlns="" xmlns:m="http://schemas.openxmlformats.org/officeDocument/2006/math" xmlns:a14="http://schemas.microsoft.com/office/drawing/2010/main" xmlns:ma14="http://schemas.microsoft.com/office/mac/drawingml/2011/main" val="1"/>
-            </a:ext>
-          </a:extLst>
-        </p:spPr>
-        <p:txBody>
-          <a:bodyPr wrap="none" lIns="50800" tIns="50800" rIns="50800" bIns="50800" anchor="ctr">
-            <a:spAutoFit/>
-          </a:bodyPr>
-          <a:lstStyle/>
-          <a:p>
-            <a:r>
-              <a:t>Python</a:t>
-            </a:r>
-          </a:p>
-        </p:txBody>
-      </p:sp>
-      <p:sp>
-        <p:nvSpPr>
-          <p:cNvPr id="329" name="File"/>
-          <p:cNvSpPr txBox="1"/>
-          <p:nvPr/>
-        </p:nvSpPr>
-        <p:spPr>
-          <a:xfrm>
-            <a:off x="8884071" y="1460499"/>
-            <a:ext cx="672258" cy="457201"/>
-          </a:xfrm>
-          <a:prstGeom prst="rect">
-            <a:avLst/>
-          </a:prstGeom>
-          <a:ln w="12700">
-            <a:miter lim="400000"/>
-          </a:ln>
-          <a:extLst>
-            <a:ext uri="{C572A759-6A51-4108-AA02-DFA0A04FC94B}">
-              <ma14:wrappingTextBoxFlag xmlns="" xmlns:m="http://schemas.openxmlformats.org/officeDocument/2006/math" xmlns:a14="http://schemas.microsoft.com/office/drawing/2010/main" xmlns:ma14="http://schemas.microsoft.com/office/mac/drawingml/2011/main" val="1"/>
-            </a:ext>
-          </a:extLst>
-        </p:spPr>
-        <p:txBody>
-          <a:bodyPr wrap="none" lIns="50800" tIns="50800" rIns="50800" bIns="50800" anchor="ctr">
-            <a:spAutoFit/>
-          </a:bodyPr>
-          <a:lstStyle/>
-          <a:p>
-            <a:r>
-              <a:t>File</a:t>
-            </a:r>
-          </a:p>
-        </p:txBody>
-      </p:sp>
-      <p:sp>
-        <p:nvSpPr>
-          <p:cNvPr id="330" name="[…"/>
-          <p:cNvSpPr txBox="1"/>
-          <p:nvPr/>
-        </p:nvSpPr>
-        <p:spPr>
-          <a:xfrm>
-            <a:off x="1281385" y="2393950"/>
-            <a:ext cx="4138316" cy="1943101"/>
-          </a:xfrm>
-          <a:prstGeom prst="rect">
-            <a:avLst/>
-          </a:prstGeom>
-          <a:ln w="12700">
-            <a:miter lim="400000"/>
-          </a:ln>
-          <a:extLst>
-            <a:ext uri="{C572A759-6A51-4108-AA02-DFA0A04FC94B}">
-              <ma14:wrappingTextBoxFlag xmlns="" xmlns:m="http://schemas.openxmlformats.org/officeDocument/2006/math" xmlns:a14="http://schemas.microsoft.com/office/drawing/2010/main" xmlns:ma14="http://schemas.microsoft.com/office/mac/drawingml/2011/main" val="1"/>
-            </a:ext>
-          </a:extLst>
-        </p:spPr>
-        <p:txBody>
-          <a:bodyPr wrap="none" lIns="50800" tIns="50800" rIns="50800" bIns="50800" anchor="ctr">
-            <a:spAutoFit/>
-          </a:bodyPr>
-          <a:lstStyle/>
-          <a:p>
-            <a:pPr algn="l">
-              <a:defRPr b="0">
-                <a:latin typeface="Courier"/>
-                <a:ea typeface="Courier"/>
-                <a:cs typeface="Courier"/>
-                <a:sym typeface="Courier"/>
-              </a:defRPr>
-            </a:pPr>
-            <a:r>
-              <a:t>[</a:t>
-            </a:r>
-          </a:p>
-          <a:p>
-            <a:pPr algn="l">
-              <a:defRPr b="0">
-                <a:latin typeface="Courier"/>
-                <a:ea typeface="Courier"/>
-                <a:cs typeface="Courier"/>
-                <a:sym typeface="Courier"/>
-              </a:defRPr>
-            </a:pPr>
-            <a:r>
-              <a:t> [“name”, “x”, “y”],</a:t>
-            </a:r>
-          </a:p>
-          <a:p>
-            <a:pPr algn="l">
-              <a:defRPr b="0">
-                <a:latin typeface="Courier"/>
-                <a:ea typeface="Courier"/>
-                <a:cs typeface="Courier"/>
-                <a:sym typeface="Courier"/>
-              </a:defRPr>
-            </a:pPr>
-            <a:r>
-              <a:t> [“alice”, 100, 150],</a:t>
-            </a:r>
-          </a:p>
-          <a:p>
-            <a:pPr algn="l">
-              <a:defRPr b="0">
-                <a:latin typeface="Courier"/>
-                <a:ea typeface="Courier"/>
-                <a:cs typeface="Courier"/>
-                <a:sym typeface="Courier"/>
-              </a:defRPr>
-            </a:pPr>
-            <a:r>
-              <a:t> [“bob”, -10, 80]</a:t>
-            </a:r>
-          </a:p>
-          <a:p>
-            <a:pPr algn="l">
-              <a:defRPr b="0">
-                <a:latin typeface="Courier"/>
-                <a:ea typeface="Courier"/>
-                <a:cs typeface="Courier"/>
-                <a:sym typeface="Courier"/>
-              </a:defRPr>
-            </a:pPr>
-            <a:r>
-              <a:t>]</a:t>
-            </a:r>
-          </a:p>
-        </p:txBody>
-      </p:sp>
-      <p:sp>
-        <p:nvSpPr>
-          <p:cNvPr id="331" name="name,x,y…"/>
-          <p:cNvSpPr txBox="1"/>
-          <p:nvPr/>
-        </p:nvSpPr>
-        <p:spPr>
-          <a:xfrm>
-            <a:off x="8040042" y="2749549"/>
-            <a:ext cx="2700438" cy="1231901"/>
-          </a:xfrm>
-          <a:prstGeom prst="rect">
-            <a:avLst/>
-          </a:prstGeom>
-          <a:ln w="25400">
-            <a:solidFill>
-              <a:srgbClr val="000000"/>
-            </a:solidFill>
-            <a:miter lim="400000"/>
-          </a:ln>
-          <a:extLst>
-            <a:ext uri="{C572A759-6A51-4108-AA02-DFA0A04FC94B}">
-              <ma14:wrappingTextBoxFlag xmlns="" xmlns:m="http://schemas.openxmlformats.org/officeDocument/2006/math" xmlns:a14="http://schemas.microsoft.com/office/drawing/2010/main" xmlns:ma14="http://schemas.microsoft.com/office/mac/drawingml/2011/main" val="1"/>
-            </a:ext>
-          </a:extLst>
-        </p:spPr>
-        <p:txBody>
-          <a:bodyPr wrap="none" lIns="50800" tIns="50800" rIns="50800" bIns="50800" anchor="ctr">
-            <a:spAutoFit/>
-          </a:bodyPr>
-          <a:lstStyle/>
-          <a:p>
-            <a:pPr algn="l">
-              <a:defRPr b="0">
-                <a:latin typeface="Courier"/>
-                <a:ea typeface="Courier"/>
-                <a:cs typeface="Courier"/>
-                <a:sym typeface="Courier"/>
-              </a:defRPr>
-            </a:pPr>
-            <a:r>
-              <a:t>name,x,y</a:t>
-            </a:r>
-          </a:p>
-          <a:p>
-            <a:pPr algn="l">
-              <a:defRPr b="0">
-                <a:latin typeface="Courier"/>
-                <a:ea typeface="Courier"/>
-                <a:cs typeface="Courier"/>
-                <a:sym typeface="Courier"/>
-              </a:defRPr>
-            </a:pPr>
-            <a:r>
-              <a:t>alice,100,150</a:t>
-            </a:r>
-          </a:p>
-          <a:p>
-            <a:pPr algn="l">
-              <a:defRPr b="0">
-                <a:latin typeface="Courier"/>
-                <a:ea typeface="Courier"/>
-                <a:cs typeface="Courier"/>
-                <a:sym typeface="Courier"/>
-              </a:defRPr>
-            </a:pPr>
-            <a:r>
-              <a:t>bob,-10,80</a:t>
-            </a:r>
-          </a:p>
-        </p:txBody>
-      </p:sp>
-      <p:sp>
-        <p:nvSpPr>
-          <p:cNvPr id="332" name="list of lists"/>
-          <p:cNvSpPr txBox="1"/>
-          <p:nvPr/>
-        </p:nvSpPr>
-        <p:spPr>
-          <a:xfrm>
-            <a:off x="2203970" y="4495799"/>
-            <a:ext cx="1713460" cy="457201"/>
-          </a:xfrm>
-          <a:prstGeom prst="rect">
-            <a:avLst/>
-          </a:prstGeom>
-          <a:ln w="12700">
-            <a:miter lim="400000"/>
-          </a:ln>
-          <a:extLst>
-            <a:ext uri="{C572A759-6A51-4108-AA02-DFA0A04FC94B}">
-              <ma14:wrappingTextBoxFlag xmlns="" xmlns:m="http://schemas.openxmlformats.org/officeDocument/2006/math" xmlns:a14="http://schemas.microsoft.com/office/drawing/2010/main" xmlns:ma14="http://schemas.microsoft.com/office/mac/drawingml/2011/main" val="1"/>
-            </a:ext>
-          </a:extLst>
-        </p:spPr>
-        <p:txBody>
-          <a:bodyPr wrap="none" lIns="50800" tIns="50800" rIns="50800" bIns="50800" anchor="ctr">
-            <a:spAutoFit/>
-          </a:bodyPr>
-          <a:lstStyle>
-            <a:lvl1pPr>
-              <a:defRPr>
-                <a:solidFill>
-                  <a:schemeClr val="accent5">
-                    <a:hueOff val="-82419"/>
-                    <a:satOff val="-9513"/>
-                    <a:lumOff val="-16343"/>
-                  </a:schemeClr>
-                </a:solidFill>
-              </a:defRPr>
-            </a:lvl1pPr>
-          </a:lstStyle>
-          <a:p>
-            <a:r>
-              <a:t>list of lists</a:t>
-            </a:r>
-          </a:p>
-        </p:txBody>
-      </p:sp>
-      <p:sp>
-        <p:nvSpPr>
-          <p:cNvPr id="333" name="CSV file"/>
-          <p:cNvSpPr txBox="1"/>
-          <p:nvPr/>
-        </p:nvSpPr>
-        <p:spPr>
-          <a:xfrm>
-            <a:off x="8729612" y="4152899"/>
-            <a:ext cx="1321297" cy="457201"/>
-          </a:xfrm>
-          <a:prstGeom prst="rect">
-            <a:avLst/>
-          </a:prstGeom>
-          <a:ln w="12700">
-            <a:miter lim="400000"/>
-          </a:ln>
-          <a:extLst>
-            <a:ext uri="{C572A759-6A51-4108-AA02-DFA0A04FC94B}">
-              <ma14:wrappingTextBoxFlag xmlns="" xmlns:m="http://schemas.openxmlformats.org/officeDocument/2006/math" xmlns:a14="http://schemas.microsoft.com/office/drawing/2010/main" xmlns:ma14="http://schemas.microsoft.com/office/mac/drawingml/2011/main" val="1"/>
-            </a:ext>
-          </a:extLst>
-        </p:spPr>
-        <p:txBody>
-          <a:bodyPr wrap="none" lIns="50800" tIns="50800" rIns="50800" bIns="50800" anchor="ctr">
-            <a:spAutoFit/>
-          </a:bodyPr>
-          <a:lstStyle>
-            <a:lvl1pPr>
-              <a:defRPr>
-                <a:solidFill>
-                  <a:schemeClr val="accent5">
-                    <a:hueOff val="-82419"/>
-                    <a:satOff val="-9513"/>
-                    <a:lumOff val="-16343"/>
-                  </a:schemeClr>
-                </a:solidFill>
-              </a:defRPr>
-            </a:lvl1pPr>
-          </a:lstStyle>
-          <a:p>
-            <a:r>
-              <a:t>CSV file</a:t>
-            </a:r>
-          </a:p>
-        </p:txBody>
-      </p:sp>
-      <p:sp>
-        <p:nvSpPr>
-          <p:cNvPr id="334" name="{…"/>
-          <p:cNvSpPr txBox="1"/>
-          <p:nvPr/>
-        </p:nvSpPr>
-        <p:spPr>
-          <a:xfrm>
-            <a:off x="641201" y="5111749"/>
-            <a:ext cx="5418684" cy="3048001"/>
-          </a:xfrm>
-          <a:prstGeom prst="rect">
-            <a:avLst/>
-          </a:prstGeom>
-          <a:ln w="12700">
-            <a:miter lim="400000"/>
-          </a:ln>
-          <a:extLst>
-            <a:ext uri="{C572A759-6A51-4108-AA02-DFA0A04FC94B}">
-              <ma14:wrappingTextBoxFlag xmlns="" xmlns:m="http://schemas.openxmlformats.org/officeDocument/2006/math" xmlns:a14="http://schemas.microsoft.com/office/drawing/2010/main" xmlns:ma14="http://schemas.microsoft.com/office/mac/drawingml/2011/main" val="1"/>
-            </a:ext>
-          </a:extLst>
-        </p:spPr>
-        <p:txBody>
-          <a:bodyPr wrap="none" lIns="50800" tIns="50800" rIns="50800" bIns="50800" anchor="ctr">
-            <a:spAutoFit/>
-          </a:bodyPr>
-          <a:lstStyle/>
-          <a:p>
-            <a:pPr algn="l">
-              <a:defRPr b="0">
-                <a:latin typeface="Courier"/>
-                <a:ea typeface="Courier"/>
-                <a:cs typeface="Courier"/>
-                <a:sym typeface="Courier"/>
-              </a:defRPr>
-            </a:pPr>
-            <a:r>
-              <a:t>{</a:t>
-            </a:r>
-          </a:p>
-          <a:p>
-            <a:pPr algn="l">
-              <a:defRPr b="0">
-                <a:latin typeface="Courier"/>
-                <a:ea typeface="Courier"/>
-                <a:cs typeface="Courier"/>
-                <a:sym typeface="Courier"/>
-              </a:defRPr>
-            </a:pPr>
-            <a:r>
-              <a:t>  “alice”: </a:t>
-            </a:r>
-            <a:r>
-              <a:rPr>
-                <a:solidFill>
-                  <a:schemeClr val="accent1">
-                    <a:lumOff val="-13575"/>
-                  </a:schemeClr>
-                </a:solidFill>
-              </a:rPr>
-              <a:t>{</a:t>
-            </a:r>
-          </a:p>
-          <a:p>
-            <a:pPr algn="l">
-              <a:defRPr b="0">
-                <a:latin typeface="Courier"/>
-                <a:ea typeface="Courier"/>
-                <a:cs typeface="Courier"/>
-                <a:sym typeface="Courier"/>
-              </a:defRPr>
-            </a:pPr>
-            <a:r>
-              <a:rPr>
-                <a:solidFill>
-                  <a:schemeClr val="accent1">
-                    <a:lumOff val="-13575"/>
-                  </a:schemeClr>
-                </a:solidFill>
-              </a:rPr>
-              <a:t>    “age”: 40,</a:t>
-            </a:r>
-            <a:br>
-              <a:rPr>
-                <a:solidFill>
-                  <a:schemeClr val="accent1">
-                    <a:lumOff val="-13575"/>
-                  </a:schemeClr>
-                </a:solidFill>
-              </a:rPr>
-            </a:br>
-            <a:r>
-              <a:rPr>
-                <a:solidFill>
-                  <a:schemeClr val="accent1">
-                    <a:lumOff val="-13575"/>
-                  </a:schemeClr>
-                </a:solidFill>
-              </a:rPr>
-              <a:t>    “scores”: [10,20,19]}</a:t>
-            </a:r>
-            <a:r>
-              <a:t>,</a:t>
-            </a:r>
-          </a:p>
-          <a:p>
-            <a:pPr algn="l">
-              <a:defRPr b="0">
-                <a:latin typeface="Courier"/>
-                <a:ea typeface="Courier"/>
-                <a:cs typeface="Courier"/>
-                <a:sym typeface="Courier"/>
-              </a:defRPr>
-            </a:pPr>
-            <a:r>
-              <a:t>  “bob”: </a:t>
-            </a:r>
-            <a:r>
-              <a:rPr>
-                <a:solidFill>
-                  <a:schemeClr val="accent4">
-                    <a:hueOff val="-1081314"/>
-                    <a:satOff val="4338"/>
-                    <a:lumOff val="-8931"/>
-                  </a:schemeClr>
-                </a:solidFill>
-              </a:rPr>
-              <a:t>{</a:t>
-            </a:r>
-          </a:p>
-          <a:p>
-            <a:pPr algn="l">
-              <a:defRPr b="0">
-                <a:solidFill>
-                  <a:schemeClr val="accent4">
-                    <a:hueOff val="-1081314"/>
-                    <a:satOff val="4338"/>
-                    <a:lumOff val="-8931"/>
-                  </a:schemeClr>
-                </a:solidFill>
-                <a:latin typeface="Courier"/>
-                <a:ea typeface="Courier"/>
-                <a:cs typeface="Courier"/>
-                <a:sym typeface="Courier"/>
-              </a:defRPr>
-            </a:pPr>
-            <a:r>
-              <a:t>    “age”: 45,</a:t>
-            </a:r>
-          </a:p>
-          <a:p>
-            <a:pPr algn="l">
-              <a:defRPr b="0">
-                <a:solidFill>
-                  <a:schemeClr val="accent4">
-                    <a:hueOff val="-1081314"/>
-                    <a:satOff val="4338"/>
-                    <a:lumOff val="-8931"/>
-                  </a:schemeClr>
-                </a:solidFill>
-                <a:latin typeface="Courier"/>
-                <a:ea typeface="Courier"/>
-                <a:cs typeface="Courier"/>
-                <a:sym typeface="Courier"/>
-              </a:defRPr>
-            </a:pPr>
-            <a:r>
-              <a:t>    “scores”: [15,23,17,15]}</a:t>
-            </a:r>
-          </a:p>
-          <a:p>
-            <a:pPr algn="l">
-              <a:defRPr b="0">
-                <a:latin typeface="Courier"/>
-                <a:ea typeface="Courier"/>
-                <a:cs typeface="Courier"/>
-                <a:sym typeface="Courier"/>
-              </a:defRPr>
-            </a:pPr>
-            <a:r>
-              <a:t>}</a:t>
-            </a:r>
-          </a:p>
-        </p:txBody>
-      </p:sp>
-      <p:sp>
-        <p:nvSpPr>
-          <p:cNvPr id="335" name="dict of dicts"/>
-          <p:cNvSpPr txBox="1"/>
-          <p:nvPr/>
-        </p:nvSpPr>
-        <p:spPr>
-          <a:xfrm>
-            <a:off x="2094731" y="8077199"/>
-            <a:ext cx="1931938" cy="457201"/>
-          </a:xfrm>
-          <a:prstGeom prst="rect">
-            <a:avLst/>
-          </a:prstGeom>
-          <a:ln w="12700">
-            <a:miter lim="400000"/>
-          </a:ln>
-          <a:extLst>
-            <a:ext uri="{C572A759-6A51-4108-AA02-DFA0A04FC94B}">
-              <ma14:wrappingTextBoxFlag xmlns="" xmlns:m="http://schemas.openxmlformats.org/officeDocument/2006/math" xmlns:a14="http://schemas.microsoft.com/office/drawing/2010/main" xmlns:ma14="http://schemas.microsoft.com/office/mac/drawingml/2011/main" val="1"/>
-            </a:ext>
-          </a:extLst>
-        </p:spPr>
-        <p:txBody>
-          <a:bodyPr wrap="none" lIns="50800" tIns="50800" rIns="50800" bIns="50800" anchor="ctr">
-            <a:spAutoFit/>
-          </a:bodyPr>
-          <a:lstStyle>
-            <a:lvl1pPr>
-              <a:defRPr>
-                <a:solidFill>
-                  <a:schemeClr val="accent5">
-                    <a:hueOff val="-82419"/>
-                    <a:satOff val="-9513"/>
-                    <a:lumOff val="-16343"/>
-                  </a:schemeClr>
-                </a:solidFill>
-              </a:defRPr>
-            </a:lvl1pPr>
-          </a:lstStyle>
-          <a:p>
-            <a:r>
-              <a:t>dict of dicts</a:t>
-            </a:r>
-          </a:p>
-        </p:txBody>
-      </p:sp>
-      <p:sp>
-        <p:nvSpPr>
-          <p:cNvPr id="336" name="Rectangle"/>
-          <p:cNvSpPr/>
-          <p:nvPr/>
-        </p:nvSpPr>
-        <p:spPr>
-          <a:xfrm>
-            <a:off x="304800" y="1141018"/>
-            <a:ext cx="12395200" cy="8403085"/>
-          </a:xfrm>
-          <a:prstGeom prst="rect">
-            <a:avLst/>
-          </a:prstGeom>
-          <a:solidFill>
-            <a:srgbClr val="FFFFFF">
-              <a:alpha val="90000"/>
-            </a:srgbClr>
-          </a:solidFill>
-          <a:ln w="12700">
-            <a:miter lim="400000"/>
-          </a:ln>
-        </p:spPr>
-        <p:txBody>
-          <a:bodyPr lIns="50800" tIns="50800" rIns="50800" bIns="50800" anchor="ctr"/>
-          <a:lstStyle/>
-          <a:p>
-            <a:pPr>
-              <a:defRPr sz="2200" b="0">
-                <a:solidFill>
-                  <a:srgbClr val="FFFFFF"/>
-                </a:solidFill>
-                <a:latin typeface="+mn-lt"/>
-                <a:ea typeface="+mn-ea"/>
-                <a:cs typeface="+mn-cs"/>
-                <a:sym typeface="Gill Sans SemiBold"/>
-              </a:defRPr>
-            </a:pPr>
-            <a:endParaRPr/>
-          </a:p>
-        </p:txBody>
-      </p:sp>
-      <p:sp>
-        <p:nvSpPr>
-          <p:cNvPr id="337" name="{…"/>
-          <p:cNvSpPr txBox="1"/>
-          <p:nvPr/>
-        </p:nvSpPr>
-        <p:spPr>
-          <a:xfrm>
-            <a:off x="7519342" y="5353049"/>
-            <a:ext cx="5148710" cy="2768601"/>
-          </a:xfrm>
-          <a:prstGeom prst="rect">
-            <a:avLst/>
-          </a:prstGeom>
-          <a:ln w="25400">
-            <a:solidFill>
-              <a:srgbClr val="000000"/>
-            </a:solidFill>
-            <a:miter lim="400000"/>
-          </a:ln>
-          <a:extLst>
-            <a:ext uri="{C572A759-6A51-4108-AA02-DFA0A04FC94B}">
-              <ma14:wrappingTextBoxFlag xmlns="" xmlns:m="http://schemas.openxmlformats.org/officeDocument/2006/math" xmlns:a14="http://schemas.microsoft.com/office/drawing/2010/main" xmlns:ma14="http://schemas.microsoft.com/office/mac/drawingml/2011/main" val="1"/>
-            </a:ext>
-          </a:extLst>
-        </p:spPr>
-        <p:txBody>
-          <a:bodyPr lIns="50800" tIns="50800" rIns="50800" bIns="50800" anchor="ctr">
-            <a:spAutoFit/>
-          </a:bodyPr>
-          <a:lstStyle/>
-          <a:p>
-            <a:pPr algn="l">
-              <a:defRPr sz="2200" b="0">
-                <a:latin typeface="Courier"/>
-                <a:ea typeface="Courier"/>
-                <a:cs typeface="Courier"/>
-                <a:sym typeface="Courier"/>
-              </a:defRPr>
-            </a:pPr>
-            <a:r>
-              <a:t>{</a:t>
-            </a:r>
-          </a:p>
-          <a:p>
-            <a:pPr algn="l">
-              <a:defRPr sz="2200" b="0">
-                <a:latin typeface="Courier"/>
-                <a:ea typeface="Courier"/>
-                <a:cs typeface="Courier"/>
-                <a:sym typeface="Courier"/>
-              </a:defRPr>
-            </a:pPr>
-            <a:r>
-              <a:t>  “alice”: {</a:t>
-            </a:r>
-          </a:p>
-          <a:p>
-            <a:pPr algn="l">
-              <a:defRPr sz="2200" b="0">
-                <a:latin typeface="Courier"/>
-                <a:ea typeface="Courier"/>
-                <a:cs typeface="Courier"/>
-                <a:sym typeface="Courier"/>
-              </a:defRPr>
-            </a:pPr>
-            <a:r>
-              <a:t>    “age”: 40,</a:t>
-            </a:r>
-            <a:br/>
-            <a:r>
-              <a:t>    “scores”: [10,20,19]},</a:t>
-            </a:r>
-          </a:p>
-          <a:p>
-            <a:pPr algn="l">
-              <a:defRPr sz="2200" b="0">
-                <a:latin typeface="Courier"/>
-                <a:ea typeface="Courier"/>
-                <a:cs typeface="Courier"/>
-                <a:sym typeface="Courier"/>
-              </a:defRPr>
-            </a:pPr>
-            <a:r>
-              <a:t>  “bob”: {</a:t>
-            </a:r>
-          </a:p>
-          <a:p>
-            <a:pPr algn="l">
-              <a:defRPr sz="2200" b="0">
-                <a:latin typeface="Courier"/>
-                <a:ea typeface="Courier"/>
-                <a:cs typeface="Courier"/>
-                <a:sym typeface="Courier"/>
-              </a:defRPr>
-            </a:pPr>
-            <a:r>
-              <a:t>    “age”: 45,</a:t>
-            </a:r>
-          </a:p>
-          <a:p>
-            <a:pPr algn="l">
-              <a:defRPr sz="2200" b="0">
-                <a:latin typeface="Courier"/>
-                <a:ea typeface="Courier"/>
-                <a:cs typeface="Courier"/>
-                <a:sym typeface="Courier"/>
-              </a:defRPr>
-            </a:pPr>
-            <a:r>
-              <a:t>    “scores”: [15,23,17,15]}</a:t>
-            </a:r>
-          </a:p>
-          <a:p>
-            <a:pPr algn="l">
-              <a:defRPr sz="2200" b="0">
-                <a:latin typeface="Courier"/>
-                <a:ea typeface="Courier"/>
-                <a:cs typeface="Courier"/>
-                <a:sym typeface="Courier"/>
-              </a:defRPr>
-            </a:pPr>
-            <a:r>
-              <a:t>}</a:t>
-            </a:r>
-          </a:p>
-        </p:txBody>
-      </p:sp>
-      <p:sp>
-        <p:nvSpPr>
-          <p:cNvPr id="338" name="JSON file"/>
-          <p:cNvSpPr txBox="1"/>
-          <p:nvPr/>
-        </p:nvSpPr>
-        <p:spPr>
-          <a:xfrm>
-            <a:off x="9335566" y="8205484"/>
-            <a:ext cx="1516262" cy="457201"/>
-          </a:xfrm>
-          <a:prstGeom prst="rect">
-            <a:avLst/>
-          </a:prstGeom>
-          <a:ln w="12700">
-            <a:miter lim="400000"/>
-          </a:ln>
-          <a:extLst>
-            <a:ext uri="{C572A759-6A51-4108-AA02-DFA0A04FC94B}">
-              <ma14:wrappingTextBoxFlag xmlns="" xmlns:m="http://schemas.openxmlformats.org/officeDocument/2006/math" xmlns:a14="http://schemas.microsoft.com/office/drawing/2010/main" xmlns:ma14="http://schemas.microsoft.com/office/mac/drawingml/2011/main" val="1"/>
-            </a:ext>
-          </a:extLst>
-        </p:spPr>
-        <p:txBody>
-          <a:bodyPr wrap="none" lIns="50800" tIns="50800" rIns="50800" bIns="50800" anchor="ctr">
-            <a:spAutoFit/>
-          </a:bodyPr>
-          <a:lstStyle>
-            <a:lvl1pPr>
-              <a:defRPr>
-                <a:solidFill>
-                  <a:schemeClr val="accent5">
-                    <a:hueOff val="-82419"/>
-                    <a:satOff val="-9513"/>
-                    <a:lumOff val="-16343"/>
-                  </a:schemeClr>
-                </a:solidFill>
-              </a:defRPr>
-            </a:lvl1pPr>
-          </a:lstStyle>
-          <a:p>
-            <a:r>
-              <a:t>JSON file</a:t>
-            </a:r>
-          </a:p>
-        </p:txBody>
-      </p:sp>
-      <p:sp>
-        <p:nvSpPr>
-          <p:cNvPr id="343" name="Connection Line"/>
-          <p:cNvSpPr/>
-          <p:nvPr/>
-        </p:nvSpPr>
-        <p:spPr>
-          <a:xfrm>
-            <a:off x="6144848" y="2900097"/>
-            <a:ext cx="2745682" cy="2219525"/>
-          </a:xfrm>
-          <a:custGeom>
-            <a:avLst/>
-            <a:gdLst/>
-            <a:ahLst/>
-            <a:cxnLst>
-              <a:cxn ang="0">
-                <a:pos x="wd2" y="hd2"/>
-              </a:cxn>
-              <a:cxn ang="5400000">
-                <a:pos x="wd2" y="hd2"/>
-              </a:cxn>
-              <a:cxn ang="10800000">
-                <a:pos x="wd2" y="hd2"/>
-              </a:cxn>
-              <a:cxn ang="16200000">
-                <a:pos x="wd2" y="hd2"/>
-              </a:cxn>
-            </a:cxnLst>
-            <a:rect l="0" t="0" r="r" b="b"/>
-            <a:pathLst>
-              <a:path w="21600" h="21600" extrusionOk="0">
-                <a:moveTo>
-                  <a:pt x="0" y="0"/>
-                </a:moveTo>
-                <a:cubicBezTo>
-                  <a:pt x="12826" y="1339"/>
-                  <a:pt x="20026" y="8539"/>
-                  <a:pt x="21600" y="21600"/>
-                </a:cubicBezTo>
-              </a:path>
-            </a:pathLst>
-          </a:custGeom>
-          <a:ln w="127000">
-            <a:solidFill>
-              <a:schemeClr val="accent5">
-                <a:hueOff val="-82419"/>
-                <a:satOff val="-9513"/>
-                <a:lumOff val="-16343"/>
-              </a:schemeClr>
-            </a:solidFill>
-            <a:miter lim="400000"/>
-            <a:tailEnd type="triangle"/>
-          </a:ln>
-        </p:spPr>
-        <p:txBody>
-          <a:bodyPr/>
-          <a:lstStyle/>
-          <a:p>
-            <a:endParaRPr/>
-          </a:p>
-        </p:txBody>
-      </p:sp>
-      <p:sp>
-        <p:nvSpPr>
-          <p:cNvPr id="340" name="JSON files look almost…"/>
-          <p:cNvSpPr txBox="1"/>
-          <p:nvPr/>
-        </p:nvSpPr>
-        <p:spPr>
-          <a:xfrm>
-            <a:off x="2238747" y="2240907"/>
-            <a:ext cx="3980706" cy="1168401"/>
-          </a:xfrm>
-          <a:prstGeom prst="rect">
-            <a:avLst/>
-          </a:prstGeom>
-          <a:ln w="12700">
-            <a:miter lim="400000"/>
-          </a:ln>
-          <a:extLst>
-            <a:ext uri="{C572A759-6A51-4108-AA02-DFA0A04FC94B}">
-              <ma14:wrappingTextBoxFlag xmlns="" xmlns:m="http://schemas.openxmlformats.org/officeDocument/2006/math" xmlns:a14="http://schemas.microsoft.com/office/drawing/2010/main" xmlns:ma14="http://schemas.microsoft.com/office/mac/drawingml/2011/main" val="1"/>
-            </a:ext>
-          </a:extLst>
-        </p:spPr>
-        <p:txBody>
-          <a:bodyPr wrap="none" lIns="50800" tIns="50800" rIns="50800" bIns="50800" anchor="ctr">
-            <a:spAutoFit/>
-          </a:bodyPr>
-          <a:lstStyle/>
-          <a:p>
-            <a:pPr>
-              <a:defRPr>
-                <a:solidFill>
-                  <a:schemeClr val="accent5">
-                    <a:hueOff val="-82419"/>
-                    <a:satOff val="-9513"/>
-                    <a:lumOff val="-16343"/>
-                  </a:schemeClr>
-                </a:solidFill>
-              </a:defRPr>
-            </a:pPr>
-            <a:r>
-              <a:t>JSON files look almost</a:t>
-            </a:r>
-          </a:p>
-          <a:p>
-            <a:pPr>
-              <a:defRPr>
-                <a:solidFill>
-                  <a:schemeClr val="accent5">
-                    <a:hueOff val="-82419"/>
-                    <a:satOff val="-9513"/>
-                    <a:lumOff val="-16343"/>
-                  </a:schemeClr>
-                </a:solidFill>
-              </a:defRPr>
-            </a:pPr>
-            <a:r>
-              <a:t>identical to Python code</a:t>
-            </a:r>
-          </a:p>
-          <a:p>
-            <a:pPr>
-              <a:defRPr>
-                <a:solidFill>
-                  <a:schemeClr val="accent5">
-                    <a:hueOff val="-82419"/>
-                    <a:satOff val="-9513"/>
-                    <a:lumOff val="-16343"/>
-                  </a:schemeClr>
-                </a:solidFill>
-              </a:defRPr>
-            </a:pPr>
-            <a:r>
-              <a:t>for data structures!</a:t>
-            </a:r>
-          </a:p>
-        </p:txBody>
-      </p:sp>
-      <p:sp>
-        <p:nvSpPr>
-          <p:cNvPr id="341" name="Square"/>
-          <p:cNvSpPr/>
-          <p:nvPr/>
-        </p:nvSpPr>
-        <p:spPr>
-          <a:xfrm>
-            <a:off x="9347200" y="6030464"/>
-            <a:ext cx="420688" cy="422960"/>
-          </a:xfrm>
-          <a:prstGeom prst="rect">
-            <a:avLst/>
-          </a:prstGeom>
-          <a:ln w="38100">
-            <a:solidFill>
-              <a:srgbClr val="FF2600"/>
-            </a:solidFill>
-            <a:miter lim="400000"/>
-          </a:ln>
-        </p:spPr>
-        <p:txBody>
-          <a:bodyPr lIns="50800" tIns="50800" rIns="50800" bIns="50800" anchor="ctr"/>
-          <a:lstStyle/>
-          <a:p>
-            <a:pPr>
-              <a:defRPr sz="2200" b="0">
-                <a:solidFill>
-                  <a:srgbClr val="FFFFFF"/>
-                </a:solidFill>
-                <a:latin typeface="+mn-lt"/>
-                <a:ea typeface="+mn-ea"/>
-                <a:cs typeface="+mn-cs"/>
-                <a:sym typeface="Gill Sans SemiBold"/>
-              </a:defRPr>
-            </a:pPr>
-            <a:endParaRPr/>
-          </a:p>
-        </p:txBody>
-      </p:sp>
-      <p:sp>
-        <p:nvSpPr>
-          <p:cNvPr id="342" name="integers look like integers"/>
-          <p:cNvSpPr txBox="1"/>
-          <p:nvPr/>
-        </p:nvSpPr>
-        <p:spPr>
-          <a:xfrm>
-            <a:off x="3145358" y="4961560"/>
-            <a:ext cx="4123284" cy="457201"/>
-          </a:xfrm>
-          <a:prstGeom prst="rect">
-            <a:avLst/>
-          </a:prstGeom>
-          <a:ln w="12700">
-            <a:miter lim="400000"/>
-          </a:ln>
-          <a:extLst>
-            <a:ext uri="{C572A759-6A51-4108-AA02-DFA0A04FC94B}">
-              <ma14:wrappingTextBoxFlag xmlns="" xmlns:m="http://schemas.openxmlformats.org/officeDocument/2006/math" xmlns:a14="http://schemas.microsoft.com/office/drawing/2010/main" xmlns:ma14="http://schemas.microsoft.com/office/mac/drawingml/2011/main" val="1"/>
-            </a:ext>
-          </a:extLst>
-        </p:spPr>
-        <p:txBody>
-          <a:bodyPr wrap="none" lIns="50800" tIns="50800" rIns="50800" bIns="50800" anchor="ctr">
-            <a:spAutoFit/>
-          </a:bodyPr>
-          <a:lstStyle>
-            <a:lvl1pPr>
-              <a:defRPr>
-                <a:solidFill>
-                  <a:schemeClr val="accent5">
-                    <a:hueOff val="-82419"/>
-                    <a:satOff val="-9513"/>
-                    <a:lumOff val="-16343"/>
-                  </a:schemeClr>
-                </a:solidFill>
-              </a:defRPr>
-            </a:lvl1pPr>
-          </a:lstStyle>
-          <a:p>
-            <a:r>
-              <a:t>integers look like integers</a:t>
-            </a:r>
-          </a:p>
-        </p:txBody>
-      </p:sp>
-    </p:spTree>
-  </p:cSld>
-  <p:clrMapOvr>
-    <a:masterClrMapping/>
-  </p:clrMapOvr>
-  <p:transition spd="med"/>
-</p:sld>
-</file>
-
-<file path=ppt/slides/slide13.xml><?xml version="1.0" encoding="utf-8"?>
 <p:sld xmlns:a="http://schemas.openxmlformats.org/drawingml/2006/main" xmlns:r="http://schemas.openxmlformats.org/officeDocument/2006/relationships" xmlns:p="http://schemas.openxmlformats.org/presentationml/2006/main">
   <p:cSld>
     <p:spTree>
@@ -7768,7 +6609,7 @@
 </p:sld>
 </file>
 
-<file path=ppt/slides/slide14.xml><?xml version="1.0" encoding="utf-8"?>
+<file path=ppt/slides/slide13.xml><?xml version="1.0" encoding="utf-8"?>
 <p:sld xmlns:a="http://schemas.openxmlformats.org/drawingml/2006/main" xmlns:r="http://schemas.openxmlformats.org/officeDocument/2006/relationships" xmlns:p="http://schemas.openxmlformats.org/presentationml/2006/main">
   <p:cSld>
     <p:spTree>
@@ -8594,7 +7435,7 @@
 </p:sld>
 </file>
 
-<file path=ppt/slides/slide15.xml><?xml version="1.0" encoding="utf-8"?>
+<file path=ppt/slides/slide14.xml><?xml version="1.0" encoding="utf-8"?>
 <p:sld xmlns:a="http://schemas.openxmlformats.org/drawingml/2006/main" xmlns:r="http://schemas.openxmlformats.org/officeDocument/2006/relationships" xmlns:p="http://schemas.openxmlformats.org/presentationml/2006/main">
   <p:cSld>
     <p:spTree>
@@ -8613,7 +7454,7 @@
       </p:grpSpPr>
       <p:sp>
         <p:nvSpPr>
-          <p:cNvPr id="369" name="{…"/>
+          <p:cNvPr id="394" name="{…"/>
           <p:cNvSpPr txBox="1">
             <a:spLocks noGrp="1"/>
           </p:cNvSpPr>
@@ -8707,7 +7548,7 @@
       </p:sp>
       <p:sp>
         <p:nvSpPr>
-          <p:cNvPr id="370" name="JSON file saved somewhere"/>
+          <p:cNvPr id="395" name="JSON file saved somewhere"/>
           <p:cNvSpPr txBox="1"/>
           <p:nvPr/>
         </p:nvSpPr>
@@ -8742,7 +7583,7 @@
       </p:sp>
       <p:sp>
         <p:nvSpPr>
-          <p:cNvPr id="371" name="Python Program"/>
+          <p:cNvPr id="396" name="Python Program"/>
           <p:cNvSpPr txBox="1"/>
           <p:nvPr/>
         </p:nvSpPr>
@@ -8777,7 +7618,7 @@
       </p:sp>
       <p:sp>
         <p:nvSpPr>
-          <p:cNvPr id="372" name="Rectangle"/>
+          <p:cNvPr id="397" name="Rectangle"/>
           <p:cNvSpPr/>
           <p:nvPr/>
         </p:nvSpPr>
@@ -8817,7 +7658,7 @@
       </p:sp>
       <p:sp>
         <p:nvSpPr>
-          <p:cNvPr id="373" name="Arrow"/>
+          <p:cNvPr id="398" name="Arrow"/>
           <p:cNvSpPr/>
           <p:nvPr/>
         </p:nvSpPr>
@@ -8864,7 +7705,7 @@
       </p:sp>
       <p:sp>
         <p:nvSpPr>
-          <p:cNvPr id="374" name="Arrow"/>
+          <p:cNvPr id="399" name="Arrow"/>
           <p:cNvSpPr/>
           <p:nvPr/>
         </p:nvSpPr>
@@ -8911,7 +7752,7 @@
       </p:sp>
       <p:sp>
         <p:nvSpPr>
-          <p:cNvPr id="375" name="{“alice”:10, “bob”:12,  “cindy”:15}"/>
+          <p:cNvPr id="400" name="{“alice”:10, “bob”:12,  “cindy”:15}"/>
           <p:cNvSpPr txBox="1"/>
           <p:nvPr/>
         </p:nvSpPr>
@@ -8958,7 +7799,7 @@
       </p:sp>
       <p:sp>
         <p:nvSpPr>
-          <p:cNvPr id="376" name="Arrow"/>
+          <p:cNvPr id="401" name="Arrow"/>
           <p:cNvSpPr/>
           <p:nvPr/>
         </p:nvSpPr>
@@ -9005,7 +7846,7 @@
       </p:sp>
       <p:sp>
         <p:nvSpPr>
-          <p:cNvPr id="377" name="Analysis Code"/>
+          <p:cNvPr id="402" name="Analysis Code"/>
           <p:cNvSpPr/>
           <p:nvPr/>
         </p:nvSpPr>
@@ -9050,7 +7891,7 @@
       </p:sp>
       <p:sp>
         <p:nvSpPr>
-          <p:cNvPr id="378" name="dict"/>
+          <p:cNvPr id="403" name="dict"/>
           <p:cNvSpPr txBox="1"/>
           <p:nvPr/>
         </p:nvSpPr>
@@ -9097,7 +7938,7 @@
       </p:sp>
       <p:sp>
         <p:nvSpPr>
-          <p:cNvPr id="379" name="data[“cindy”]"/>
+          <p:cNvPr id="404" name="data[“cindy”]"/>
           <p:cNvSpPr txBox="1"/>
           <p:nvPr/>
         </p:nvSpPr>
@@ -9141,7 +7982,7 @@
       </p:sp>
       <p:sp>
         <p:nvSpPr>
-          <p:cNvPr id="380" name="Line"/>
+          <p:cNvPr id="405" name="Line"/>
           <p:cNvSpPr/>
           <p:nvPr/>
         </p:nvSpPr>
@@ -9186,7 +8027,7 @@
       </p:sp>
       <p:sp>
         <p:nvSpPr>
-          <p:cNvPr id="381" name="15"/>
+          <p:cNvPr id="406" name="15"/>
           <p:cNvSpPr txBox="1"/>
           <p:nvPr/>
         </p:nvSpPr>
@@ -9225,13 +8066,13 @@
       </p:sp>
       <p:sp>
         <p:nvSpPr>
-          <p:cNvPr id="382" name="Rectangle"/>
+          <p:cNvPr id="407" name="Rectangle"/>
           <p:cNvSpPr/>
           <p:nvPr/>
         </p:nvSpPr>
         <p:spPr>
           <a:xfrm>
-            <a:off x="352149" y="460424"/>
+            <a:off x="381000" y="435024"/>
             <a:ext cx="12300502" cy="8832752"/>
           </a:xfrm>
           <a:prstGeom prst="rect">
@@ -9267,7 +8108,7 @@
       </p:sp>
       <p:sp>
         <p:nvSpPr>
-          <p:cNvPr id="383" name="Reading JSON Files"/>
+          <p:cNvPr id="408" name="Reading JSON Files"/>
           <p:cNvSpPr txBox="1">
             <a:spLocks noGrp="1"/>
           </p:cNvSpPr>
@@ -9300,7 +8141,7 @@
       </p:sp>
       <p:sp>
         <p:nvSpPr>
-          <p:cNvPr id="384" name="Parsing Code"/>
+          <p:cNvPr id="409" name="Parsing Code"/>
           <p:cNvSpPr/>
           <p:nvPr/>
         </p:nvSpPr>
@@ -9345,7 +8186,7 @@
       </p:sp>
       <p:sp>
         <p:nvSpPr>
-          <p:cNvPr id="385" name="What does this look like?"/>
+          <p:cNvPr id="410" name="What does this look like?"/>
           <p:cNvSpPr txBox="1"/>
           <p:nvPr/>
         </p:nvSpPr>
@@ -9392,7 +8233,7 @@
       </p:sp>
       <p:sp>
         <p:nvSpPr>
-          <p:cNvPr id="392" name="Connection Line"/>
+          <p:cNvPr id="418" name="Connection Line"/>
           <p:cNvSpPr/>
           <p:nvPr/>
         </p:nvSpPr>
@@ -9455,7 +8296,7 @@
       </p:sp>
       <p:sp>
         <p:nvSpPr>
-          <p:cNvPr id="387" name="import json…"/>
+          <p:cNvPr id="412" name="import json…"/>
           <p:cNvSpPr txBox="1"/>
           <p:nvPr/>
         </p:nvSpPr>
@@ -9491,6 +8332,7 @@
               </a:defRPr>
             </a:pPr>
             <a:r>
+              <a:rPr dirty="0"/>
               <a:t>import json</a:t>
             </a:r>
           </a:p>
@@ -9503,7 +8345,7 @@
                 <a:sym typeface="Courier"/>
               </a:defRPr>
             </a:pPr>
-            <a:endParaRPr/>
+            <a:endParaRPr dirty="0"/>
           </a:p>
           <a:p>
             <a:pPr algn="l">
@@ -9515,7 +8357,16 @@
               </a:defRPr>
             </a:pPr>
             <a:r>
-              <a:t>def read_json(path):</a:t>
+              <a:rPr dirty="0"/>
+              <a:t>def </a:t>
+            </a:r>
+            <a:r>
+              <a:rPr dirty="0" err="1"/>
+              <a:t>read_json</a:t>
+            </a:r>
+            <a:r>
+              <a:rPr dirty="0"/>
+              <a:t>(path):</a:t>
             </a:r>
           </a:p>
           <a:p>
@@ -9528,6 +8379,7 @@
               </a:defRPr>
             </a:pPr>
             <a:r>
+              <a:rPr dirty="0"/>
               <a:t>    with open(path, encoding="utf-8") as f:</a:t>
             </a:r>
           </a:p>
@@ -9541,22 +8393,107 @@
               </a:defRPr>
             </a:pPr>
             <a:r>
-              <a:t>        return json.load(f) </a:t>
-            </a:r>
-            <a:r>
-              <a:rPr>
+              <a:rPr dirty="0"/>
+              <a:t>        return </a:t>
+            </a:r>
+            <a:r>
+              <a:rPr dirty="0" err="1"/>
+              <a:t>json.load</a:t>
+            </a:r>
+            <a:r>
+              <a:rPr dirty="0"/>
+              <a:t>(f) </a:t>
+            </a:r>
+            <a:r>
+              <a:rPr dirty="0">
                 <a:solidFill>
                   <a:srgbClr val="929292"/>
                 </a:solidFill>
               </a:rPr>
-              <a:t># dict, list, etc</a:t>
-            </a:r>
-          </a:p>
-        </p:txBody>
-      </p:sp>
-      <p:sp>
-        <p:nvSpPr>
-          <p:cNvPr id="388" name="CTRL"/>
+              <a:t># </a:t>
+            </a:r>
+            <a:r>
+              <a:rPr dirty="0" err="1">
+                <a:solidFill>
+                  <a:srgbClr val="929292"/>
+                </a:solidFill>
+              </a:rPr>
+              <a:t>dict</a:t>
+            </a:r>
+            <a:r>
+              <a:rPr dirty="0">
+                <a:solidFill>
+                  <a:srgbClr val="929292"/>
+                </a:solidFill>
+              </a:rPr>
+              <a:t>, list, </a:t>
+            </a:r>
+            <a:r>
+              <a:rPr dirty="0" err="1">
+                <a:solidFill>
+                  <a:srgbClr val="929292"/>
+                </a:solidFill>
+              </a:rPr>
+              <a:t>etc</a:t>
+            </a:r>
+            <a:endParaRPr dirty="0">
+              <a:solidFill>
+                <a:srgbClr val="929292"/>
+              </a:solidFill>
+            </a:endParaRPr>
+          </a:p>
+        </p:txBody>
+      </p:sp>
+      <p:sp>
+        <p:nvSpPr>
+          <p:cNvPr id="413" name="what about writing new files?"/>
+          <p:cNvSpPr txBox="1"/>
+          <p:nvPr/>
+        </p:nvSpPr>
+        <p:spPr>
+          <a:xfrm>
+            <a:off x="785267" y="5796382"/>
+            <a:ext cx="4623198" cy="457201"/>
+          </a:xfrm>
+          <a:prstGeom prst="rect">
+            <a:avLst/>
+          </a:prstGeom>
+          <a:ln w="12700">
+            <a:miter lim="400000"/>
+          </a:ln>
+          <a:extLst>
+            <a:ext uri="{C572A759-6A51-4108-AA02-DFA0A04FC94B}">
+              <ma14:wrappingTextBoxFlag xmlns="" xmlns:m="http://schemas.openxmlformats.org/officeDocument/2006/math" xmlns:a14="http://schemas.microsoft.com/office/drawing/2010/main" xmlns:ma14="http://schemas.microsoft.com/office/mac/drawingml/2011/main" val="1"/>
+            </a:ext>
+          </a:extLst>
+        </p:spPr>
+        <p:txBody>
+          <a:bodyPr wrap="none" lIns="50800" tIns="50800" rIns="50800" bIns="50800" anchor="ctr">
+            <a:spAutoFit/>
+          </a:bodyPr>
+          <a:lstStyle>
+            <a:lvl1pPr>
+              <a:defRPr>
+                <a:solidFill>
+                  <a:schemeClr val="accent5">
+                    <a:hueOff val="-82419"/>
+                    <a:satOff val="-9513"/>
+                    <a:lumOff val="-16343"/>
+                  </a:schemeClr>
+                </a:solidFill>
+              </a:defRPr>
+            </a:lvl1pPr>
+          </a:lstStyle>
+          <a:p>
+            <a:r>
+              <a:t>what about writing new files?</a:t>
+            </a:r>
+          </a:p>
+        </p:txBody>
+      </p:sp>
+      <p:sp>
+        <p:nvSpPr>
+          <p:cNvPr id="414" name="CTRL"/>
           <p:cNvSpPr/>
           <p:nvPr/>
         </p:nvSpPr>
@@ -9613,7 +8550,7 @@
       </p:sp>
       <p:sp>
         <p:nvSpPr>
-          <p:cNvPr id="389" name="C"/>
+          <p:cNvPr id="415" name="C"/>
           <p:cNvSpPr/>
           <p:nvPr/>
         </p:nvSpPr>
@@ -9670,7 +8607,7 @@
       </p:sp>
       <p:sp>
         <p:nvSpPr>
-          <p:cNvPr id="390" name="+"/>
+          <p:cNvPr id="416" name="+"/>
           <p:cNvSpPr txBox="1"/>
           <p:nvPr/>
         </p:nvSpPr>
@@ -9709,7 +8646,7 @@
       </p:sp>
       <p:sp>
         <p:nvSpPr>
-          <p:cNvPr id="391" name="don't need to understand…"/>
+          <p:cNvPr id="417" name="don't need to understand…"/>
           <p:cNvSpPr txBox="1"/>
           <p:nvPr/>
         </p:nvSpPr>
@@ -9749,6 +8686,558 @@
             </a:pPr>
             <a:r>
               <a:t>this snippet yet</a:t>
+            </a:r>
+          </a:p>
+        </p:txBody>
+      </p:sp>
+    </p:spTree>
+  </p:cSld>
+  <p:clrMapOvr>
+    <a:masterClrMapping/>
+  </p:clrMapOvr>
+  <p:transition spd="med"/>
+</p:sld>
+</file>
+
+<file path=ppt/slides/slide15.xml><?xml version="1.0" encoding="utf-8"?>
+<p:sld xmlns:a="http://schemas.openxmlformats.org/drawingml/2006/main" xmlns:r="http://schemas.openxmlformats.org/officeDocument/2006/relationships" xmlns:p="http://schemas.openxmlformats.org/presentationml/2006/main">
+  <p:cSld>
+    <p:spTree>
+      <p:nvGrpSpPr>
+        <p:cNvPr id="1" name=""/>
+        <p:cNvGrpSpPr/>
+        <p:nvPr/>
+      </p:nvGrpSpPr>
+      <p:grpSpPr>
+        <a:xfrm>
+          <a:off x="0" y="0"/>
+          <a:ext cx="0" cy="0"/>
+          <a:chOff x="0" y="0"/>
+          <a:chExt cx="0" cy="0"/>
+        </a:xfrm>
+      </p:grpSpPr>
+      <p:sp>
+        <p:nvSpPr>
+          <p:cNvPr id="420" name="Data Structures and Files"/>
+          <p:cNvSpPr txBox="1">
+            <a:spLocks noGrp="1"/>
+          </p:cNvSpPr>
+          <p:nvPr>
+            <p:ph type="title"/>
+          </p:nvPr>
+        </p:nvSpPr>
+        <p:spPr>
+          <a:xfrm>
+            <a:off x="355600" y="177389"/>
+            <a:ext cx="8091786" cy="902346"/>
+          </a:xfrm>
+          <a:prstGeom prst="rect">
+            <a:avLst/>
+          </a:prstGeom>
+        </p:spPr>
+        <p:txBody>
+          <a:bodyPr/>
+          <a:lstStyle>
+            <a:lvl1pPr algn="l">
+              <a:defRPr sz="4800"/>
+            </a:lvl1pPr>
+          </a:lstStyle>
+          <a:p>
+            <a:r>
+              <a:t>Data Structures and Files</a:t>
+            </a:r>
+          </a:p>
+        </p:txBody>
+      </p:sp>
+      <p:sp>
+        <p:nvSpPr>
+          <p:cNvPr id="421" name="Data Structures…"/>
+          <p:cNvSpPr/>
+          <p:nvPr/>
+        </p:nvSpPr>
+        <p:spPr>
+          <a:xfrm>
+            <a:off x="2796778" y="3120603"/>
+            <a:ext cx="2712244" cy="1632794"/>
+          </a:xfrm>
+          <a:prstGeom prst="roundRect">
+            <a:avLst>
+              <a:gd name="adj" fmla="val 15000"/>
+            </a:avLst>
+          </a:prstGeom>
+          <a:solidFill>
+            <a:schemeClr val="accent6">
+              <a:satOff val="-15808"/>
+              <a:lumOff val="-17557"/>
+            </a:schemeClr>
+          </a:solidFill>
+          <a:ln w="12700">
+            <a:miter lim="400000"/>
+          </a:ln>
+          <a:extLst>
+            <a:ext uri="{C572A759-6A51-4108-AA02-DFA0A04FC94B}">
+              <ma14:wrappingTextBoxFlag xmlns="" xmlns:m="http://schemas.openxmlformats.org/officeDocument/2006/math" xmlns:a14="http://schemas.microsoft.com/office/drawing/2010/main" xmlns:ma14="http://schemas.microsoft.com/office/mac/drawingml/2011/main" val="1"/>
+            </a:ext>
+          </a:extLst>
+        </p:spPr>
+        <p:txBody>
+          <a:bodyPr lIns="50800" tIns="50800" rIns="50800" bIns="50800" anchor="ctr"/>
+          <a:lstStyle/>
+          <a:p>
+            <a:pPr>
+              <a:defRPr sz="2200" b="0">
+                <a:solidFill>
+                  <a:srgbClr val="FFFFFF"/>
+                </a:solidFill>
+                <a:latin typeface="+mn-lt"/>
+                <a:ea typeface="+mn-ea"/>
+                <a:cs typeface="+mn-cs"/>
+                <a:sym typeface="Gill Sans SemiBold"/>
+              </a:defRPr>
+            </a:pPr>
+            <a:r>
+              <a:t>Data Structures</a:t>
+            </a:r>
+          </a:p>
+          <a:p>
+            <a:pPr>
+              <a:defRPr sz="2200" b="0">
+                <a:solidFill>
+                  <a:srgbClr val="FFFFFF"/>
+                </a:solidFill>
+                <a:latin typeface="+mn-lt"/>
+                <a:ea typeface="+mn-ea"/>
+                <a:cs typeface="+mn-cs"/>
+                <a:sym typeface="Gill Sans SemiBold"/>
+              </a:defRPr>
+            </a:pPr>
+            <a:r>
+              <a:t>[lists, dicts, etc]</a:t>
+            </a:r>
+          </a:p>
+        </p:txBody>
+      </p:sp>
+      <p:sp>
+        <p:nvSpPr>
+          <p:cNvPr id="422" name="Files…"/>
+          <p:cNvSpPr/>
+          <p:nvPr/>
+        </p:nvSpPr>
+        <p:spPr>
+          <a:xfrm>
+            <a:off x="7495778" y="3120603"/>
+            <a:ext cx="2712244" cy="1632794"/>
+          </a:xfrm>
+          <a:prstGeom prst="roundRect">
+            <a:avLst>
+              <a:gd name="adj" fmla="val 15000"/>
+            </a:avLst>
+          </a:prstGeom>
+          <a:solidFill>
+            <a:schemeClr val="accent1"/>
+          </a:solidFill>
+          <a:ln w="12700">
+            <a:miter lim="400000"/>
+          </a:ln>
+          <a:extLst>
+            <a:ext uri="{C572A759-6A51-4108-AA02-DFA0A04FC94B}">
+              <ma14:wrappingTextBoxFlag xmlns="" xmlns:m="http://schemas.openxmlformats.org/officeDocument/2006/math" xmlns:a14="http://schemas.microsoft.com/office/drawing/2010/main" xmlns:ma14="http://schemas.microsoft.com/office/mac/drawingml/2011/main" val="1"/>
+            </a:ext>
+          </a:extLst>
+        </p:spPr>
+        <p:txBody>
+          <a:bodyPr lIns="50800" tIns="50800" rIns="50800" bIns="50800" anchor="ctr"/>
+          <a:lstStyle/>
+          <a:p>
+            <a:pPr>
+              <a:defRPr sz="2200" b="0">
+                <a:solidFill>
+                  <a:srgbClr val="FFFFFF"/>
+                </a:solidFill>
+                <a:latin typeface="+mn-lt"/>
+                <a:ea typeface="+mn-ea"/>
+                <a:cs typeface="+mn-cs"/>
+                <a:sym typeface="Gill Sans SemiBold"/>
+              </a:defRPr>
+            </a:pPr>
+            <a:r>
+              <a:t>Files</a:t>
+            </a:r>
+          </a:p>
+          <a:p>
+            <a:pPr>
+              <a:defRPr sz="2200" b="0">
+                <a:solidFill>
+                  <a:srgbClr val="FFFFFF"/>
+                </a:solidFill>
+                <a:latin typeface="+mn-lt"/>
+                <a:ea typeface="+mn-ea"/>
+                <a:cs typeface="+mn-cs"/>
+                <a:sym typeface="Gill Sans SemiBold"/>
+              </a:defRPr>
+            </a:pPr>
+            <a:r>
+              <a:t>[CSVs, JSONs, etc]</a:t>
+            </a:r>
+          </a:p>
+        </p:txBody>
+      </p:sp>
+      <p:sp>
+        <p:nvSpPr>
+          <p:cNvPr id="431" name="Connection Line"/>
+          <p:cNvSpPr/>
+          <p:nvPr/>
+        </p:nvSpPr>
+        <p:spPr>
+          <a:xfrm>
+            <a:off x="5009091" y="2016596"/>
+            <a:ext cx="2859733" cy="884296"/>
+          </a:xfrm>
+          <a:custGeom>
+            <a:avLst/>
+            <a:gdLst/>
+            <a:ahLst/>
+            <a:cxnLst>
+              <a:cxn ang="0">
+                <a:pos x="wd2" y="hd2"/>
+              </a:cxn>
+              <a:cxn ang="5400000">
+                <a:pos x="wd2" y="hd2"/>
+              </a:cxn>
+              <a:cxn ang="10800000">
+                <a:pos x="wd2" y="hd2"/>
+              </a:cxn>
+              <a:cxn ang="16200000">
+                <a:pos x="wd2" y="hd2"/>
+              </a:cxn>
+            </a:cxnLst>
+            <a:rect l="0" t="0" r="r" b="b"/>
+            <a:pathLst>
+              <a:path w="21600" h="16200" extrusionOk="0">
+                <a:moveTo>
+                  <a:pt x="0" y="16200"/>
+                </a:moveTo>
+                <a:cubicBezTo>
+                  <a:pt x="6826" y="-5382"/>
+                  <a:pt x="14026" y="-5400"/>
+                  <a:pt x="21600" y="16147"/>
+                </a:cubicBezTo>
+              </a:path>
+            </a:pathLst>
+          </a:custGeom>
+          <a:ln w="76200">
+            <a:solidFill>
+              <a:srgbClr val="000000"/>
+            </a:solidFill>
+            <a:miter lim="400000"/>
+            <a:tailEnd type="triangle"/>
+          </a:ln>
+        </p:spPr>
+        <p:txBody>
+          <a:bodyPr/>
+          <a:lstStyle/>
+          <a:p>
+            <a:endParaRPr/>
+          </a:p>
+        </p:txBody>
+      </p:sp>
+      <p:sp>
+        <p:nvSpPr>
+          <p:cNvPr id="432" name="Connection Line"/>
+          <p:cNvSpPr/>
+          <p:nvPr/>
+        </p:nvSpPr>
+        <p:spPr>
+          <a:xfrm>
+            <a:off x="5009091" y="4937596"/>
+            <a:ext cx="2859733" cy="884296"/>
+          </a:xfrm>
+          <a:custGeom>
+            <a:avLst/>
+            <a:gdLst/>
+            <a:ahLst/>
+            <a:cxnLst>
+              <a:cxn ang="0">
+                <a:pos x="wd2" y="hd2"/>
+              </a:cxn>
+              <a:cxn ang="5400000">
+                <a:pos x="wd2" y="hd2"/>
+              </a:cxn>
+              <a:cxn ang="10800000">
+                <a:pos x="wd2" y="hd2"/>
+              </a:cxn>
+              <a:cxn ang="16200000">
+                <a:pos x="wd2" y="hd2"/>
+              </a:cxn>
+            </a:cxnLst>
+            <a:rect l="0" t="0" r="r" b="b"/>
+            <a:pathLst>
+              <a:path w="21600" h="16200" extrusionOk="0">
+                <a:moveTo>
+                  <a:pt x="21600" y="0"/>
+                </a:moveTo>
+                <a:cubicBezTo>
+                  <a:pt x="14774" y="21582"/>
+                  <a:pt x="7574" y="21600"/>
+                  <a:pt x="0" y="53"/>
+                </a:cubicBezTo>
+              </a:path>
+            </a:pathLst>
+          </a:custGeom>
+          <a:ln w="76200">
+            <a:solidFill>
+              <a:srgbClr val="000000"/>
+            </a:solidFill>
+            <a:miter lim="400000"/>
+            <a:tailEnd type="triangle"/>
+          </a:ln>
+        </p:spPr>
+        <p:txBody>
+          <a:bodyPr/>
+          <a:lstStyle/>
+          <a:p>
+            <a:endParaRPr/>
+          </a:p>
+        </p:txBody>
+      </p:sp>
+      <p:sp>
+        <p:nvSpPr>
+          <p:cNvPr id="425" name="parsing"/>
+          <p:cNvSpPr txBox="1"/>
+          <p:nvPr/>
+        </p:nvSpPr>
+        <p:spPr>
+          <a:xfrm>
+            <a:off x="5885060" y="6022942"/>
+            <a:ext cx="1234680" cy="457201"/>
+          </a:xfrm>
+          <a:prstGeom prst="rect">
+            <a:avLst/>
+          </a:prstGeom>
+          <a:ln w="12700">
+            <a:miter lim="400000"/>
+          </a:ln>
+          <a:extLst>
+            <a:ext uri="{C572A759-6A51-4108-AA02-DFA0A04FC94B}">
+              <ma14:wrappingTextBoxFlag xmlns="" xmlns:m="http://schemas.openxmlformats.org/officeDocument/2006/math" xmlns:a14="http://schemas.microsoft.com/office/drawing/2010/main" xmlns:ma14="http://schemas.microsoft.com/office/mac/drawingml/2011/main" val="1"/>
+            </a:ext>
+          </a:extLst>
+        </p:spPr>
+        <p:txBody>
+          <a:bodyPr wrap="none" lIns="50800" tIns="50800" rIns="50800" bIns="50800" anchor="ctr">
+            <a:spAutoFit/>
+          </a:bodyPr>
+          <a:lstStyle/>
+          <a:p>
+            <a:r>
+              <a:t>parsing</a:t>
+            </a:r>
+          </a:p>
+        </p:txBody>
+      </p:sp>
+      <p:sp>
+        <p:nvSpPr>
+          <p:cNvPr id="426" name="serialization"/>
+          <p:cNvSpPr txBox="1"/>
+          <p:nvPr/>
+        </p:nvSpPr>
+        <p:spPr>
+          <a:xfrm>
+            <a:off x="5422750" y="1401669"/>
+            <a:ext cx="2002186" cy="457201"/>
+          </a:xfrm>
+          <a:prstGeom prst="rect">
+            <a:avLst/>
+          </a:prstGeom>
+          <a:ln w="12700">
+            <a:miter lim="400000"/>
+          </a:ln>
+          <a:extLst>
+            <a:ext uri="{C572A759-6A51-4108-AA02-DFA0A04FC94B}">
+              <ma14:wrappingTextBoxFlag xmlns="" xmlns:m="http://schemas.openxmlformats.org/officeDocument/2006/math" xmlns:a14="http://schemas.microsoft.com/office/drawing/2010/main" xmlns:ma14="http://schemas.microsoft.com/office/mac/drawingml/2011/main" val="1"/>
+            </a:ext>
+          </a:extLst>
+        </p:spPr>
+        <p:txBody>
+          <a:bodyPr wrap="none" lIns="50800" tIns="50800" rIns="50800" bIns="50800" anchor="ctr">
+            <a:spAutoFit/>
+          </a:bodyPr>
+          <a:lstStyle/>
+          <a:p>
+            <a:r>
+              <a:t>serialization</a:t>
+            </a:r>
+          </a:p>
+        </p:txBody>
+      </p:sp>
+      <p:sp>
+        <p:nvSpPr>
+          <p:cNvPr id="427" name="why not just have data structures?"/>
+          <p:cNvSpPr txBox="1"/>
+          <p:nvPr/>
+        </p:nvSpPr>
+        <p:spPr>
+          <a:xfrm>
+            <a:off x="1701800" y="6934200"/>
+            <a:ext cx="5505847" cy="482601"/>
+          </a:xfrm>
+          <a:prstGeom prst="rect">
+            <a:avLst/>
+          </a:prstGeom>
+          <a:ln w="12700">
+            <a:miter lim="400000"/>
+          </a:ln>
+          <a:extLst>
+            <a:ext uri="{C572A759-6A51-4108-AA02-DFA0A04FC94B}">
+              <ma14:wrappingTextBoxFlag xmlns="" xmlns:m="http://schemas.openxmlformats.org/officeDocument/2006/math" xmlns:a14="http://schemas.microsoft.com/office/drawing/2010/main" xmlns:ma14="http://schemas.microsoft.com/office/mac/drawingml/2011/main" val="1"/>
+            </a:ext>
+          </a:extLst>
+        </p:spPr>
+        <p:txBody>
+          <a:bodyPr wrap="none" lIns="50800" tIns="50800" rIns="50800" bIns="50800" anchor="ctr">
+            <a:spAutoFit/>
+          </a:bodyPr>
+          <a:lstStyle>
+            <a:lvl1pPr algn="l">
+              <a:defRPr sz="2600" i="1"/>
+            </a:lvl1pPr>
+          </a:lstStyle>
+          <a:p>
+            <a:r>
+              <a:t>why not just have data structures?</a:t>
+            </a:r>
+          </a:p>
+        </p:txBody>
+      </p:sp>
+      <p:sp>
+        <p:nvSpPr>
+          <p:cNvPr id="428" name="because our data needs to live somewhere when our programs aren't running"/>
+          <p:cNvSpPr txBox="1"/>
+          <p:nvPr/>
+        </p:nvSpPr>
+        <p:spPr>
+          <a:xfrm>
+            <a:off x="2209800" y="7473949"/>
+            <a:ext cx="8922085" cy="419101"/>
+          </a:xfrm>
+          <a:prstGeom prst="rect">
+            <a:avLst/>
+          </a:prstGeom>
+          <a:ln w="12700">
+            <a:miter lim="400000"/>
+          </a:ln>
+          <a:extLst>
+            <a:ext uri="{C572A759-6A51-4108-AA02-DFA0A04FC94B}">
+              <ma14:wrappingTextBoxFlag xmlns="" xmlns:m="http://schemas.openxmlformats.org/officeDocument/2006/math" xmlns:a14="http://schemas.microsoft.com/office/drawing/2010/main" xmlns:ma14="http://schemas.microsoft.com/office/mac/drawingml/2011/main" val="1"/>
+            </a:ext>
+          </a:extLst>
+        </p:spPr>
+        <p:txBody>
+          <a:bodyPr wrap="none" lIns="50800" tIns="50800" rIns="50800" bIns="50800" anchor="ctr">
+            <a:spAutoFit/>
+          </a:bodyPr>
+          <a:lstStyle>
+            <a:lvl1pPr algn="l">
+              <a:defRPr sz="2200" b="0">
+                <a:solidFill>
+                  <a:schemeClr val="accent4">
+                    <a:hueOff val="-1081314"/>
+                    <a:satOff val="4338"/>
+                    <a:lumOff val="-8931"/>
+                  </a:schemeClr>
+                </a:solidFill>
+              </a:defRPr>
+            </a:lvl1pPr>
+          </a:lstStyle>
+          <a:p>
+            <a:r>
+              <a:t>because our data needs to live somewhere when our programs aren't running</a:t>
+            </a:r>
+          </a:p>
+        </p:txBody>
+      </p:sp>
+      <p:sp>
+        <p:nvSpPr>
+          <p:cNvPr id="429" name="why not just have files?"/>
+          <p:cNvSpPr txBox="1"/>
+          <p:nvPr/>
+        </p:nvSpPr>
+        <p:spPr>
+          <a:xfrm>
+            <a:off x="1701800" y="8077200"/>
+            <a:ext cx="3768267" cy="482601"/>
+          </a:xfrm>
+          <a:prstGeom prst="rect">
+            <a:avLst/>
+          </a:prstGeom>
+          <a:ln w="12700">
+            <a:miter lim="400000"/>
+          </a:ln>
+          <a:extLst>
+            <a:ext uri="{C572A759-6A51-4108-AA02-DFA0A04FC94B}">
+              <ma14:wrappingTextBoxFlag xmlns="" xmlns:m="http://schemas.openxmlformats.org/officeDocument/2006/math" xmlns:a14="http://schemas.microsoft.com/office/drawing/2010/main" xmlns:ma14="http://schemas.microsoft.com/office/mac/drawingml/2011/main" val="1"/>
+            </a:ext>
+          </a:extLst>
+        </p:spPr>
+        <p:txBody>
+          <a:bodyPr wrap="none" lIns="50800" tIns="50800" rIns="50800" bIns="50800" anchor="ctr">
+            <a:spAutoFit/>
+          </a:bodyPr>
+          <a:lstStyle>
+            <a:lvl1pPr algn="l">
+              <a:defRPr sz="2600" i="1"/>
+            </a:lvl1pPr>
+          </a:lstStyle>
+          <a:p>
+            <a:r>
+              <a:t>why not just have files?</a:t>
+            </a:r>
+          </a:p>
+        </p:txBody>
+      </p:sp>
+      <p:sp>
+        <p:nvSpPr>
+          <p:cNvPr id="430" name="slow, and Python doesn't understand structure until it is parsed"/>
+          <p:cNvSpPr txBox="1"/>
+          <p:nvPr/>
+        </p:nvSpPr>
+        <p:spPr>
+          <a:xfrm>
+            <a:off x="2209800" y="8616949"/>
+            <a:ext cx="7251006" cy="419101"/>
+          </a:xfrm>
+          <a:prstGeom prst="rect">
+            <a:avLst/>
+          </a:prstGeom>
+          <a:ln w="12700">
+            <a:miter lim="400000"/>
+          </a:ln>
+          <a:extLst>
+            <a:ext uri="{C572A759-6A51-4108-AA02-DFA0A04FC94B}">
+              <ma14:wrappingTextBoxFlag xmlns="" xmlns:m="http://schemas.openxmlformats.org/officeDocument/2006/math" xmlns:a14="http://schemas.microsoft.com/office/drawing/2010/main" xmlns:ma14="http://schemas.microsoft.com/office/mac/drawingml/2011/main" val="1"/>
+            </a:ext>
+          </a:extLst>
+        </p:spPr>
+        <p:txBody>
+          <a:bodyPr wrap="none" lIns="50800" tIns="50800" rIns="50800" bIns="50800" anchor="ctr">
+            <a:spAutoFit/>
+          </a:bodyPr>
+          <a:lstStyle>
+            <a:lvl1pPr algn="l">
+              <a:defRPr sz="2200" b="0">
+                <a:solidFill>
+                  <a:schemeClr val="accent4">
+                    <a:hueOff val="-1081314"/>
+                    <a:satOff val="4338"/>
+                    <a:lumOff val="-8931"/>
+                  </a:schemeClr>
+                </a:solidFill>
+              </a:defRPr>
+            </a:lvl1pPr>
+          </a:lstStyle>
+          <a:p>
+            <a:r>
+              <a:t>slow, and Python doesn't understand structure until it is parsed</a:t>
             </a:r>
           </a:p>
         </p:txBody>
@@ -9781,7 +9270,7 @@
       </p:grpSpPr>
       <p:sp>
         <p:nvSpPr>
-          <p:cNvPr id="394" name="{…"/>
+          <p:cNvPr id="451" name="{…"/>
           <p:cNvSpPr txBox="1">
             <a:spLocks noGrp="1"/>
           </p:cNvSpPr>
@@ -9829,7 +9318,7 @@
               <a:defRPr sz="2400"/>
             </a:pPr>
             <a:r>
-              <a:t>  “alice”: 10,</a:t>
+              <a:t>  “cindy”: 15</a:t>
             </a:r>
           </a:p>
           <a:p>
@@ -9842,32 +9331,6 @@
               <a:defRPr sz="2400"/>
             </a:pPr>
             <a:r>
-              <a:t>  “bob”: 12,</a:t>
-            </a:r>
-          </a:p>
-          <a:p>
-            <a:pPr marL="0" lvl="5" indent="0">
-              <a:spcBef>
-                <a:spcPts val="0"/>
-              </a:spcBef>
-              <a:buSzTx/>
-              <a:buNone/>
-              <a:defRPr sz="2400"/>
-            </a:pPr>
-            <a:r>
-              <a:t>  “cindy”: 15</a:t>
-            </a:r>
-          </a:p>
-          <a:p>
-            <a:pPr marL="0" lvl="5" indent="0">
-              <a:spcBef>
-                <a:spcPts val="0"/>
-              </a:spcBef>
-              <a:buSzTx/>
-              <a:buNone/>
-              <a:defRPr sz="2400"/>
-            </a:pPr>
-            <a:r>
               <a:t>}</a:t>
             </a:r>
           </a:p>
@@ -9875,7 +9338,7 @@
       </p:sp>
       <p:sp>
         <p:nvSpPr>
-          <p:cNvPr id="395" name="JSON file saved somewhere"/>
+          <p:cNvPr id="452" name="JSON file saved somewhere"/>
           <p:cNvSpPr txBox="1"/>
           <p:nvPr/>
         </p:nvSpPr>
@@ -9910,7 +9373,7 @@
       </p:sp>
       <p:sp>
         <p:nvSpPr>
-          <p:cNvPr id="396" name="Python Program"/>
+          <p:cNvPr id="453" name="Python Program"/>
           <p:cNvSpPr txBox="1"/>
           <p:nvPr/>
         </p:nvSpPr>
@@ -9945,7 +9408,7 @@
       </p:sp>
       <p:sp>
         <p:nvSpPr>
-          <p:cNvPr id="397" name="Rectangle"/>
+          <p:cNvPr id="454" name="Rectangle"/>
           <p:cNvSpPr/>
           <p:nvPr/>
         </p:nvSpPr>
@@ -9985,12 +9448,12 @@
       </p:sp>
       <p:sp>
         <p:nvSpPr>
-          <p:cNvPr id="398" name="Arrow"/>
+          <p:cNvPr id="455" name="Arrow"/>
           <p:cNvSpPr/>
           <p:nvPr/>
         </p:nvSpPr>
         <p:spPr>
-          <a:xfrm rot="16200000">
+          <a:xfrm rot="5400000">
             <a:off x="9053166" y="5642679"/>
             <a:ext cx="1270001" cy="1270001"/>
           </a:xfrm>
@@ -10032,12 +9495,12 @@
       </p:sp>
       <p:sp>
         <p:nvSpPr>
-          <p:cNvPr id="399" name="Arrow"/>
+          <p:cNvPr id="456" name="Arrow"/>
           <p:cNvSpPr/>
           <p:nvPr/>
         </p:nvSpPr>
         <p:spPr>
-          <a:xfrm rot="16200000">
+          <a:xfrm rot="5400000">
             <a:off x="9221589" y="3946907"/>
             <a:ext cx="902345" cy="1270001"/>
           </a:xfrm>
@@ -10079,14 +9542,14 @@
       </p:sp>
       <p:sp>
         <p:nvSpPr>
-          <p:cNvPr id="400" name="{“alice”:10, “bob”:12,  “cindy”:15}"/>
+          <p:cNvPr id="457" name="{“cindy”: 15}"/>
           <p:cNvSpPr txBox="1"/>
           <p:nvPr/>
         </p:nvSpPr>
         <p:spPr>
           <a:xfrm>
-            <a:off x="7399735" y="3114530"/>
-            <a:ext cx="4138315" cy="838201"/>
+            <a:off x="7399735" y="3298680"/>
+            <a:ext cx="2492128" cy="469901"/>
           </a:xfrm>
           <a:prstGeom prst="rect">
             <a:avLst/>
@@ -10104,34 +9567,31 @@
           <a:bodyPr wrap="none" lIns="50800" tIns="50800" rIns="50800" bIns="50800" anchor="ctr">
             <a:spAutoFit/>
           </a:bodyPr>
-          <a:lstStyle/>
-          <a:p>
-            <a:pPr algn="l">
+          <a:lstStyle>
+            <a:lvl1pPr algn="l">
               <a:defRPr>
                 <a:latin typeface="Courier"/>
                 <a:ea typeface="Courier"/>
                 <a:cs typeface="Courier"/>
                 <a:sym typeface="Courier"/>
               </a:defRPr>
-            </a:pPr>
-            <a:r>
-              <a:t>{“alice”:10, “bob”:12,</a:t>
-            </a:r>
-            <a:br/>
-            <a:r>
-              <a:t> “cindy”:15}</a:t>
-            </a:r>
-          </a:p>
-        </p:txBody>
-      </p:sp>
-      <p:sp>
-        <p:nvSpPr>
-          <p:cNvPr id="401" name="Arrow"/>
+            </a:lvl1pPr>
+          </a:lstStyle>
+          <a:p>
+            <a:r>
+              <a:t>{“cindy”: 15}</a:t>
+            </a:r>
+          </a:p>
+        </p:txBody>
+      </p:sp>
+      <p:sp>
+        <p:nvSpPr>
+          <p:cNvPr id="458" name="Arrow"/>
           <p:cNvSpPr/>
           <p:nvPr/>
         </p:nvSpPr>
         <p:spPr>
-          <a:xfrm rot="16200000">
+          <a:xfrm rot="5400000">
             <a:off x="9221589" y="1850352"/>
             <a:ext cx="902345" cy="1270001"/>
           </a:xfrm>
@@ -10173,7 +9633,7 @@
       </p:sp>
       <p:sp>
         <p:nvSpPr>
-          <p:cNvPr id="402" name="Analysis Code"/>
+          <p:cNvPr id="459" name="Code"/>
           <p:cNvSpPr/>
           <p:nvPr/>
         </p:nvSpPr>
@@ -10211,14 +9671,14 @@
           </a:lstStyle>
           <a:p>
             <a:r>
-              <a:t>Analysis Code</a:t>
-            </a:r>
-          </a:p>
-        </p:txBody>
-      </p:sp>
-      <p:sp>
-        <p:nvSpPr>
-          <p:cNvPr id="403" name="dict"/>
+              <a:t>Code</a:t>
+            </a:r>
+          </a:p>
+        </p:txBody>
+      </p:sp>
+      <p:sp>
+        <p:nvSpPr>
+          <p:cNvPr id="460" name="dict"/>
           <p:cNvSpPr txBox="1"/>
           <p:nvPr/>
         </p:nvSpPr>
@@ -10265,14 +9725,14 @@
       </p:sp>
       <p:sp>
         <p:nvSpPr>
-          <p:cNvPr id="404" name="data[“cindy”]"/>
+          <p:cNvPr id="461" name="data[“cindy”] = 15"/>
           <p:cNvSpPr txBox="1"/>
           <p:nvPr/>
         </p:nvSpPr>
         <p:spPr>
           <a:xfrm>
-            <a:off x="7283226" y="1416411"/>
-            <a:ext cx="2857948" cy="469901"/>
+            <a:off x="7257752" y="1416411"/>
+            <a:ext cx="3772496" cy="469901"/>
           </a:xfrm>
           <a:prstGeom prst="rect">
             <a:avLst/>
@@ -10302,224 +9762,20 @@
           </a:lstStyle>
           <a:p>
             <a:r>
-              <a:t>  data[“cindy”]</a:t>
-            </a:r>
-          </a:p>
-        </p:txBody>
-      </p:sp>
-      <p:sp>
-        <p:nvSpPr>
-          <p:cNvPr id="405" name="Line"/>
-          <p:cNvSpPr/>
-          <p:nvPr/>
-        </p:nvSpPr>
-        <p:spPr>
-          <a:xfrm>
-            <a:off x="10088381" y="1693728"/>
-            <a:ext cx="461059" cy="1"/>
-          </a:xfrm>
-          <a:prstGeom prst="line">
-            <a:avLst/>
-          </a:prstGeom>
-          <a:ln w="38100">
-            <a:solidFill>
-              <a:schemeClr val="accent5">
-                <a:hueOff val="-82419"/>
-                <a:satOff val="-9513"/>
-                <a:lumOff val="-16343"/>
-              </a:schemeClr>
-            </a:solidFill>
-            <a:miter lim="400000"/>
-            <a:tailEnd type="triangle"/>
-          </a:ln>
-        </p:spPr>
-        <p:txBody>
-          <a:bodyPr lIns="50800" tIns="50800" rIns="50800" bIns="50800" anchor="ctr"/>
-          <a:lstStyle/>
-          <a:p>
-            <a:pPr>
-              <a:defRPr sz="2200" b="0">
-                <a:solidFill>
-                  <a:srgbClr val="FFFFFF"/>
-                </a:solidFill>
-                <a:latin typeface="+mn-lt"/>
-                <a:ea typeface="+mn-ea"/>
-                <a:cs typeface="+mn-cs"/>
-                <a:sym typeface="Gill Sans SemiBold"/>
-              </a:defRPr>
-            </a:pPr>
-            <a:endParaRPr/>
-          </a:p>
-        </p:txBody>
-      </p:sp>
-      <p:sp>
-        <p:nvSpPr>
-          <p:cNvPr id="406" name="15"/>
+              <a:t>  data[“cindy”] = 15</a:t>
+            </a:r>
+          </a:p>
+        </p:txBody>
+      </p:sp>
+      <p:sp>
+        <p:nvSpPr>
+          <p:cNvPr id="462" name="What does this look like?"/>
           <p:cNvSpPr txBox="1"/>
           <p:nvPr/>
         </p:nvSpPr>
         <p:spPr>
           <a:xfrm>
-            <a:off x="10509249" y="1465128"/>
-            <a:ext cx="419101" cy="457201"/>
-          </a:xfrm>
-          <a:prstGeom prst="rect">
-            <a:avLst/>
-          </a:prstGeom>
-          <a:ln w="12700">
-            <a:miter lim="400000"/>
-          </a:ln>
-          <a:extLst>
-            <a:ext uri="{C572A759-6A51-4108-AA02-DFA0A04FC94B}">
-              <ma14:wrappingTextBoxFlag xmlns="" xmlns:m="http://schemas.openxmlformats.org/officeDocument/2006/math" xmlns:a14="http://schemas.microsoft.com/office/drawing/2010/main" xmlns:ma14="http://schemas.microsoft.com/office/mac/drawingml/2011/main" val="1"/>
-            </a:ext>
-          </a:extLst>
-        </p:spPr>
-        <p:txBody>
-          <a:bodyPr wrap="none" lIns="50800" tIns="50800" rIns="50800" bIns="50800" anchor="ctr">
-            <a:spAutoFit/>
-          </a:bodyPr>
-          <a:lstStyle>
-            <a:lvl1pPr>
-              <a:defRPr b="0"/>
-            </a:lvl1pPr>
-          </a:lstStyle>
-          <a:p>
-            <a:r>
-              <a:t>15</a:t>
-            </a:r>
-          </a:p>
-        </p:txBody>
-      </p:sp>
-      <p:sp>
-        <p:nvSpPr>
-          <p:cNvPr id="407" name="Rectangle"/>
-          <p:cNvSpPr/>
-          <p:nvPr/>
-        </p:nvSpPr>
-        <p:spPr>
-          <a:xfrm>
-            <a:off x="381000" y="435024"/>
-            <a:ext cx="12300502" cy="8832752"/>
-          </a:xfrm>
-          <a:prstGeom prst="rect">
-            <a:avLst/>
-          </a:prstGeom>
-          <a:solidFill>
-            <a:srgbClr val="FFFFFF">
-              <a:alpha val="97498"/>
-            </a:srgbClr>
-          </a:solidFill>
-          <a:ln w="12700">
-            <a:miter lim="400000"/>
-          </a:ln>
-        </p:spPr>
-        <p:txBody>
-          <a:bodyPr lIns="50800" tIns="50800" rIns="50800" bIns="50800" anchor="ctr"/>
-          <a:lstStyle/>
-          <a:p>
-            <a:pPr>
-              <a:defRPr sz="2200" b="0">
-                <a:solidFill>
-                  <a:srgbClr val="FFFFFF"/>
-                </a:solidFill>
-                <a:latin typeface="+mn-lt"/>
-                <a:ea typeface="+mn-ea"/>
-                <a:cs typeface="+mn-cs"/>
-                <a:sym typeface="Gill Sans SemiBold"/>
-              </a:defRPr>
-            </a:pPr>
-            <a:endParaRPr/>
-          </a:p>
-        </p:txBody>
-      </p:sp>
-      <p:sp>
-        <p:nvSpPr>
-          <p:cNvPr id="408" name="Reading JSON Files"/>
-          <p:cNvSpPr txBox="1">
-            <a:spLocks noGrp="1"/>
-          </p:cNvSpPr>
-          <p:nvPr>
-            <p:ph type="title"/>
-          </p:nvPr>
-        </p:nvSpPr>
-        <p:spPr>
-          <a:xfrm>
-            <a:off x="355600" y="177389"/>
-            <a:ext cx="11099800" cy="902346"/>
-          </a:xfrm>
-          <a:prstGeom prst="rect">
-            <a:avLst/>
-          </a:prstGeom>
-        </p:spPr>
-        <p:txBody>
-          <a:bodyPr/>
-          <a:lstStyle>
-            <a:lvl1pPr algn="l">
-              <a:defRPr sz="4800"/>
-            </a:lvl1pPr>
-          </a:lstStyle>
-          <a:p>
-            <a:r>
-              <a:t>Reading JSON Files</a:t>
-            </a:r>
-          </a:p>
-        </p:txBody>
-      </p:sp>
-      <p:sp>
-        <p:nvSpPr>
-          <p:cNvPr id="409" name="Parsing Code"/>
-          <p:cNvSpPr/>
-          <p:nvPr/>
-        </p:nvSpPr>
-        <p:spPr>
-          <a:xfrm>
-            <a:off x="8639364" y="5050110"/>
-            <a:ext cx="2066795" cy="589013"/>
-          </a:xfrm>
-          <a:prstGeom prst="rect">
-            <a:avLst/>
-          </a:prstGeom>
-          <a:ln w="12700">
-            <a:solidFill>
-              <a:srgbClr val="000000"/>
-            </a:solidFill>
-            <a:miter lim="400000"/>
-          </a:ln>
-          <a:extLst>
-            <a:ext uri="{C572A759-6A51-4108-AA02-DFA0A04FC94B}">
-              <ma14:wrappingTextBoxFlag xmlns="" xmlns:m="http://schemas.openxmlformats.org/officeDocument/2006/math" xmlns:a14="http://schemas.microsoft.com/office/drawing/2010/main" xmlns:ma14="http://schemas.microsoft.com/office/mac/drawingml/2011/main" val="1"/>
-            </a:ext>
-          </a:extLst>
-        </p:spPr>
-        <p:txBody>
-          <a:bodyPr lIns="50800" tIns="50800" rIns="50800" bIns="50800" anchor="ctr"/>
-          <a:lstStyle>
-            <a:lvl1pPr>
-              <a:defRPr sz="2200" b="0">
-                <a:latin typeface="+mn-lt"/>
-                <a:ea typeface="+mn-ea"/>
-                <a:cs typeface="+mn-cs"/>
-                <a:sym typeface="Gill Sans SemiBold"/>
-              </a:defRPr>
-            </a:lvl1pPr>
-          </a:lstStyle>
-          <a:p>
-            <a:r>
-              <a:t>Parsing Code</a:t>
-            </a:r>
-          </a:p>
-        </p:txBody>
-      </p:sp>
-      <p:sp>
-        <p:nvSpPr>
-          <p:cNvPr id="410" name="What does this look like?"/>
-          <p:cNvSpPr txBox="1"/>
-          <p:nvPr/>
-        </p:nvSpPr>
-        <p:spPr>
-          <a:xfrm>
-            <a:off x="5433342" y="6229219"/>
+            <a:off x="4925342" y="6229219"/>
             <a:ext cx="3992316" cy="457201"/>
           </a:xfrm>
           <a:prstGeom prst="rect">
@@ -10560,13 +9816,13 @@
       </p:sp>
       <p:sp>
         <p:nvSpPr>
-          <p:cNvPr id="418" name="Connection Line"/>
+          <p:cNvPr id="466" name="Connection Line"/>
           <p:cNvSpPr/>
           <p:nvPr/>
         </p:nvSpPr>
         <p:spPr>
           <a:xfrm>
-            <a:off x="7433502" y="5324502"/>
+            <a:off x="6925502" y="5324502"/>
             <a:ext cx="1156990" cy="938811"/>
           </a:xfrm>
           <a:custGeom>
@@ -10623,233 +9879,24 @@
       </p:sp>
       <p:sp>
         <p:nvSpPr>
-          <p:cNvPr id="412" name="import json…"/>
-          <p:cNvSpPr txBox="1"/>
-          <p:nvPr/>
-        </p:nvSpPr>
-        <p:spPr>
-          <a:xfrm>
-            <a:off x="952500" y="1587896"/>
-            <a:ext cx="8637142" cy="2084587"/>
-          </a:xfrm>
-          <a:prstGeom prst="rect">
-            <a:avLst/>
-          </a:prstGeom>
-          <a:ln w="12700">
-            <a:miter lim="400000"/>
-          </a:ln>
-          <a:extLst>
-            <a:ext uri="{C572A759-6A51-4108-AA02-DFA0A04FC94B}">
-              <ma14:wrappingTextBoxFlag xmlns="" xmlns:m="http://schemas.openxmlformats.org/officeDocument/2006/math" xmlns:a14="http://schemas.microsoft.com/office/drawing/2010/main" xmlns:ma14="http://schemas.microsoft.com/office/mac/drawingml/2011/main" val="1"/>
-            </a:ext>
-          </a:extLst>
-        </p:spPr>
-        <p:txBody>
-          <a:bodyPr lIns="50800" tIns="50800" rIns="50800" bIns="50800">
-            <a:normAutofit/>
-          </a:bodyPr>
-          <a:lstStyle/>
-          <a:p>
-            <a:pPr algn="l">
-              <a:defRPr sz="2300" b="0">
-                <a:latin typeface="Courier"/>
-                <a:ea typeface="Courier"/>
-                <a:cs typeface="Courier"/>
-                <a:sym typeface="Courier"/>
-              </a:defRPr>
-            </a:pPr>
-            <a:r>
-              <a:rPr dirty="0"/>
-              <a:t>import json</a:t>
-            </a:r>
-          </a:p>
-          <a:p>
-            <a:pPr algn="l">
-              <a:defRPr sz="2300" b="0">
-                <a:latin typeface="Courier"/>
-                <a:ea typeface="Courier"/>
-                <a:cs typeface="Courier"/>
-                <a:sym typeface="Courier"/>
-              </a:defRPr>
-            </a:pPr>
-            <a:endParaRPr dirty="0"/>
-          </a:p>
-          <a:p>
-            <a:pPr algn="l">
-              <a:defRPr sz="2300" b="0">
-                <a:latin typeface="Courier"/>
-                <a:ea typeface="Courier"/>
-                <a:cs typeface="Courier"/>
-                <a:sym typeface="Courier"/>
-              </a:defRPr>
-            </a:pPr>
-            <a:r>
-              <a:rPr dirty="0"/>
-              <a:t>def </a:t>
-            </a:r>
-            <a:r>
-              <a:rPr dirty="0" err="1"/>
-              <a:t>read_json</a:t>
-            </a:r>
-            <a:r>
-              <a:rPr dirty="0"/>
-              <a:t>(path):</a:t>
-            </a:r>
-          </a:p>
-          <a:p>
-            <a:pPr algn="l">
-              <a:defRPr sz="2300" b="0">
-                <a:latin typeface="Courier"/>
-                <a:ea typeface="Courier"/>
-                <a:cs typeface="Courier"/>
-                <a:sym typeface="Courier"/>
-              </a:defRPr>
-            </a:pPr>
-            <a:r>
-              <a:rPr dirty="0"/>
-              <a:t>    with open(path, encoding="utf-8") as f:</a:t>
-            </a:r>
-          </a:p>
-          <a:p>
-            <a:pPr algn="l">
-              <a:defRPr sz="2300" b="0">
-                <a:latin typeface="Courier"/>
-                <a:ea typeface="Courier"/>
-                <a:cs typeface="Courier"/>
-                <a:sym typeface="Courier"/>
-              </a:defRPr>
-            </a:pPr>
-            <a:r>
-              <a:rPr dirty="0"/>
-              <a:t>        return </a:t>
-            </a:r>
-            <a:r>
-              <a:rPr dirty="0" err="1"/>
-              <a:t>json.load</a:t>
-            </a:r>
-            <a:r>
-              <a:rPr dirty="0"/>
-              <a:t>(f) </a:t>
-            </a:r>
-            <a:r>
-              <a:rPr dirty="0">
-                <a:solidFill>
-                  <a:srgbClr val="929292"/>
-                </a:solidFill>
-              </a:rPr>
-              <a:t># </a:t>
-            </a:r>
-            <a:r>
-              <a:rPr dirty="0" err="1">
-                <a:solidFill>
-                  <a:srgbClr val="929292"/>
-                </a:solidFill>
-              </a:rPr>
-              <a:t>dict</a:t>
-            </a:r>
-            <a:r>
-              <a:rPr dirty="0">
-                <a:solidFill>
-                  <a:srgbClr val="929292"/>
-                </a:solidFill>
-              </a:rPr>
-              <a:t>, list, </a:t>
-            </a:r>
-            <a:r>
-              <a:rPr dirty="0" err="1">
-                <a:solidFill>
-                  <a:srgbClr val="929292"/>
-                </a:solidFill>
-              </a:rPr>
-              <a:t>etc</a:t>
-            </a:r>
-            <a:endParaRPr dirty="0">
-              <a:solidFill>
-                <a:srgbClr val="929292"/>
-              </a:solidFill>
-            </a:endParaRPr>
-          </a:p>
-        </p:txBody>
-      </p:sp>
-      <p:sp>
-        <p:nvSpPr>
-          <p:cNvPr id="413" name="what about writing new files?"/>
-          <p:cNvSpPr txBox="1"/>
-          <p:nvPr/>
-        </p:nvSpPr>
-        <p:spPr>
-          <a:xfrm>
-            <a:off x="785267" y="5796382"/>
-            <a:ext cx="4623198" cy="457201"/>
-          </a:xfrm>
-          <a:prstGeom prst="rect">
-            <a:avLst/>
-          </a:prstGeom>
-          <a:ln w="12700">
-            <a:miter lim="400000"/>
-          </a:ln>
-          <a:extLst>
-            <a:ext uri="{C572A759-6A51-4108-AA02-DFA0A04FC94B}">
-              <ma14:wrappingTextBoxFlag xmlns="" xmlns:m="http://schemas.openxmlformats.org/officeDocument/2006/math" xmlns:a14="http://schemas.microsoft.com/office/drawing/2010/main" xmlns:ma14="http://schemas.microsoft.com/office/mac/drawingml/2011/main" val="1"/>
-            </a:ext>
-          </a:extLst>
-        </p:spPr>
-        <p:txBody>
-          <a:bodyPr wrap="none" lIns="50800" tIns="50800" rIns="50800" bIns="50800" anchor="ctr">
-            <a:spAutoFit/>
-          </a:bodyPr>
-          <a:lstStyle>
-            <a:lvl1pPr>
-              <a:defRPr>
-                <a:solidFill>
-                  <a:schemeClr val="accent5">
-                    <a:hueOff val="-82419"/>
-                    <a:satOff val="-9513"/>
-                    <a:lumOff val="-16343"/>
-                  </a:schemeClr>
-                </a:solidFill>
-              </a:defRPr>
-            </a:lvl1pPr>
-          </a:lstStyle>
-          <a:p>
-            <a:r>
-              <a:t>what about writing new files?</a:t>
-            </a:r>
-          </a:p>
-        </p:txBody>
-      </p:sp>
-      <p:sp>
-        <p:nvSpPr>
-          <p:cNvPr id="414" name="CTRL"/>
+          <p:cNvPr id="464" name="Serialization Code"/>
           <p:cNvSpPr/>
           <p:nvPr/>
         </p:nvSpPr>
         <p:spPr>
           <a:xfrm>
-            <a:off x="1244600" y="4137085"/>
-            <a:ext cx="1169463" cy="648717"/>
-          </a:xfrm>
-          <a:prstGeom prst="roundRect">
-            <a:avLst>
-              <a:gd name="adj" fmla="val 27041"/>
-            </a:avLst>
-          </a:prstGeom>
-          <a:solidFill>
-            <a:srgbClr val="D6D5D5"/>
-          </a:solidFill>
+            <a:off x="8142328" y="5071945"/>
+            <a:ext cx="3060867" cy="589013"/>
+          </a:xfrm>
+          <a:prstGeom prst="rect">
+            <a:avLst/>
+          </a:prstGeom>
           <a:ln w="12700">
             <a:solidFill>
               <a:srgbClr val="000000"/>
             </a:solidFill>
             <a:miter lim="400000"/>
           </a:ln>
-          <a:effectLst>
-            <a:outerShdw blurRad="63500" dist="73144" dir="2249259" rotWithShape="0">
-              <a:srgbClr val="000000">
-                <a:alpha val="50000"/>
-              </a:srgbClr>
-            </a:outerShdw>
-          </a:effectLst>
           <a:extLst>
             <a:ext uri="{C572A759-6A51-4108-AA02-DFA0A04FC94B}">
               <ma14:wrappingTextBoxFlag xmlns="" xmlns:m="http://schemas.openxmlformats.org/officeDocument/2006/math" xmlns:a14="http://schemas.microsoft.com/office/drawing/2010/main" xmlns:ma14="http://schemas.microsoft.com/office/mac/drawingml/2011/main" val="1"/>
@@ -10870,149 +9917,40 @@
           </a:lstStyle>
           <a:p>
             <a:r>
-              <a:t>CTRL</a:t>
-            </a:r>
-          </a:p>
-        </p:txBody>
-      </p:sp>
-      <p:sp>
-        <p:nvSpPr>
-          <p:cNvPr id="415" name="C"/>
-          <p:cNvSpPr/>
-          <p:nvPr/>
-        </p:nvSpPr>
-        <p:spPr>
-          <a:xfrm>
-            <a:off x="3124200" y="4137085"/>
-            <a:ext cx="656533" cy="648717"/>
-          </a:xfrm>
-          <a:prstGeom prst="roundRect">
-            <a:avLst>
-              <a:gd name="adj" fmla="val 27041"/>
-            </a:avLst>
-          </a:prstGeom>
-          <a:solidFill>
-            <a:srgbClr val="D6D5D5"/>
-          </a:solidFill>
-          <a:ln w="12700">
-            <a:solidFill>
-              <a:srgbClr val="000000"/>
-            </a:solidFill>
-            <a:miter lim="400000"/>
-          </a:ln>
-          <a:effectLst>
-            <a:outerShdw blurRad="63500" dist="73144" dir="2249259" rotWithShape="0">
-              <a:srgbClr val="000000">
-                <a:alpha val="50000"/>
-              </a:srgbClr>
-            </a:outerShdw>
-          </a:effectLst>
-          <a:extLst>
-            <a:ext uri="{C572A759-6A51-4108-AA02-DFA0A04FC94B}">
-              <ma14:wrappingTextBoxFlag xmlns="" xmlns:m="http://schemas.openxmlformats.org/officeDocument/2006/math" xmlns:a14="http://schemas.microsoft.com/office/drawing/2010/main" xmlns:ma14="http://schemas.microsoft.com/office/mac/drawingml/2011/main" val="1"/>
-            </a:ext>
-          </a:extLst>
-        </p:spPr>
-        <p:txBody>
-          <a:bodyPr lIns="50800" tIns="50800" rIns="50800" bIns="50800" anchor="ctr"/>
+              <a:t>Serialization Code</a:t>
+            </a:r>
+          </a:p>
+        </p:txBody>
+      </p:sp>
+      <p:sp>
+        <p:nvSpPr>
+          <p:cNvPr id="465" name="Writing JSON Files"/>
+          <p:cNvSpPr txBox="1">
+            <a:spLocks noGrp="1"/>
+          </p:cNvSpPr>
+          <p:nvPr>
+            <p:ph type="title"/>
+          </p:nvPr>
+        </p:nvSpPr>
+        <p:spPr>
+          <a:xfrm>
+            <a:off x="355600" y="177389"/>
+            <a:ext cx="11099800" cy="902346"/>
+          </a:xfrm>
+          <a:prstGeom prst="rect">
+            <a:avLst/>
+          </a:prstGeom>
+        </p:spPr>
+        <p:txBody>
+          <a:bodyPr/>
           <a:lstStyle>
-            <a:lvl1pPr>
-              <a:defRPr sz="2200" b="0">
-                <a:latin typeface="+mn-lt"/>
-                <a:ea typeface="+mn-ea"/>
-                <a:cs typeface="+mn-cs"/>
-                <a:sym typeface="Gill Sans SemiBold"/>
-              </a:defRPr>
+            <a:lvl1pPr algn="l">
+              <a:defRPr sz="4800"/>
             </a:lvl1pPr>
           </a:lstStyle>
           <a:p>
             <a:r>
-              <a:t>C</a:t>
-            </a:r>
-          </a:p>
-        </p:txBody>
-      </p:sp>
-      <p:sp>
-        <p:nvSpPr>
-          <p:cNvPr id="416" name="+"/>
-          <p:cNvSpPr txBox="1"/>
-          <p:nvPr/>
-        </p:nvSpPr>
-        <p:spPr>
-          <a:xfrm>
-            <a:off x="2593315" y="4137745"/>
-            <a:ext cx="351632" cy="558801"/>
-          </a:xfrm>
-          <a:prstGeom prst="rect">
-            <a:avLst/>
-          </a:prstGeom>
-          <a:ln w="12700">
-            <a:miter lim="400000"/>
-          </a:ln>
-          <a:extLst>
-            <a:ext uri="{C572A759-6A51-4108-AA02-DFA0A04FC94B}">
-              <ma14:wrappingTextBoxFlag xmlns="" xmlns:m="http://schemas.openxmlformats.org/officeDocument/2006/math" xmlns:a14="http://schemas.microsoft.com/office/drawing/2010/main" xmlns:ma14="http://schemas.microsoft.com/office/mac/drawingml/2011/main" val="1"/>
-            </a:ext>
-          </a:extLst>
-        </p:spPr>
-        <p:txBody>
-          <a:bodyPr wrap="none" lIns="50800" tIns="50800" rIns="50800" bIns="50800" anchor="ctr">
-            <a:spAutoFit/>
-          </a:bodyPr>
-          <a:lstStyle>
-            <a:lvl1pPr>
-              <a:defRPr sz="3200" b="0"/>
-            </a:lvl1pPr>
-          </a:lstStyle>
-          <a:p>
-            <a:r>
-              <a:t>+</a:t>
-            </a:r>
-          </a:p>
-        </p:txBody>
-      </p:sp>
-      <p:sp>
-        <p:nvSpPr>
-          <p:cNvPr id="417" name="don't need to understand…"/>
-          <p:cNvSpPr txBox="1"/>
-          <p:nvPr/>
-        </p:nvSpPr>
-        <p:spPr>
-          <a:xfrm>
-            <a:off x="1259656" y="4951366"/>
-            <a:ext cx="2586088" cy="685801"/>
-          </a:xfrm>
-          <a:prstGeom prst="rect">
-            <a:avLst/>
-          </a:prstGeom>
-          <a:ln w="12700">
-            <a:miter lim="400000"/>
-          </a:ln>
-          <a:extLst>
-            <a:ext uri="{C572A759-6A51-4108-AA02-DFA0A04FC94B}">
-              <ma14:wrappingTextBoxFlag xmlns="" xmlns:m="http://schemas.openxmlformats.org/officeDocument/2006/math" xmlns:a14="http://schemas.microsoft.com/office/drawing/2010/main" xmlns:ma14="http://schemas.microsoft.com/office/mac/drawingml/2011/main" val="1"/>
-            </a:ext>
-          </a:extLst>
-        </p:spPr>
-        <p:txBody>
-          <a:bodyPr wrap="none" lIns="50800" tIns="50800" rIns="50800" bIns="50800" anchor="ctr">
-            <a:spAutoFit/>
-          </a:bodyPr>
-          <a:lstStyle/>
-          <a:p>
-            <a:pPr>
-              <a:defRPr sz="2000" b="0" i="1"/>
-            </a:pPr>
-            <a:r>
-              <a:t>don't need to understand</a:t>
-            </a:r>
-          </a:p>
-          <a:p>
-            <a:pPr>
-              <a:defRPr sz="2000" b="0" i="1"/>
-            </a:pPr>
-            <a:r>
-              <a:t>this snippet yet</a:t>
+              <a:t>Writing JSON Files</a:t>
             </a:r>
           </a:p>
         </p:txBody>
@@ -11045,59 +9983,86 @@
       </p:grpSpPr>
       <p:sp>
         <p:nvSpPr>
-          <p:cNvPr id="420" name="Data Structures and Files"/>
+          <p:cNvPr id="468" name="{…"/>
           <p:cNvSpPr txBox="1">
             <a:spLocks noGrp="1"/>
           </p:cNvSpPr>
           <p:nvPr>
-            <p:ph type="title"/>
+            <p:ph type="body" sz="quarter" idx="1"/>
           </p:nvPr>
         </p:nvSpPr>
         <p:spPr>
           <a:xfrm>
-            <a:off x="355600" y="177389"/>
-            <a:ext cx="8091786" cy="902346"/>
-          </a:xfrm>
-          <a:prstGeom prst="rect">
-            <a:avLst/>
-          </a:prstGeom>
-        </p:spPr>
-        <p:txBody>
-          <a:bodyPr/>
-          <a:lstStyle>
-            <a:lvl1pPr algn="l">
-              <a:defRPr sz="4800"/>
-            </a:lvl1pPr>
-          </a:lstStyle>
-          <a:p>
-            <a:r>
-              <a:t>Data Structures and Files</a:t>
-            </a:r>
-          </a:p>
-        </p:txBody>
-      </p:sp>
-      <p:sp>
-        <p:nvSpPr>
-          <p:cNvPr id="421" name="Data Structures…"/>
-          <p:cNvSpPr/>
-          <p:nvPr/>
-        </p:nvSpPr>
-        <p:spPr>
-          <a:xfrm>
-            <a:off x="2796778" y="3120603"/>
-            <a:ext cx="2712244" cy="1632794"/>
-          </a:xfrm>
-          <a:prstGeom prst="roundRect">
-            <a:avLst>
-              <a:gd name="adj" fmla="val 15000"/>
-            </a:avLst>
-          </a:prstGeom>
-          <a:solidFill>
-            <a:schemeClr val="accent6">
-              <a:satOff val="-15808"/>
-              <a:lumOff val="-17557"/>
-            </a:schemeClr>
-          </a:solidFill>
+            <a:off x="1054100" y="6969851"/>
+            <a:ext cx="10195481" cy="2194043"/>
+          </a:xfrm>
+          <a:prstGeom prst="rect">
+            <a:avLst/>
+          </a:prstGeom>
+          <a:ln>
+            <a:solidFill>
+              <a:srgbClr val="000000"/>
+            </a:solidFill>
+          </a:ln>
+        </p:spPr>
+        <p:txBody>
+          <a:bodyPr anchor="t"/>
+          <a:lstStyle/>
+          <a:p>
+            <a:pPr marL="0" lvl="5" indent="0">
+              <a:spcBef>
+                <a:spcPts val="0"/>
+              </a:spcBef>
+              <a:buSzTx/>
+              <a:buNone/>
+              <a:defRPr sz="2400"/>
+            </a:pPr>
+            <a:r>
+              <a:t>{</a:t>
+            </a:r>
+          </a:p>
+          <a:p>
+            <a:pPr marL="0" lvl="5" indent="0">
+              <a:spcBef>
+                <a:spcPts val="0"/>
+              </a:spcBef>
+              <a:buSzTx/>
+              <a:buNone/>
+              <a:defRPr sz="2400"/>
+            </a:pPr>
+            <a:r>
+              <a:t>  “cindy”: 15</a:t>
+            </a:r>
+          </a:p>
+          <a:p>
+            <a:pPr marL="0" lvl="5" indent="0">
+              <a:spcBef>
+                <a:spcPts val="0"/>
+              </a:spcBef>
+              <a:buSzTx/>
+              <a:buNone/>
+              <a:defRPr sz="2400"/>
+            </a:pPr>
+            <a:r>
+              <a:t>}</a:t>
+            </a:r>
+          </a:p>
+        </p:txBody>
+      </p:sp>
+      <p:sp>
+        <p:nvSpPr>
+          <p:cNvPr id="469" name="JSON file saved somewhere"/>
+          <p:cNvSpPr txBox="1"/>
+          <p:nvPr/>
+        </p:nvSpPr>
+        <p:spPr>
+          <a:xfrm>
+            <a:off x="920180" y="6502399"/>
+            <a:ext cx="4353372" cy="457201"/>
+          </a:xfrm>
+          <a:prstGeom prst="rect">
+            <a:avLst/>
+          </a:prstGeom>
           <a:ln w="12700">
             <a:miter lim="400000"/>
           </a:ln>
@@ -11106,6 +10071,74 @@
               <ma14:wrappingTextBoxFlag xmlns="" xmlns:m="http://schemas.openxmlformats.org/officeDocument/2006/math" xmlns:a14="http://schemas.microsoft.com/office/drawing/2010/main" xmlns:ma14="http://schemas.microsoft.com/office/mac/drawingml/2011/main" val="1"/>
             </a:ext>
           </a:extLst>
+        </p:spPr>
+        <p:txBody>
+          <a:bodyPr wrap="none" lIns="50800" tIns="50800" rIns="50800" bIns="50800" anchor="ctr">
+            <a:spAutoFit/>
+          </a:bodyPr>
+          <a:lstStyle/>
+          <a:p>
+            <a:r>
+              <a:t>JSON file saved somewhere</a:t>
+            </a:r>
+          </a:p>
+        </p:txBody>
+      </p:sp>
+      <p:sp>
+        <p:nvSpPr>
+          <p:cNvPr id="470" name="Python Program"/>
+          <p:cNvSpPr txBox="1"/>
+          <p:nvPr/>
+        </p:nvSpPr>
+        <p:spPr>
+          <a:xfrm>
+            <a:off x="8129960" y="380840"/>
+            <a:ext cx="2677865" cy="457201"/>
+          </a:xfrm>
+          <a:prstGeom prst="rect">
+            <a:avLst/>
+          </a:prstGeom>
+          <a:ln w="12700">
+            <a:miter lim="400000"/>
+          </a:ln>
+          <a:extLst>
+            <a:ext uri="{C572A759-6A51-4108-AA02-DFA0A04FC94B}">
+              <ma14:wrappingTextBoxFlag xmlns="" xmlns:m="http://schemas.openxmlformats.org/officeDocument/2006/math" xmlns:a14="http://schemas.microsoft.com/office/drawing/2010/main" xmlns:ma14="http://schemas.microsoft.com/office/mac/drawingml/2011/main" val="1"/>
+            </a:ext>
+          </a:extLst>
+        </p:spPr>
+        <p:txBody>
+          <a:bodyPr wrap="none" lIns="50800" tIns="50800" rIns="50800" bIns="50800" anchor="ctr">
+            <a:spAutoFit/>
+          </a:bodyPr>
+          <a:lstStyle/>
+          <a:p>
+            <a:r>
+              <a:t>Python Program</a:t>
+            </a:r>
+          </a:p>
+        </p:txBody>
+      </p:sp>
+      <p:sp>
+        <p:nvSpPr>
+          <p:cNvPr id="471" name="Rectangle"/>
+          <p:cNvSpPr/>
+          <p:nvPr/>
+        </p:nvSpPr>
+        <p:spPr>
+          <a:xfrm>
+            <a:off x="6409382" y="914091"/>
+            <a:ext cx="6119022" cy="4988918"/>
+          </a:xfrm>
+          <a:prstGeom prst="rect">
+            <a:avLst/>
+          </a:prstGeom>
+          <a:ln w="12700">
+            <a:solidFill>
+              <a:srgbClr val="000000"/>
+            </a:solidFill>
+            <a:miter lim="400000"/>
+          </a:ln>
         </p:spPr>
         <p:txBody>
           <a:bodyPr lIns="50800" tIns="50800" rIns="50800" bIns="50800" anchor="ctr"/>
@@ -11122,10 +10155,41 @@
                 <a:sym typeface="Gill Sans SemiBold"/>
               </a:defRPr>
             </a:pPr>
-            <a:r>
-              <a:t>Data Structures</a:t>
-            </a:r>
-          </a:p>
+            <a:endParaRPr/>
+          </a:p>
+        </p:txBody>
+      </p:sp>
+      <p:sp>
+        <p:nvSpPr>
+          <p:cNvPr id="472" name="Arrow"/>
+          <p:cNvSpPr/>
+          <p:nvPr/>
+        </p:nvSpPr>
+        <p:spPr>
+          <a:xfrm rot="5400000">
+            <a:off x="9053166" y="5642679"/>
+            <a:ext cx="1270001" cy="1270001"/>
+          </a:xfrm>
+          <a:prstGeom prst="rightArrow">
+            <a:avLst>
+              <a:gd name="adj1" fmla="val 34062"/>
+              <a:gd name="adj2" fmla="val 26590"/>
+            </a:avLst>
+          </a:prstGeom>
+          <a:solidFill>
+            <a:schemeClr val="accent5">
+              <a:hueOff val="-82419"/>
+              <a:satOff val="-9513"/>
+              <a:lumOff val="-16343"/>
+            </a:schemeClr>
+          </a:solidFill>
+          <a:ln w="12700">
+            <a:miter lim="400000"/>
+          </a:ln>
+        </p:spPr>
+        <p:txBody>
+          <a:bodyPr lIns="50800" tIns="50800" rIns="50800" bIns="50800" anchor="ctr"/>
+          <a:lstStyle/>
           <a:p>
             <a:pPr>
               <a:defRPr sz="2200" b="0">
@@ -11138,39 +10202,37 @@
                 <a:sym typeface="Gill Sans SemiBold"/>
               </a:defRPr>
             </a:pPr>
-            <a:r>
-              <a:t>[lists, dicts, etc]</a:t>
-            </a:r>
-          </a:p>
-        </p:txBody>
-      </p:sp>
-      <p:sp>
-        <p:nvSpPr>
-          <p:cNvPr id="422" name="Files…"/>
+            <a:endParaRPr/>
+          </a:p>
+        </p:txBody>
+      </p:sp>
+      <p:sp>
+        <p:nvSpPr>
+          <p:cNvPr id="473" name="Arrow"/>
           <p:cNvSpPr/>
           <p:nvPr/>
         </p:nvSpPr>
         <p:spPr>
-          <a:xfrm>
-            <a:off x="7495778" y="3120603"/>
-            <a:ext cx="2712244" cy="1632794"/>
-          </a:xfrm>
-          <a:prstGeom prst="roundRect">
+          <a:xfrm rot="5400000">
+            <a:off x="9221589" y="3946907"/>
+            <a:ext cx="902345" cy="1270001"/>
+          </a:xfrm>
+          <a:prstGeom prst="rightArrow">
             <a:avLst>
-              <a:gd name="adj" fmla="val 15000"/>
+              <a:gd name="adj1" fmla="val 34062"/>
+              <a:gd name="adj2" fmla="val 37424"/>
             </a:avLst>
           </a:prstGeom>
           <a:solidFill>
-            <a:schemeClr val="accent1"/>
+            <a:schemeClr val="accent5">
+              <a:hueOff val="-82419"/>
+              <a:satOff val="-9513"/>
+              <a:lumOff val="-16343"/>
+            </a:schemeClr>
           </a:solidFill>
           <a:ln w="12700">
             <a:miter lim="400000"/>
           </a:ln>
-          <a:extLst>
-            <a:ext uri="{C572A759-6A51-4108-AA02-DFA0A04FC94B}">
-              <ma14:wrappingTextBoxFlag xmlns="" xmlns:m="http://schemas.openxmlformats.org/officeDocument/2006/math" xmlns:a14="http://schemas.microsoft.com/office/drawing/2010/main" xmlns:ma14="http://schemas.microsoft.com/office/mac/drawingml/2011/main" val="1"/>
-            </a:ext>
-          </a:extLst>
         </p:spPr>
         <p:txBody>
           <a:bodyPr lIns="50800" tIns="50800" rIns="50800" bIns="50800" anchor="ctr"/>
@@ -11187,10 +10249,85 @@
                 <a:sym typeface="Gill Sans SemiBold"/>
               </a:defRPr>
             </a:pPr>
-            <a:r>
-              <a:t>Files</a:t>
-            </a:r>
-          </a:p>
+            <a:endParaRPr/>
+          </a:p>
+        </p:txBody>
+      </p:sp>
+      <p:sp>
+        <p:nvSpPr>
+          <p:cNvPr id="474" name="{“cindy”: 15}"/>
+          <p:cNvSpPr txBox="1"/>
+          <p:nvPr/>
+        </p:nvSpPr>
+        <p:spPr>
+          <a:xfrm>
+            <a:off x="7399735" y="3298680"/>
+            <a:ext cx="2492128" cy="469901"/>
+          </a:xfrm>
+          <a:prstGeom prst="rect">
+            <a:avLst/>
+          </a:prstGeom>
+          <a:ln w="12700">
+            <a:miter lim="400000"/>
+          </a:ln>
+          <a:extLst>
+            <a:ext uri="{C572A759-6A51-4108-AA02-DFA0A04FC94B}">
+              <ma14:wrappingTextBoxFlag xmlns="" xmlns:m="http://schemas.openxmlformats.org/officeDocument/2006/math" xmlns:a14="http://schemas.microsoft.com/office/drawing/2010/main" xmlns:ma14="http://schemas.microsoft.com/office/mac/drawingml/2011/main" val="1"/>
+            </a:ext>
+          </a:extLst>
+        </p:spPr>
+        <p:txBody>
+          <a:bodyPr wrap="none" lIns="50800" tIns="50800" rIns="50800" bIns="50800" anchor="ctr">
+            <a:spAutoFit/>
+          </a:bodyPr>
+          <a:lstStyle>
+            <a:lvl1pPr algn="l">
+              <a:defRPr>
+                <a:latin typeface="Courier"/>
+                <a:ea typeface="Courier"/>
+                <a:cs typeface="Courier"/>
+                <a:sym typeface="Courier"/>
+              </a:defRPr>
+            </a:lvl1pPr>
+          </a:lstStyle>
+          <a:p>
+            <a:r>
+              <a:t>{“cindy”: 15}</a:t>
+            </a:r>
+          </a:p>
+        </p:txBody>
+      </p:sp>
+      <p:sp>
+        <p:nvSpPr>
+          <p:cNvPr id="475" name="Arrow"/>
+          <p:cNvSpPr/>
+          <p:nvPr/>
+        </p:nvSpPr>
+        <p:spPr>
+          <a:xfrm rot="5400000">
+            <a:off x="9221589" y="1850352"/>
+            <a:ext cx="902345" cy="1270001"/>
+          </a:xfrm>
+          <a:prstGeom prst="rightArrow">
+            <a:avLst>
+              <a:gd name="adj1" fmla="val 34062"/>
+              <a:gd name="adj2" fmla="val 37424"/>
+            </a:avLst>
+          </a:prstGeom>
+          <a:solidFill>
+            <a:schemeClr val="accent5">
+              <a:hueOff val="-82419"/>
+              <a:satOff val="-9513"/>
+              <a:lumOff val="-16343"/>
+            </a:schemeClr>
+          </a:solidFill>
+          <a:ln w="12700">
+            <a:miter lim="400000"/>
+          </a:ln>
+        </p:spPr>
+        <p:txBody>
+          <a:bodyPr lIns="50800" tIns="50800" rIns="50800" bIns="50800" anchor="ctr"/>
+          <a:lstStyle/>
           <a:p>
             <a:pPr>
               <a:defRPr sz="2200" b="0">
@@ -11203,22 +10340,245 @@
                 <a:sym typeface="Gill Sans SemiBold"/>
               </a:defRPr>
             </a:pPr>
-            <a:r>
-              <a:t>[CSVs, JSONs, etc]</a:t>
-            </a:r>
-          </a:p>
-        </p:txBody>
-      </p:sp>
-      <p:sp>
-        <p:nvSpPr>
-          <p:cNvPr id="431" name="Connection Line"/>
+            <a:endParaRPr/>
+          </a:p>
+        </p:txBody>
+      </p:sp>
+      <p:sp>
+        <p:nvSpPr>
+          <p:cNvPr id="476" name="Code"/>
           <p:cNvSpPr/>
           <p:nvPr/>
         </p:nvSpPr>
         <p:spPr>
           <a:xfrm>
-            <a:off x="5009091" y="2016596"/>
-            <a:ext cx="2859733" cy="884296"/>
+            <a:off x="7452176" y="1105670"/>
+            <a:ext cx="4441171" cy="889645"/>
+          </a:xfrm>
+          <a:prstGeom prst="rect">
+            <a:avLst/>
+          </a:prstGeom>
+          <a:ln w="12700">
+            <a:solidFill>
+              <a:srgbClr val="000000"/>
+            </a:solidFill>
+            <a:miter lim="400000"/>
+          </a:ln>
+          <a:extLst>
+            <a:ext uri="{C572A759-6A51-4108-AA02-DFA0A04FC94B}">
+              <ma14:wrappingTextBoxFlag xmlns="" xmlns:m="http://schemas.openxmlformats.org/officeDocument/2006/math" xmlns:a14="http://schemas.microsoft.com/office/drawing/2010/main" xmlns:ma14="http://schemas.microsoft.com/office/mac/drawingml/2011/main" val="1"/>
+            </a:ext>
+          </a:extLst>
+        </p:spPr>
+        <p:txBody>
+          <a:bodyPr lIns="50800" tIns="50800" rIns="50800" bIns="50800"/>
+          <a:lstStyle>
+            <a:lvl1pPr>
+              <a:defRPr sz="2200" b="0">
+                <a:latin typeface="+mn-lt"/>
+                <a:ea typeface="+mn-ea"/>
+                <a:cs typeface="+mn-cs"/>
+                <a:sym typeface="Gill Sans SemiBold"/>
+              </a:defRPr>
+            </a:lvl1pPr>
+          </a:lstStyle>
+          <a:p>
+            <a:r>
+              <a:t>Code</a:t>
+            </a:r>
+          </a:p>
+        </p:txBody>
+      </p:sp>
+      <p:sp>
+        <p:nvSpPr>
+          <p:cNvPr id="477" name="dict"/>
+          <p:cNvSpPr txBox="1"/>
+          <p:nvPr/>
+        </p:nvSpPr>
+        <p:spPr>
+          <a:xfrm rot="16200000">
+            <a:off x="6727009" y="3305030"/>
+            <a:ext cx="700684" cy="457201"/>
+          </a:xfrm>
+          <a:prstGeom prst="rect">
+            <a:avLst/>
+          </a:prstGeom>
+          <a:ln w="12700">
+            <a:miter lim="400000"/>
+          </a:ln>
+          <a:extLst>
+            <a:ext uri="{C572A759-6A51-4108-AA02-DFA0A04FC94B}">
+              <ma14:wrappingTextBoxFlag xmlns="" xmlns:m="http://schemas.openxmlformats.org/officeDocument/2006/math" xmlns:a14="http://schemas.microsoft.com/office/drawing/2010/main" xmlns:ma14="http://schemas.microsoft.com/office/mac/drawingml/2011/main" val="1"/>
+            </a:ext>
+          </a:extLst>
+        </p:spPr>
+        <p:txBody>
+          <a:bodyPr wrap="none" lIns="50800" tIns="50800" rIns="50800" bIns="50800" anchor="ctr">
+            <a:spAutoFit/>
+          </a:bodyPr>
+          <a:lstStyle>
+            <a:lvl1pPr>
+              <a:defRPr>
+                <a:solidFill>
+                  <a:schemeClr val="accent5">
+                    <a:hueOff val="-82419"/>
+                    <a:satOff val="-9513"/>
+                    <a:lumOff val="-16343"/>
+                  </a:schemeClr>
+                </a:solidFill>
+              </a:defRPr>
+            </a:lvl1pPr>
+          </a:lstStyle>
+          <a:p>
+            <a:r>
+              <a:t>dict</a:t>
+            </a:r>
+          </a:p>
+        </p:txBody>
+      </p:sp>
+      <p:sp>
+        <p:nvSpPr>
+          <p:cNvPr id="478" name="data[“cindy”] = 15"/>
+          <p:cNvSpPr txBox="1"/>
+          <p:nvPr/>
+        </p:nvSpPr>
+        <p:spPr>
+          <a:xfrm>
+            <a:off x="7257752" y="1416411"/>
+            <a:ext cx="3772496" cy="469901"/>
+          </a:xfrm>
+          <a:prstGeom prst="rect">
+            <a:avLst/>
+          </a:prstGeom>
+          <a:ln w="12700">
+            <a:miter lim="400000"/>
+          </a:ln>
+          <a:extLst>
+            <a:ext uri="{C572A759-6A51-4108-AA02-DFA0A04FC94B}">
+              <ma14:wrappingTextBoxFlag xmlns="" xmlns:m="http://schemas.openxmlformats.org/officeDocument/2006/math" xmlns:a14="http://schemas.microsoft.com/office/drawing/2010/main" xmlns:ma14="http://schemas.microsoft.com/office/mac/drawingml/2011/main" val="1"/>
+            </a:ext>
+          </a:extLst>
+        </p:spPr>
+        <p:txBody>
+          <a:bodyPr wrap="none" lIns="50800" tIns="50800" rIns="50800" bIns="50800" anchor="ctr">
+            <a:spAutoFit/>
+          </a:bodyPr>
+          <a:lstStyle>
+            <a:lvl1pPr>
+              <a:defRPr>
+                <a:latin typeface="Courier"/>
+                <a:ea typeface="Courier"/>
+                <a:cs typeface="Courier"/>
+                <a:sym typeface="Courier"/>
+              </a:defRPr>
+            </a:lvl1pPr>
+          </a:lstStyle>
+          <a:p>
+            <a:r>
+              <a:t>  data[“cindy”] = 15</a:t>
+            </a:r>
+          </a:p>
+        </p:txBody>
+      </p:sp>
+      <p:sp>
+        <p:nvSpPr>
+          <p:cNvPr id="479" name="Rectangle"/>
+          <p:cNvSpPr/>
+          <p:nvPr/>
+        </p:nvSpPr>
+        <p:spPr>
+          <a:xfrm>
+            <a:off x="491849" y="368732"/>
+            <a:ext cx="12300502" cy="8832751"/>
+          </a:xfrm>
+          <a:prstGeom prst="rect">
+            <a:avLst/>
+          </a:prstGeom>
+          <a:solidFill>
+            <a:srgbClr val="FFFFFF">
+              <a:alpha val="97498"/>
+            </a:srgbClr>
+          </a:solidFill>
+          <a:ln w="12700">
+            <a:miter lim="400000"/>
+          </a:ln>
+        </p:spPr>
+        <p:txBody>
+          <a:bodyPr lIns="50800" tIns="50800" rIns="50800" bIns="50800" anchor="ctr"/>
+          <a:lstStyle/>
+          <a:p>
+            <a:pPr>
+              <a:defRPr sz="2200" b="0">
+                <a:solidFill>
+                  <a:srgbClr val="FFFFFF"/>
+                </a:solidFill>
+                <a:latin typeface="+mn-lt"/>
+                <a:ea typeface="+mn-ea"/>
+                <a:cs typeface="+mn-cs"/>
+                <a:sym typeface="Gill Sans SemiBold"/>
+              </a:defRPr>
+            </a:pPr>
+            <a:endParaRPr/>
+          </a:p>
+        </p:txBody>
+      </p:sp>
+      <p:sp>
+        <p:nvSpPr>
+          <p:cNvPr id="480" name="What does this look like?"/>
+          <p:cNvSpPr txBox="1"/>
+          <p:nvPr/>
+        </p:nvSpPr>
+        <p:spPr>
+          <a:xfrm>
+            <a:off x="4925342" y="6229219"/>
+            <a:ext cx="3992316" cy="457201"/>
+          </a:xfrm>
+          <a:prstGeom prst="rect">
+            <a:avLst/>
+          </a:prstGeom>
+          <a:ln w="12700">
+            <a:miter lim="400000"/>
+          </a:ln>
+          <a:extLst>
+            <a:ext uri="{C572A759-6A51-4108-AA02-DFA0A04FC94B}">
+              <ma14:wrappingTextBoxFlag xmlns="" xmlns:m="http://schemas.openxmlformats.org/officeDocument/2006/math" xmlns:a14="http://schemas.microsoft.com/office/drawing/2010/main" xmlns:ma14="http://schemas.microsoft.com/office/mac/drawingml/2011/main" val="1"/>
+            </a:ext>
+          </a:extLst>
+        </p:spPr>
+        <p:txBody>
+          <a:bodyPr wrap="none" lIns="50800" tIns="50800" rIns="50800" bIns="50800" anchor="ctr">
+            <a:spAutoFit/>
+          </a:bodyPr>
+          <a:lstStyle>
+            <a:lvl1pPr>
+              <a:defRPr>
+                <a:solidFill>
+                  <a:schemeClr val="accent5">
+                    <a:hueOff val="-82419"/>
+                    <a:satOff val="-9513"/>
+                    <a:lumOff val="-16343"/>
+                  </a:schemeClr>
+                </a:solidFill>
+              </a:defRPr>
+            </a:lvl1pPr>
+          </a:lstStyle>
+          <a:p>
+            <a:r>
+              <a:t>What does this look like?</a:t>
+            </a:r>
+          </a:p>
+        </p:txBody>
+      </p:sp>
+      <p:sp>
+        <p:nvSpPr>
+          <p:cNvPr id="489" name="Connection Line"/>
+          <p:cNvSpPr/>
+          <p:nvPr/>
+        </p:nvSpPr>
+        <p:spPr>
+          <a:xfrm>
+            <a:off x="6925502" y="5324502"/>
+            <a:ext cx="1156990" cy="938811"/>
           </a:xfrm>
           <a:custGeom>
             <a:avLst/>
@@ -11240,108 +10600,56 @@
             </a:cxnLst>
             <a:rect l="0" t="0" r="r" b="b"/>
             <a:pathLst>
-              <a:path w="21600" h="16200" extrusionOk="0">
+              <a:path w="21600" h="20715" extrusionOk="0">
                 <a:moveTo>
-                  <a:pt x="0" y="16200"/>
+                  <a:pt x="0" y="20715"/>
                 </a:moveTo>
                 <a:cubicBezTo>
-                  <a:pt x="6826" y="-5382"/>
-                  <a:pt x="14026" y="-5400"/>
-                  <a:pt x="21600" y="16147"/>
+                  <a:pt x="1678" y="5990"/>
+                  <a:pt x="8878" y="-885"/>
+                  <a:pt x="21600" y="90"/>
                 </a:cubicBezTo>
               </a:path>
             </a:pathLst>
           </a:custGeom>
-          <a:ln w="76200">
+          <a:ln w="50800">
+            <a:solidFill>
+              <a:schemeClr val="accent5">
+                <a:hueOff val="-82419"/>
+                <a:satOff val="-9513"/>
+                <a:lumOff val="-16343"/>
+              </a:schemeClr>
+            </a:solidFill>
+            <a:miter lim="400000"/>
+            <a:tailEnd type="triangle"/>
+          </a:ln>
+        </p:spPr>
+        <p:txBody>
+          <a:bodyPr/>
+          <a:lstStyle/>
+          <a:p>
+            <a:endParaRPr/>
+          </a:p>
+        </p:txBody>
+      </p:sp>
+      <p:sp>
+        <p:nvSpPr>
+          <p:cNvPr id="482" name="Serialization Code"/>
+          <p:cNvSpPr/>
+          <p:nvPr/>
+        </p:nvSpPr>
+        <p:spPr>
+          <a:xfrm>
+            <a:off x="8142328" y="5071945"/>
+            <a:ext cx="3060867" cy="589013"/>
+          </a:xfrm>
+          <a:prstGeom prst="rect">
+            <a:avLst/>
+          </a:prstGeom>
+          <a:ln w="12700">
             <a:solidFill>
               <a:srgbClr val="000000"/>
             </a:solidFill>
-            <a:miter lim="400000"/>
-            <a:tailEnd type="triangle"/>
-          </a:ln>
-        </p:spPr>
-        <p:txBody>
-          <a:bodyPr/>
-          <a:lstStyle/>
-          <a:p>
-            <a:endParaRPr/>
-          </a:p>
-        </p:txBody>
-      </p:sp>
-      <p:sp>
-        <p:nvSpPr>
-          <p:cNvPr id="432" name="Connection Line"/>
-          <p:cNvSpPr/>
-          <p:nvPr/>
-        </p:nvSpPr>
-        <p:spPr>
-          <a:xfrm>
-            <a:off x="5009091" y="4937596"/>
-            <a:ext cx="2859733" cy="884296"/>
-          </a:xfrm>
-          <a:custGeom>
-            <a:avLst/>
-            <a:gdLst/>
-            <a:ahLst/>
-            <a:cxnLst>
-              <a:cxn ang="0">
-                <a:pos x="wd2" y="hd2"/>
-              </a:cxn>
-              <a:cxn ang="5400000">
-                <a:pos x="wd2" y="hd2"/>
-              </a:cxn>
-              <a:cxn ang="10800000">
-                <a:pos x="wd2" y="hd2"/>
-              </a:cxn>
-              <a:cxn ang="16200000">
-                <a:pos x="wd2" y="hd2"/>
-              </a:cxn>
-            </a:cxnLst>
-            <a:rect l="0" t="0" r="r" b="b"/>
-            <a:pathLst>
-              <a:path w="21600" h="16200" extrusionOk="0">
-                <a:moveTo>
-                  <a:pt x="21600" y="0"/>
-                </a:moveTo>
-                <a:cubicBezTo>
-                  <a:pt x="14774" y="21582"/>
-                  <a:pt x="7574" y="21600"/>
-                  <a:pt x="0" y="53"/>
-                </a:cubicBezTo>
-              </a:path>
-            </a:pathLst>
-          </a:custGeom>
-          <a:ln w="76200">
-            <a:solidFill>
-              <a:srgbClr val="000000"/>
-            </a:solidFill>
-            <a:miter lim="400000"/>
-            <a:tailEnd type="triangle"/>
-          </a:ln>
-        </p:spPr>
-        <p:txBody>
-          <a:bodyPr/>
-          <a:lstStyle/>
-          <a:p>
-            <a:endParaRPr/>
-          </a:p>
-        </p:txBody>
-      </p:sp>
-      <p:sp>
-        <p:nvSpPr>
-          <p:cNvPr id="425" name="parsing"/>
-          <p:cNvSpPr txBox="1"/>
-          <p:nvPr/>
-        </p:nvSpPr>
-        <p:spPr>
-          <a:xfrm>
-            <a:off x="5885060" y="6022942"/>
-            <a:ext cx="1234680" cy="457201"/>
-          </a:xfrm>
-          <a:prstGeom prst="rect">
-            <a:avLst/>
-          </a:prstGeom>
-          <a:ln w="12700">
             <a:miter lim="400000"/>
           </a:ln>
           <a:extLst>
@@ -11351,27 +10659,67 @@
           </a:extLst>
         </p:spPr>
         <p:txBody>
-          <a:bodyPr wrap="none" lIns="50800" tIns="50800" rIns="50800" bIns="50800" anchor="ctr">
-            <a:spAutoFit/>
-          </a:bodyPr>
-          <a:lstStyle/>
-          <a:p>
-            <a:r>
-              <a:t>parsing</a:t>
-            </a:r>
-          </a:p>
-        </p:txBody>
-      </p:sp>
-      <p:sp>
-        <p:nvSpPr>
-          <p:cNvPr id="426" name="serialization"/>
+          <a:bodyPr lIns="50800" tIns="50800" rIns="50800" bIns="50800" anchor="ctr"/>
+          <a:lstStyle>
+            <a:lvl1pPr>
+              <a:defRPr sz="2200" b="0">
+                <a:latin typeface="+mn-lt"/>
+                <a:ea typeface="+mn-ea"/>
+                <a:cs typeface="+mn-cs"/>
+                <a:sym typeface="Gill Sans SemiBold"/>
+              </a:defRPr>
+            </a:lvl1pPr>
+          </a:lstStyle>
+          <a:p>
+            <a:r>
+              <a:t>Serialization Code</a:t>
+            </a:r>
+          </a:p>
+        </p:txBody>
+      </p:sp>
+      <p:sp>
+        <p:nvSpPr>
+          <p:cNvPr id="483" name="Writing JSON Files"/>
+          <p:cNvSpPr txBox="1">
+            <a:spLocks noGrp="1"/>
+          </p:cNvSpPr>
+          <p:nvPr>
+            <p:ph type="title"/>
+          </p:nvPr>
+        </p:nvSpPr>
+        <p:spPr>
+          <a:xfrm>
+            <a:off x="355600" y="177389"/>
+            <a:ext cx="11099800" cy="902346"/>
+          </a:xfrm>
+          <a:prstGeom prst="rect">
+            <a:avLst/>
+          </a:prstGeom>
+        </p:spPr>
+        <p:txBody>
+          <a:bodyPr/>
+          <a:lstStyle>
+            <a:lvl1pPr algn="l">
+              <a:defRPr sz="4800"/>
+            </a:lvl1pPr>
+          </a:lstStyle>
+          <a:p>
+            <a:r>
+              <a:t>Writing JSON Files</a:t>
+            </a:r>
+          </a:p>
+        </p:txBody>
+      </p:sp>
+      <p:sp>
+        <p:nvSpPr>
+          <p:cNvPr id="484" name="import json…"/>
           <p:cNvSpPr txBox="1"/>
           <p:nvPr/>
         </p:nvSpPr>
         <p:spPr>
           <a:xfrm>
-            <a:off x="5422750" y="1401669"/>
-            <a:ext cx="2002186" cy="457201"/>
+            <a:off x="622300" y="1553241"/>
+            <a:ext cx="8096252" cy="2103988"/>
           </a:xfrm>
           <a:prstGeom prst="rect">
             <a:avLst/>
@@ -11386,34 +10734,174 @@
           </a:extLst>
         </p:spPr>
         <p:txBody>
-          <a:bodyPr wrap="none" lIns="50800" tIns="50800" rIns="50800" bIns="50800" anchor="ctr">
-            <a:spAutoFit/>
+          <a:bodyPr lIns="50800" tIns="50800" rIns="50800" bIns="50800">
+            <a:normAutofit fontScale="92500"/>
           </a:bodyPr>
           <a:lstStyle/>
           <a:p>
-            <a:r>
-              <a:t>serialization</a:t>
-            </a:r>
-          </a:p>
-        </p:txBody>
-      </p:sp>
-      <p:sp>
-        <p:nvSpPr>
-          <p:cNvPr id="427" name="why not just have data structures?"/>
-          <p:cNvSpPr txBox="1"/>
-          <p:nvPr/>
-        </p:nvSpPr>
-        <p:spPr>
-          <a:xfrm>
-            <a:off x="1701800" y="6934200"/>
-            <a:ext cx="5505847" cy="482601"/>
-          </a:xfrm>
-          <a:prstGeom prst="rect">
-            <a:avLst/>
-          </a:prstGeom>
+            <a:pPr algn="l" defTabSz="554990">
+              <a:defRPr sz="2185" b="0">
+                <a:latin typeface="Courier"/>
+                <a:ea typeface="Courier"/>
+                <a:cs typeface="Courier"/>
+                <a:sym typeface="Courier"/>
+              </a:defRPr>
+            </a:pPr>
+            <a:r>
+              <a:rPr dirty="0"/>
+              <a:t>import json</a:t>
+            </a:r>
+          </a:p>
+          <a:p>
+            <a:pPr algn="l" defTabSz="554990">
+              <a:defRPr sz="2185" b="0">
+                <a:latin typeface="Courier"/>
+                <a:ea typeface="Courier"/>
+                <a:cs typeface="Courier"/>
+                <a:sym typeface="Courier"/>
+              </a:defRPr>
+            </a:pPr>
+            <a:endParaRPr dirty="0"/>
+          </a:p>
+          <a:p>
+            <a:pPr algn="l" defTabSz="554990">
+              <a:defRPr sz="2185" b="0">
+                <a:latin typeface="Courier"/>
+                <a:ea typeface="Courier"/>
+                <a:cs typeface="Courier"/>
+                <a:sym typeface="Courier"/>
+              </a:defRPr>
+            </a:pPr>
+            <a:r>
+              <a:rPr dirty="0">
+                <a:solidFill>
+                  <a:srgbClr val="929292"/>
+                </a:solidFill>
+              </a:rPr>
+              <a:t># data is a </a:t>
+            </a:r>
+            <a:r>
+              <a:rPr dirty="0" err="1">
+                <a:solidFill>
+                  <a:srgbClr val="929292"/>
+                </a:solidFill>
+              </a:rPr>
+              <a:t>dict</a:t>
+            </a:r>
+            <a:r>
+              <a:rPr dirty="0">
+                <a:solidFill>
+                  <a:srgbClr val="929292"/>
+                </a:solidFill>
+              </a:rPr>
+              <a:t>, list, </a:t>
+            </a:r>
+            <a:r>
+              <a:rPr dirty="0" err="1">
+                <a:solidFill>
+                  <a:srgbClr val="929292"/>
+                </a:solidFill>
+              </a:rPr>
+              <a:t>etc</a:t>
+            </a:r>
+            <a:endParaRPr dirty="0">
+              <a:solidFill>
+                <a:srgbClr val="929292"/>
+              </a:solidFill>
+            </a:endParaRPr>
+          </a:p>
+          <a:p>
+            <a:pPr algn="l" defTabSz="554990">
+              <a:defRPr sz="2185" b="0">
+                <a:latin typeface="Courier"/>
+                <a:ea typeface="Courier"/>
+                <a:cs typeface="Courier"/>
+                <a:sym typeface="Courier"/>
+              </a:defRPr>
+            </a:pPr>
+            <a:r>
+              <a:rPr dirty="0"/>
+              <a:t>def </a:t>
+            </a:r>
+            <a:r>
+              <a:rPr dirty="0" err="1"/>
+              <a:t>write_json</a:t>
+            </a:r>
+            <a:r>
+              <a:rPr dirty="0"/>
+              <a:t>(path, data):</a:t>
+            </a:r>
+          </a:p>
+          <a:p>
+            <a:pPr algn="l" defTabSz="554990">
+              <a:defRPr sz="2185" b="0">
+                <a:latin typeface="Courier"/>
+                <a:ea typeface="Courier"/>
+                <a:cs typeface="Courier"/>
+                <a:sym typeface="Courier"/>
+              </a:defRPr>
+            </a:pPr>
+            <a:r>
+              <a:rPr dirty="0"/>
+              <a:t>    with open(path, 'w', encoding="utf-8") as f:</a:t>
+            </a:r>
+          </a:p>
+          <a:p>
+            <a:pPr algn="l" defTabSz="554990">
+              <a:defRPr sz="2185" b="0">
+                <a:latin typeface="Courier"/>
+                <a:ea typeface="Courier"/>
+                <a:cs typeface="Courier"/>
+                <a:sym typeface="Courier"/>
+              </a:defRPr>
+            </a:pPr>
+            <a:r>
+              <a:rPr dirty="0"/>
+              <a:t>        </a:t>
+            </a:r>
+            <a:r>
+              <a:rPr dirty="0" err="1"/>
+              <a:t>json.dump</a:t>
+            </a:r>
+            <a:r>
+              <a:rPr dirty="0"/>
+              <a:t>(data, f, indent=2)</a:t>
+            </a:r>
+          </a:p>
+        </p:txBody>
+      </p:sp>
+      <p:sp>
+        <p:nvSpPr>
+          <p:cNvPr id="485" name="CTRL"/>
+          <p:cNvSpPr/>
+          <p:nvPr/>
+        </p:nvSpPr>
+        <p:spPr>
+          <a:xfrm>
+            <a:off x="1384300" y="4125362"/>
+            <a:ext cx="1169463" cy="648717"/>
+          </a:xfrm>
+          <a:prstGeom prst="roundRect">
+            <a:avLst>
+              <a:gd name="adj" fmla="val 27041"/>
+            </a:avLst>
+          </a:prstGeom>
+          <a:solidFill>
+            <a:srgbClr val="D6D5D5"/>
+          </a:solidFill>
           <a:ln w="12700">
-            <a:miter lim="400000"/>
-          </a:ln>
+            <a:solidFill>
+              <a:srgbClr val="000000"/>
+            </a:solidFill>
+            <a:miter lim="400000"/>
+          </a:ln>
+          <a:effectLst>
+            <a:outerShdw blurRad="63500" dist="73144" dir="2249259" rotWithShape="0">
+              <a:srgbClr val="000000">
+                <a:alpha val="50000"/>
+              </a:srgbClr>
+            </a:outerShdw>
+          </a:effectLst>
           <a:extLst>
             <a:ext uri="{C572A759-6A51-4108-AA02-DFA0A04FC94B}">
               <ma14:wrappingTextBoxFlag xmlns="" xmlns:m="http://schemas.openxmlformats.org/officeDocument/2006/math" xmlns:a14="http://schemas.microsoft.com/office/drawing/2010/main" xmlns:ma14="http://schemas.microsoft.com/office/mac/drawingml/2011/main" val="1"/>
@@ -11421,38 +10909,56 @@
           </a:extLst>
         </p:spPr>
         <p:txBody>
-          <a:bodyPr wrap="none" lIns="50800" tIns="50800" rIns="50800" bIns="50800" anchor="ctr">
-            <a:spAutoFit/>
-          </a:bodyPr>
+          <a:bodyPr lIns="50800" tIns="50800" rIns="50800" bIns="50800" anchor="ctr"/>
           <a:lstStyle>
-            <a:lvl1pPr algn="l">
-              <a:defRPr sz="2600" i="1"/>
+            <a:lvl1pPr>
+              <a:defRPr sz="2200" b="0">
+                <a:latin typeface="+mn-lt"/>
+                <a:ea typeface="+mn-ea"/>
+                <a:cs typeface="+mn-cs"/>
+                <a:sym typeface="Gill Sans SemiBold"/>
+              </a:defRPr>
             </a:lvl1pPr>
           </a:lstStyle>
           <a:p>
             <a:r>
-              <a:t>why not just have data structures?</a:t>
-            </a:r>
-          </a:p>
-        </p:txBody>
-      </p:sp>
-      <p:sp>
-        <p:nvSpPr>
-          <p:cNvPr id="428" name="because our data needs to live somewhere when our programs aren't running"/>
-          <p:cNvSpPr txBox="1"/>
-          <p:nvPr/>
-        </p:nvSpPr>
-        <p:spPr>
-          <a:xfrm>
-            <a:off x="2209800" y="7473949"/>
-            <a:ext cx="8922085" cy="419101"/>
-          </a:xfrm>
-          <a:prstGeom prst="rect">
-            <a:avLst/>
-          </a:prstGeom>
+              <a:t>CTRL</a:t>
+            </a:r>
+          </a:p>
+        </p:txBody>
+      </p:sp>
+      <p:sp>
+        <p:nvSpPr>
+          <p:cNvPr id="486" name="C"/>
+          <p:cNvSpPr/>
+          <p:nvPr/>
+        </p:nvSpPr>
+        <p:spPr>
+          <a:xfrm>
+            <a:off x="3263900" y="4125362"/>
+            <a:ext cx="656533" cy="648717"/>
+          </a:xfrm>
+          <a:prstGeom prst="roundRect">
+            <a:avLst>
+              <a:gd name="adj" fmla="val 27041"/>
+            </a:avLst>
+          </a:prstGeom>
+          <a:solidFill>
+            <a:srgbClr val="D6D5D5"/>
+          </a:solidFill>
           <a:ln w="12700">
-            <a:miter lim="400000"/>
-          </a:ln>
+            <a:solidFill>
+              <a:srgbClr val="000000"/>
+            </a:solidFill>
+            <a:miter lim="400000"/>
+          </a:ln>
+          <a:effectLst>
+            <a:outerShdw blurRad="63500" dist="73144" dir="2249259" rotWithShape="0">
+              <a:srgbClr val="000000">
+                <a:alpha val="50000"/>
+              </a:srgbClr>
+            </a:outerShdw>
+          </a:effectLst>
           <a:extLst>
             <a:ext uri="{C572A759-6A51-4108-AA02-DFA0A04FC94B}">
               <ma14:wrappingTextBoxFlag xmlns="" xmlns:m="http://schemas.openxmlformats.org/officeDocument/2006/math" xmlns:a14="http://schemas.microsoft.com/office/drawing/2010/main" xmlns:ma14="http://schemas.microsoft.com/office/mac/drawingml/2011/main" val="1"/>
@@ -11460,39 +10966,34 @@
           </a:extLst>
         </p:spPr>
         <p:txBody>
-          <a:bodyPr wrap="none" lIns="50800" tIns="50800" rIns="50800" bIns="50800" anchor="ctr">
-            <a:spAutoFit/>
-          </a:bodyPr>
+          <a:bodyPr lIns="50800" tIns="50800" rIns="50800" bIns="50800" anchor="ctr"/>
           <a:lstStyle>
-            <a:lvl1pPr algn="l">
+            <a:lvl1pPr>
               <a:defRPr sz="2200" b="0">
-                <a:solidFill>
-                  <a:schemeClr val="accent4">
-                    <a:hueOff val="-1081314"/>
-                    <a:satOff val="4338"/>
-                    <a:lumOff val="-8931"/>
-                  </a:schemeClr>
-                </a:solidFill>
+                <a:latin typeface="+mn-lt"/>
+                <a:ea typeface="+mn-ea"/>
+                <a:cs typeface="+mn-cs"/>
+                <a:sym typeface="Gill Sans SemiBold"/>
               </a:defRPr>
             </a:lvl1pPr>
           </a:lstStyle>
           <a:p>
             <a:r>
-              <a:t>because our data needs to live somewhere when our programs aren't running</a:t>
-            </a:r>
-          </a:p>
-        </p:txBody>
-      </p:sp>
-      <p:sp>
-        <p:nvSpPr>
-          <p:cNvPr id="429" name="why not just have files?"/>
+              <a:t>C</a:t>
+            </a:r>
+          </a:p>
+        </p:txBody>
+      </p:sp>
+      <p:sp>
+        <p:nvSpPr>
+          <p:cNvPr id="487" name="+"/>
           <p:cNvSpPr txBox="1"/>
           <p:nvPr/>
         </p:nvSpPr>
         <p:spPr>
           <a:xfrm>
-            <a:off x="1701800" y="8077200"/>
-            <a:ext cx="3768267" cy="482601"/>
+            <a:off x="2733015" y="4126022"/>
+            <a:ext cx="351632" cy="558801"/>
           </a:xfrm>
           <a:prstGeom prst="rect">
             <a:avLst/>
@@ -11511,27 +11012,27 @@
             <a:spAutoFit/>
           </a:bodyPr>
           <a:lstStyle>
-            <a:lvl1pPr algn="l">
-              <a:defRPr sz="2600" i="1"/>
+            <a:lvl1pPr>
+              <a:defRPr sz="3200" b="0"/>
             </a:lvl1pPr>
           </a:lstStyle>
           <a:p>
             <a:r>
-              <a:t>why not just have files?</a:t>
-            </a:r>
-          </a:p>
-        </p:txBody>
-      </p:sp>
-      <p:sp>
-        <p:nvSpPr>
-          <p:cNvPr id="430" name="slow, and Python doesn't understand structure until it is parsed"/>
+              <a:t>+</a:t>
+            </a:r>
+          </a:p>
+        </p:txBody>
+      </p:sp>
+      <p:sp>
+        <p:nvSpPr>
+          <p:cNvPr id="488" name="don't need to understand…"/>
           <p:cNvSpPr txBox="1"/>
           <p:nvPr/>
         </p:nvSpPr>
         <p:spPr>
           <a:xfrm>
-            <a:off x="2209800" y="8616949"/>
-            <a:ext cx="7251006" cy="419101"/>
+            <a:off x="1399356" y="4939643"/>
+            <a:ext cx="2586088" cy="685801"/>
           </a:xfrm>
           <a:prstGeom prst="rect">
             <a:avLst/>
@@ -11549,22 +11050,21 @@
           <a:bodyPr wrap="none" lIns="50800" tIns="50800" rIns="50800" bIns="50800" anchor="ctr">
             <a:spAutoFit/>
           </a:bodyPr>
-          <a:lstStyle>
-            <a:lvl1pPr algn="l">
-              <a:defRPr sz="2200" b="0">
-                <a:solidFill>
-                  <a:schemeClr val="accent4">
-                    <a:hueOff val="-1081314"/>
-                    <a:satOff val="4338"/>
-                    <a:lumOff val="-8931"/>
-                  </a:schemeClr>
-                </a:solidFill>
-              </a:defRPr>
-            </a:lvl1pPr>
-          </a:lstStyle>
-          <a:p>
-            <a:r>
-              <a:t>slow, and Python doesn't understand structure until it is parsed</a:t>
+          <a:lstStyle/>
+          <a:p>
+            <a:pPr>
+              <a:defRPr sz="2000" b="0" i="1"/>
+            </a:pPr>
+            <a:r>
+              <a:t>don't need to understand</a:t>
+            </a:r>
+          </a:p>
+          <a:p>
+            <a:pPr>
+              <a:defRPr sz="2000" b="0" i="1"/>
+            </a:pPr>
+            <a:r>
+              <a:t>this snippet yet</a:t>
             </a:r>
           </a:p>
         </p:txBody>
@@ -11597,7 +11097,7 @@
       </p:grpSpPr>
       <p:sp>
         <p:nvSpPr>
-          <p:cNvPr id="434" name="Writing JSON Files"/>
+          <p:cNvPr id="491" name="Demo 1: Number Count"/>
           <p:cNvSpPr txBox="1">
             <a:spLocks noGrp="1"/>
           </p:cNvSpPr>
@@ -11607,8 +11107,8 @@
         </p:nvSpPr>
         <p:spPr>
           <a:xfrm>
-            <a:off x="355600" y="177389"/>
-            <a:ext cx="11099800" cy="902346"/>
+            <a:off x="952500" y="254000"/>
+            <a:ext cx="11099800" cy="902345"/>
           </a:xfrm>
           <a:prstGeom prst="rect">
             <a:avLst/>
@@ -11623,251 +11123,37 @@
           </a:lstStyle>
           <a:p>
             <a:r>
-              <a:t>Writing JSON Files</a:t>
-            </a:r>
-          </a:p>
-        </p:txBody>
-      </p:sp>
-      <p:sp>
-        <p:nvSpPr>
-          <p:cNvPr id="435" name="Python Program"/>
-          <p:cNvSpPr txBox="1"/>
-          <p:nvPr/>
-        </p:nvSpPr>
-        <p:spPr>
-          <a:xfrm>
-            <a:off x="8129960" y="380840"/>
-            <a:ext cx="2677865" cy="457201"/>
-          </a:xfrm>
-          <a:prstGeom prst="rect">
-            <a:avLst/>
-          </a:prstGeom>
-          <a:ln w="12700">
-            <a:miter lim="400000"/>
-          </a:ln>
-          <a:extLst>
-            <a:ext uri="{C572A759-6A51-4108-AA02-DFA0A04FC94B}">
-              <ma14:wrappingTextBoxFlag xmlns="" xmlns:m="http://schemas.openxmlformats.org/officeDocument/2006/math" xmlns:a14="http://schemas.microsoft.com/office/drawing/2010/main" xmlns:ma14="http://schemas.microsoft.com/office/mac/drawingml/2011/main" val="1"/>
-            </a:ext>
-          </a:extLst>
-        </p:spPr>
-        <p:txBody>
-          <a:bodyPr wrap="none" lIns="50800" tIns="50800" rIns="50800" bIns="50800" anchor="ctr">
-            <a:spAutoFit/>
-          </a:bodyPr>
+              <a:t>Demo 1: Number Count</a:t>
+            </a:r>
+          </a:p>
+        </p:txBody>
+      </p:sp>
+      <p:sp>
+        <p:nvSpPr>
+          <p:cNvPr id="492" name="Goal: count the numbers in a list saved as a JSON file…"/>
+          <p:cNvSpPr txBox="1">
+            <a:spLocks noGrp="1"/>
+          </p:cNvSpPr>
+          <p:nvPr>
+            <p:ph type="body" idx="1"/>
+          </p:nvPr>
+        </p:nvSpPr>
+        <p:spPr>
+          <a:xfrm>
+            <a:off x="952500" y="1587896"/>
+            <a:ext cx="11540877" cy="7684494"/>
+          </a:xfrm>
+          <a:prstGeom prst="rect">
+            <a:avLst/>
+          </a:prstGeom>
+        </p:spPr>
+        <p:txBody>
+          <a:bodyPr anchor="t"/>
           <a:lstStyle/>
           <a:p>
-            <a:r>
-              <a:t>Python Program</a:t>
-            </a:r>
-          </a:p>
-        </p:txBody>
-      </p:sp>
-      <p:sp>
-        <p:nvSpPr>
-          <p:cNvPr id="436" name="Rectangle"/>
-          <p:cNvSpPr/>
-          <p:nvPr/>
-        </p:nvSpPr>
-        <p:spPr>
-          <a:xfrm>
-            <a:off x="6409382" y="914091"/>
-            <a:ext cx="6119022" cy="4988918"/>
-          </a:xfrm>
-          <a:prstGeom prst="rect">
-            <a:avLst/>
-          </a:prstGeom>
-          <a:ln w="12700">
-            <a:solidFill>
-              <a:srgbClr val="000000"/>
-            </a:solidFill>
-            <a:miter lim="400000"/>
-          </a:ln>
-        </p:spPr>
-        <p:txBody>
-          <a:bodyPr lIns="50800" tIns="50800" rIns="50800" bIns="50800" anchor="ctr"/>
-          <a:lstStyle/>
-          <a:p>
-            <a:pPr>
-              <a:defRPr sz="2200" b="0">
-                <a:solidFill>
-                  <a:srgbClr val="FFFFFF"/>
-                </a:solidFill>
-                <a:latin typeface="+mn-lt"/>
-                <a:ea typeface="+mn-ea"/>
-                <a:cs typeface="+mn-cs"/>
-                <a:sym typeface="Gill Sans SemiBold"/>
-              </a:defRPr>
-            </a:pPr>
-            <a:endParaRPr/>
-          </a:p>
-        </p:txBody>
-      </p:sp>
-      <p:sp>
-        <p:nvSpPr>
-          <p:cNvPr id="437" name="{}"/>
-          <p:cNvSpPr txBox="1"/>
-          <p:nvPr/>
-        </p:nvSpPr>
-        <p:spPr>
-          <a:xfrm>
-            <a:off x="7399735" y="3298680"/>
-            <a:ext cx="480120" cy="469901"/>
-          </a:xfrm>
-          <a:prstGeom prst="rect">
-            <a:avLst/>
-          </a:prstGeom>
-          <a:ln w="12700">
-            <a:miter lim="400000"/>
-          </a:ln>
-          <a:extLst>
-            <a:ext uri="{C572A759-6A51-4108-AA02-DFA0A04FC94B}">
-              <ma14:wrappingTextBoxFlag xmlns="" xmlns:m="http://schemas.openxmlformats.org/officeDocument/2006/math" xmlns:a14="http://schemas.microsoft.com/office/drawing/2010/main" xmlns:ma14="http://schemas.microsoft.com/office/mac/drawingml/2011/main" val="1"/>
-            </a:ext>
-          </a:extLst>
-        </p:spPr>
-        <p:txBody>
-          <a:bodyPr wrap="none" lIns="50800" tIns="50800" rIns="50800" bIns="50800" anchor="ctr">
-            <a:spAutoFit/>
-          </a:bodyPr>
-          <a:lstStyle>
-            <a:lvl1pPr algn="l">
-              <a:defRPr>
-                <a:latin typeface="Courier"/>
-                <a:ea typeface="Courier"/>
-                <a:cs typeface="Courier"/>
-                <a:sym typeface="Courier"/>
-              </a:defRPr>
-            </a:lvl1pPr>
-          </a:lstStyle>
-          <a:p>
-            <a:r>
-              <a:t>{}</a:t>
-            </a:r>
-          </a:p>
-        </p:txBody>
-      </p:sp>
-      <p:sp>
-        <p:nvSpPr>
-          <p:cNvPr id="438" name="Arrow"/>
-          <p:cNvSpPr/>
-          <p:nvPr/>
-        </p:nvSpPr>
-        <p:spPr>
-          <a:xfrm rot="5400000">
-            <a:off x="9221589" y="1850352"/>
-            <a:ext cx="902345" cy="1270001"/>
-          </a:xfrm>
-          <a:prstGeom prst="rightArrow">
-            <a:avLst>
-              <a:gd name="adj1" fmla="val 34062"/>
-              <a:gd name="adj2" fmla="val 37424"/>
-            </a:avLst>
-          </a:prstGeom>
-          <a:solidFill>
-            <a:schemeClr val="accent5">
-              <a:hueOff val="-82419"/>
-              <a:satOff val="-9513"/>
-              <a:lumOff val="-16343"/>
-            </a:schemeClr>
-          </a:solidFill>
-          <a:ln w="12700">
-            <a:miter lim="400000"/>
-          </a:ln>
-        </p:spPr>
-        <p:txBody>
-          <a:bodyPr lIns="50800" tIns="50800" rIns="50800" bIns="50800" anchor="ctr"/>
-          <a:lstStyle/>
-          <a:p>
-            <a:pPr>
-              <a:defRPr sz="2200" b="0">
-                <a:solidFill>
-                  <a:srgbClr val="FFFFFF"/>
-                </a:solidFill>
-                <a:latin typeface="+mn-lt"/>
-                <a:ea typeface="+mn-ea"/>
-                <a:cs typeface="+mn-cs"/>
-                <a:sym typeface="Gill Sans SemiBold"/>
-              </a:defRPr>
-            </a:pPr>
-            <a:endParaRPr/>
-          </a:p>
-        </p:txBody>
-      </p:sp>
-      <p:sp>
-        <p:nvSpPr>
-          <p:cNvPr id="439" name="Code"/>
-          <p:cNvSpPr/>
-          <p:nvPr/>
-        </p:nvSpPr>
-        <p:spPr>
-          <a:xfrm>
-            <a:off x="7452176" y="1105670"/>
-            <a:ext cx="4441171" cy="889645"/>
-          </a:xfrm>
-          <a:prstGeom prst="rect">
-            <a:avLst/>
-          </a:prstGeom>
-          <a:ln w="12700">
-            <a:solidFill>
-              <a:srgbClr val="000000"/>
-            </a:solidFill>
-            <a:miter lim="400000"/>
-          </a:ln>
-          <a:extLst>
-            <a:ext uri="{C572A759-6A51-4108-AA02-DFA0A04FC94B}">
-              <ma14:wrappingTextBoxFlag xmlns="" xmlns:m="http://schemas.openxmlformats.org/officeDocument/2006/math" xmlns:a14="http://schemas.microsoft.com/office/drawing/2010/main" xmlns:ma14="http://schemas.microsoft.com/office/mac/drawingml/2011/main" val="1"/>
-            </a:ext>
-          </a:extLst>
-        </p:spPr>
-        <p:txBody>
-          <a:bodyPr lIns="50800" tIns="50800" rIns="50800" bIns="50800"/>
-          <a:lstStyle>
-            <a:lvl1pPr>
-              <a:defRPr sz="2200" b="0">
-                <a:latin typeface="+mn-lt"/>
-                <a:ea typeface="+mn-ea"/>
-                <a:cs typeface="+mn-cs"/>
-                <a:sym typeface="Gill Sans SemiBold"/>
-              </a:defRPr>
-            </a:lvl1pPr>
-          </a:lstStyle>
-          <a:p>
-            <a:r>
-              <a:t>Code</a:t>
-            </a:r>
-          </a:p>
-        </p:txBody>
-      </p:sp>
-      <p:sp>
-        <p:nvSpPr>
-          <p:cNvPr id="440" name="dict"/>
-          <p:cNvSpPr txBox="1"/>
-          <p:nvPr/>
-        </p:nvSpPr>
-        <p:spPr>
-          <a:xfrm rot="16200000">
-            <a:off x="6727009" y="3305030"/>
-            <a:ext cx="700684" cy="457201"/>
-          </a:xfrm>
-          <a:prstGeom prst="rect">
-            <a:avLst/>
-          </a:prstGeom>
-          <a:ln w="12700">
-            <a:miter lim="400000"/>
-          </a:ln>
-          <a:extLst>
-            <a:ext uri="{C572A759-6A51-4108-AA02-DFA0A04FC94B}">
-              <ma14:wrappingTextBoxFlag xmlns="" xmlns:m="http://schemas.openxmlformats.org/officeDocument/2006/math" xmlns:a14="http://schemas.microsoft.com/office/drawing/2010/main" xmlns:ma14="http://schemas.microsoft.com/office/mac/drawingml/2011/main" val="1"/>
-            </a:ext>
-          </a:extLst>
-        </p:spPr>
-        <p:txBody>
-          <a:bodyPr wrap="none" lIns="50800" tIns="50800" rIns="50800" bIns="50800" anchor="ctr">
-            <a:spAutoFit/>
-          </a:bodyPr>
-          <a:lstStyle>
-            <a:lvl1pPr>
+            <a:pPr marL="0" lvl="5" indent="0">
+              <a:buSzTx/>
+              <a:buNone/>
               <a:defRPr>
                 <a:solidFill>
                   <a:schemeClr val="accent5">
@@ -11877,11 +11163,171 @@
                   </a:schemeClr>
                 </a:solidFill>
               </a:defRPr>
+            </a:pPr>
+            <a:r>
+              <a:t>Goal: count the numbers in a list saved as a JSON file</a:t>
+            </a:r>
+          </a:p>
+          <a:p>
+            <a:pPr marL="0" lvl="5" indent="0">
+              <a:buSzTx/>
+              <a:buNone/>
+            </a:pPr>
+            <a:r>
+              <a:rPr b="1"/>
+              <a:t>Input</a:t>
+            </a:r>
+            <a:r>
+              <a:t>:</a:t>
+            </a:r>
+          </a:p>
+          <a:p>
+            <a:pPr marL="635000" indent="-444500">
+              <a:spcBef>
+                <a:spcPts val="0"/>
+              </a:spcBef>
+              <a:defRPr sz="2800"/>
+            </a:pPr>
+            <a:r>
+              <a:t>Location of the file</a:t>
+            </a:r>
+          </a:p>
+          <a:p>
+            <a:pPr marL="0" lvl="5" indent="0">
+              <a:buSzTx/>
+              <a:buNone/>
+            </a:pPr>
+            <a:r>
+              <a:rPr b="1"/>
+              <a:t>Output</a:t>
+            </a:r>
+            <a:r>
+              <a:t>:</a:t>
+            </a:r>
+          </a:p>
+          <a:p>
+            <a:pPr marL="635000" indent="-444500">
+              <a:spcBef>
+                <a:spcPts val="0"/>
+              </a:spcBef>
+              <a:defRPr sz="2800"/>
+            </a:pPr>
+            <a:r>
+              <a:t>The sum</a:t>
+            </a:r>
+          </a:p>
+          <a:p>
+            <a:pPr marL="0" lvl="5" indent="0">
+              <a:buSzTx/>
+              <a:buNone/>
+            </a:pPr>
+            <a:r>
+              <a:rPr b="1"/>
+              <a:t>Example</a:t>
+            </a:r>
+            <a:r>
+              <a:t>:</a:t>
+            </a:r>
+            <a:br/>
+            <a:br>
+              <a:rPr sz="2200"/>
+            </a:br>
+            <a:r>
+              <a:rPr sz="2800"/>
+              <a:t>prompt&gt; </a:t>
+            </a:r>
+            <a:r>
+              <a:rPr sz="2800" b="1"/>
+              <a:t>python sum.py fileA.json</a:t>
+            </a:r>
+            <a:br>
+              <a:rPr sz="2800" b="1"/>
+            </a:br>
+            <a:r>
+              <a:rPr sz="2800"/>
+              <a:t>6</a:t>
+            </a:r>
+            <a:br>
+              <a:rPr sz="2800"/>
+            </a:br>
+            <a:endParaRPr sz="2800"/>
+          </a:p>
+        </p:txBody>
+      </p:sp>
+      <p:sp>
+        <p:nvSpPr>
+          <p:cNvPr id="493" name="[1,2,3]"/>
+          <p:cNvSpPr/>
+          <p:nvPr/>
+        </p:nvSpPr>
+        <p:spPr>
+          <a:xfrm>
+            <a:off x="9588500" y="7035800"/>
+            <a:ext cx="1591420" cy="987029"/>
+          </a:xfrm>
+          <a:prstGeom prst="rect">
+            <a:avLst/>
+          </a:prstGeom>
+          <a:solidFill>
+            <a:srgbClr val="D6D5D5"/>
+          </a:solidFill>
+          <a:ln w="12700">
+            <a:solidFill>
+              <a:srgbClr val="000000"/>
+            </a:solidFill>
+            <a:miter lim="400000"/>
+          </a:ln>
+          <a:extLst>
+            <a:ext uri="{C572A759-6A51-4108-AA02-DFA0A04FC94B}">
+              <ma14:wrappingTextBoxFlag xmlns="" xmlns:m="http://schemas.openxmlformats.org/officeDocument/2006/math" xmlns:a14="http://schemas.microsoft.com/office/drawing/2010/main" xmlns:ma14="http://schemas.microsoft.com/office/mac/drawingml/2011/main" val="1"/>
+            </a:ext>
+          </a:extLst>
+        </p:spPr>
+        <p:txBody>
+          <a:bodyPr lIns="50800" tIns="50800" rIns="50800" bIns="50800"/>
+          <a:lstStyle>
+            <a:lvl1pPr algn="l">
+              <a:defRPr sz="2200" b="0"/>
             </a:lvl1pPr>
           </a:lstStyle>
           <a:p>
             <a:r>
-              <a:t>dict</a:t>
+              <a:t>[1,2,3]</a:t>
+            </a:r>
+          </a:p>
+        </p:txBody>
+      </p:sp>
+      <p:sp>
+        <p:nvSpPr>
+          <p:cNvPr id="494" name="fileA.json"/>
+          <p:cNvSpPr txBox="1"/>
+          <p:nvPr/>
+        </p:nvSpPr>
+        <p:spPr>
+          <a:xfrm>
+            <a:off x="9483080" y="6476999"/>
+            <a:ext cx="1557040" cy="457201"/>
+          </a:xfrm>
+          <a:prstGeom prst="rect">
+            <a:avLst/>
+          </a:prstGeom>
+          <a:ln w="12700">
+            <a:miter lim="400000"/>
+          </a:ln>
+          <a:extLst>
+            <a:ext uri="{C572A759-6A51-4108-AA02-DFA0A04FC94B}">
+              <ma14:wrappingTextBoxFlag xmlns="" xmlns:m="http://schemas.openxmlformats.org/officeDocument/2006/math" xmlns:a14="http://schemas.microsoft.com/office/drawing/2010/main" xmlns:ma14="http://schemas.microsoft.com/office/mac/drawingml/2011/main" val="1"/>
+            </a:ext>
+          </a:extLst>
+        </p:spPr>
+        <p:txBody>
+          <a:bodyPr wrap="none" lIns="50800" tIns="50800" rIns="50800" bIns="50800" anchor="ctr">
+            <a:spAutoFit/>
+          </a:bodyPr>
+          <a:lstStyle/>
+          <a:p>
+            <a:r>
+              <a:t>fileA.json</a:t>
             </a:r>
           </a:p>
         </p:txBody>
@@ -11914,7 +11360,7 @@
       </p:grpSpPr>
       <p:sp>
         <p:nvSpPr>
-          <p:cNvPr id="442" name="Writing JSON Files"/>
+          <p:cNvPr id="501" name="Demo 3: Score Tracker"/>
           <p:cNvSpPr txBox="1">
             <a:spLocks noGrp="1"/>
           </p:cNvSpPr>
@@ -11924,8 +11370,8 @@
         </p:nvSpPr>
         <p:spPr>
           <a:xfrm>
-            <a:off x="355600" y="177389"/>
-            <a:ext cx="11099800" cy="902346"/>
+            <a:off x="952500" y="254000"/>
+            <a:ext cx="11099800" cy="902345"/>
           </a:xfrm>
           <a:prstGeom prst="rect">
             <a:avLst/>
@@ -11940,251 +11386,46 @@
           </a:lstStyle>
           <a:p>
             <a:r>
-              <a:t>Writing JSON Files</a:t>
-            </a:r>
-          </a:p>
-        </p:txBody>
-      </p:sp>
-      <p:sp>
-        <p:nvSpPr>
-          <p:cNvPr id="443" name="Python Program"/>
-          <p:cNvSpPr txBox="1"/>
-          <p:nvPr/>
-        </p:nvSpPr>
-        <p:spPr>
-          <a:xfrm>
-            <a:off x="8129960" y="380840"/>
-            <a:ext cx="2677865" cy="457201"/>
-          </a:xfrm>
-          <a:prstGeom prst="rect">
-            <a:avLst/>
-          </a:prstGeom>
-          <a:ln w="12700">
-            <a:miter lim="400000"/>
-          </a:ln>
-          <a:extLst>
-            <a:ext uri="{C572A759-6A51-4108-AA02-DFA0A04FC94B}">
-              <ma14:wrappingTextBoxFlag xmlns="" xmlns:m="http://schemas.openxmlformats.org/officeDocument/2006/math" xmlns:a14="http://schemas.microsoft.com/office/drawing/2010/main" xmlns:ma14="http://schemas.microsoft.com/office/mac/drawingml/2011/main" val="1"/>
-            </a:ext>
-          </a:extLst>
-        </p:spPr>
-        <p:txBody>
-          <a:bodyPr wrap="none" lIns="50800" tIns="50800" rIns="50800" bIns="50800" anchor="ctr">
-            <a:spAutoFit/>
-          </a:bodyPr>
+              <a:rPr dirty="0"/>
+              <a:t>Demo </a:t>
+            </a:r>
+            <a:r>
+              <a:rPr lang="en-US" dirty="0"/>
+              <a:t>2</a:t>
+            </a:r>
+            <a:r>
+              <a:rPr dirty="0"/>
+              <a:t>: Score Tracker</a:t>
+            </a:r>
+          </a:p>
+        </p:txBody>
+      </p:sp>
+      <p:sp>
+        <p:nvSpPr>
+          <p:cNvPr id="502" name="Goal: record scores (save across runs) and print average…"/>
+          <p:cNvSpPr txBox="1">
+            <a:spLocks noGrp="1"/>
+          </p:cNvSpPr>
+          <p:nvPr>
+            <p:ph type="body" idx="1"/>
+          </p:nvPr>
+        </p:nvSpPr>
+        <p:spPr>
+          <a:xfrm>
+            <a:off x="952500" y="1587896"/>
+            <a:ext cx="11540877" cy="7684494"/>
+          </a:xfrm>
+          <a:prstGeom prst="rect">
+            <a:avLst/>
+          </a:prstGeom>
+        </p:spPr>
+        <p:txBody>
+          <a:bodyPr anchor="t"/>
           <a:lstStyle/>
           <a:p>
-            <a:r>
-              <a:t>Python Program</a:t>
-            </a:r>
-          </a:p>
-        </p:txBody>
-      </p:sp>
-      <p:sp>
-        <p:nvSpPr>
-          <p:cNvPr id="444" name="Rectangle"/>
-          <p:cNvSpPr/>
-          <p:nvPr/>
-        </p:nvSpPr>
-        <p:spPr>
-          <a:xfrm>
-            <a:off x="6409382" y="914091"/>
-            <a:ext cx="6119022" cy="4988918"/>
-          </a:xfrm>
-          <a:prstGeom prst="rect">
-            <a:avLst/>
-          </a:prstGeom>
-          <a:ln w="12700">
-            <a:solidFill>
-              <a:srgbClr val="000000"/>
-            </a:solidFill>
-            <a:miter lim="400000"/>
-          </a:ln>
-        </p:spPr>
-        <p:txBody>
-          <a:bodyPr lIns="50800" tIns="50800" rIns="50800" bIns="50800" anchor="ctr"/>
-          <a:lstStyle/>
-          <a:p>
-            <a:pPr>
-              <a:defRPr sz="2200" b="0">
-                <a:solidFill>
-                  <a:srgbClr val="FFFFFF"/>
-                </a:solidFill>
-                <a:latin typeface="+mn-lt"/>
-                <a:ea typeface="+mn-ea"/>
-                <a:cs typeface="+mn-cs"/>
-                <a:sym typeface="Gill Sans SemiBold"/>
-              </a:defRPr>
-            </a:pPr>
-            <a:endParaRPr/>
-          </a:p>
-        </p:txBody>
-      </p:sp>
-      <p:sp>
-        <p:nvSpPr>
-          <p:cNvPr id="445" name="{“cindy”: 15}"/>
-          <p:cNvSpPr txBox="1"/>
-          <p:nvPr/>
-        </p:nvSpPr>
-        <p:spPr>
-          <a:xfrm>
-            <a:off x="7399735" y="3298680"/>
-            <a:ext cx="2492128" cy="469901"/>
-          </a:xfrm>
-          <a:prstGeom prst="rect">
-            <a:avLst/>
-          </a:prstGeom>
-          <a:ln w="12700">
-            <a:miter lim="400000"/>
-          </a:ln>
-          <a:extLst>
-            <a:ext uri="{C572A759-6A51-4108-AA02-DFA0A04FC94B}">
-              <ma14:wrappingTextBoxFlag xmlns="" xmlns:m="http://schemas.openxmlformats.org/officeDocument/2006/math" xmlns:a14="http://schemas.microsoft.com/office/drawing/2010/main" xmlns:ma14="http://schemas.microsoft.com/office/mac/drawingml/2011/main" val="1"/>
-            </a:ext>
-          </a:extLst>
-        </p:spPr>
-        <p:txBody>
-          <a:bodyPr wrap="none" lIns="50800" tIns="50800" rIns="50800" bIns="50800" anchor="ctr">
-            <a:spAutoFit/>
-          </a:bodyPr>
-          <a:lstStyle>
-            <a:lvl1pPr algn="l">
-              <a:defRPr>
-                <a:latin typeface="Courier"/>
-                <a:ea typeface="Courier"/>
-                <a:cs typeface="Courier"/>
-                <a:sym typeface="Courier"/>
-              </a:defRPr>
-            </a:lvl1pPr>
-          </a:lstStyle>
-          <a:p>
-            <a:r>
-              <a:t>{“cindy”: 15}</a:t>
-            </a:r>
-          </a:p>
-        </p:txBody>
-      </p:sp>
-      <p:sp>
-        <p:nvSpPr>
-          <p:cNvPr id="446" name="Arrow"/>
-          <p:cNvSpPr/>
-          <p:nvPr/>
-        </p:nvSpPr>
-        <p:spPr>
-          <a:xfrm rot="5400000">
-            <a:off x="9221589" y="1850352"/>
-            <a:ext cx="902345" cy="1270001"/>
-          </a:xfrm>
-          <a:prstGeom prst="rightArrow">
-            <a:avLst>
-              <a:gd name="adj1" fmla="val 34062"/>
-              <a:gd name="adj2" fmla="val 37424"/>
-            </a:avLst>
-          </a:prstGeom>
-          <a:solidFill>
-            <a:schemeClr val="accent5">
-              <a:hueOff val="-82419"/>
-              <a:satOff val="-9513"/>
-              <a:lumOff val="-16343"/>
-            </a:schemeClr>
-          </a:solidFill>
-          <a:ln w="12700">
-            <a:miter lim="400000"/>
-          </a:ln>
-        </p:spPr>
-        <p:txBody>
-          <a:bodyPr lIns="50800" tIns="50800" rIns="50800" bIns="50800" anchor="ctr"/>
-          <a:lstStyle/>
-          <a:p>
-            <a:pPr>
-              <a:defRPr sz="2200" b="0">
-                <a:solidFill>
-                  <a:srgbClr val="FFFFFF"/>
-                </a:solidFill>
-                <a:latin typeface="+mn-lt"/>
-                <a:ea typeface="+mn-ea"/>
-                <a:cs typeface="+mn-cs"/>
-                <a:sym typeface="Gill Sans SemiBold"/>
-              </a:defRPr>
-            </a:pPr>
-            <a:endParaRPr/>
-          </a:p>
-        </p:txBody>
-      </p:sp>
-      <p:sp>
-        <p:nvSpPr>
-          <p:cNvPr id="447" name="Code"/>
-          <p:cNvSpPr/>
-          <p:nvPr/>
-        </p:nvSpPr>
-        <p:spPr>
-          <a:xfrm>
-            <a:off x="7452176" y="1105670"/>
-            <a:ext cx="4441171" cy="889645"/>
-          </a:xfrm>
-          <a:prstGeom prst="rect">
-            <a:avLst/>
-          </a:prstGeom>
-          <a:ln w="12700">
-            <a:solidFill>
-              <a:srgbClr val="000000"/>
-            </a:solidFill>
-            <a:miter lim="400000"/>
-          </a:ln>
-          <a:extLst>
-            <a:ext uri="{C572A759-6A51-4108-AA02-DFA0A04FC94B}">
-              <ma14:wrappingTextBoxFlag xmlns="" xmlns:m="http://schemas.openxmlformats.org/officeDocument/2006/math" xmlns:a14="http://schemas.microsoft.com/office/drawing/2010/main" xmlns:ma14="http://schemas.microsoft.com/office/mac/drawingml/2011/main" val="1"/>
-            </a:ext>
-          </a:extLst>
-        </p:spPr>
-        <p:txBody>
-          <a:bodyPr lIns="50800" tIns="50800" rIns="50800" bIns="50800"/>
-          <a:lstStyle>
-            <a:lvl1pPr>
-              <a:defRPr sz="2200" b="0">
-                <a:latin typeface="+mn-lt"/>
-                <a:ea typeface="+mn-ea"/>
-                <a:cs typeface="+mn-cs"/>
-                <a:sym typeface="Gill Sans SemiBold"/>
-              </a:defRPr>
-            </a:lvl1pPr>
-          </a:lstStyle>
-          <a:p>
-            <a:r>
-              <a:t>Code</a:t>
-            </a:r>
-          </a:p>
-        </p:txBody>
-      </p:sp>
-      <p:sp>
-        <p:nvSpPr>
-          <p:cNvPr id="448" name="dict"/>
-          <p:cNvSpPr txBox="1"/>
-          <p:nvPr/>
-        </p:nvSpPr>
-        <p:spPr>
-          <a:xfrm rot="16200000">
-            <a:off x="6727009" y="3305030"/>
-            <a:ext cx="700684" cy="457201"/>
-          </a:xfrm>
-          <a:prstGeom prst="rect">
-            <a:avLst/>
-          </a:prstGeom>
-          <a:ln w="12700">
-            <a:miter lim="400000"/>
-          </a:ln>
-          <a:extLst>
-            <a:ext uri="{C572A759-6A51-4108-AA02-DFA0A04FC94B}">
-              <ma14:wrappingTextBoxFlag xmlns="" xmlns:m="http://schemas.openxmlformats.org/officeDocument/2006/math" xmlns:a14="http://schemas.microsoft.com/office/drawing/2010/main" xmlns:ma14="http://schemas.microsoft.com/office/mac/drawingml/2011/main" val="1"/>
-            </a:ext>
-          </a:extLst>
-        </p:spPr>
-        <p:txBody>
-          <a:bodyPr wrap="none" lIns="50800" tIns="50800" rIns="50800" bIns="50800" anchor="ctr">
-            <a:spAutoFit/>
-          </a:bodyPr>
-          <a:lstStyle>
-            <a:lvl1pPr>
+            <a:pPr marL="0" lvl="5" indent="0">
+              <a:buSzTx/>
+              <a:buNone/>
               <a:defRPr>
                 <a:solidFill>
                   <a:schemeClr val="accent5">
@@ -12194,55 +11435,139 @@
                   </a:schemeClr>
                 </a:solidFill>
               </a:defRPr>
-            </a:lvl1pPr>
-          </a:lstStyle>
-          <a:p>
-            <a:r>
-              <a:t>dict</a:t>
-            </a:r>
-          </a:p>
-        </p:txBody>
-      </p:sp>
-      <p:sp>
-        <p:nvSpPr>
-          <p:cNvPr id="449" name="data[“cindy”] = 15"/>
-          <p:cNvSpPr txBox="1"/>
-          <p:nvPr/>
-        </p:nvSpPr>
-        <p:spPr>
-          <a:xfrm>
-            <a:off x="7257752" y="1416411"/>
-            <a:ext cx="3772496" cy="469901"/>
-          </a:xfrm>
-          <a:prstGeom prst="rect">
-            <a:avLst/>
-          </a:prstGeom>
-          <a:ln w="12700">
-            <a:miter lim="400000"/>
-          </a:ln>
-          <a:extLst>
-            <a:ext uri="{C572A759-6A51-4108-AA02-DFA0A04FC94B}">
-              <ma14:wrappingTextBoxFlag xmlns="" xmlns:m="http://schemas.openxmlformats.org/officeDocument/2006/math" xmlns:a14="http://schemas.microsoft.com/office/drawing/2010/main" xmlns:ma14="http://schemas.microsoft.com/office/mac/drawingml/2011/main" val="1"/>
-            </a:ext>
-          </a:extLst>
-        </p:spPr>
-        <p:txBody>
-          <a:bodyPr wrap="none" lIns="50800" tIns="50800" rIns="50800" bIns="50800" anchor="ctr">
-            <a:spAutoFit/>
-          </a:bodyPr>
-          <a:lstStyle>
-            <a:lvl1pPr>
-              <a:defRPr>
-                <a:latin typeface="Courier"/>
-                <a:ea typeface="Courier"/>
-                <a:cs typeface="Courier"/>
-                <a:sym typeface="Courier"/>
-              </a:defRPr>
-            </a:lvl1pPr>
-          </a:lstStyle>
-          <a:p>
-            <a:r>
-              <a:t>  data[“cindy”] = 15</a:t>
+            </a:pPr>
+            <a:r>
+              <a:t>Goal: record scores (save across runs) and print average</a:t>
+            </a:r>
+          </a:p>
+          <a:p>
+            <a:pPr marL="0" lvl="5" indent="0">
+              <a:buSzTx/>
+              <a:buNone/>
+            </a:pPr>
+            <a:r>
+              <a:rPr b="1"/>
+              <a:t>Input</a:t>
+            </a:r>
+            <a:r>
+              <a:t>:</a:t>
+            </a:r>
+          </a:p>
+          <a:p>
+            <a:pPr marL="635000" indent="-444500">
+              <a:spcBef>
+                <a:spcPts val="0"/>
+              </a:spcBef>
+              <a:defRPr sz="2800"/>
+            </a:pPr>
+            <a:r>
+              <a:t>A </a:t>
+            </a:r>
+            <a:r>
+              <a:rPr b="1"/>
+              <a:t>name</a:t>
+            </a:r>
+            <a:r>
+              <a:t> and a </a:t>
+            </a:r>
+            <a:r>
+              <a:rPr b="1"/>
+              <a:t>score</a:t>
+            </a:r>
+            <a:r>
+              <a:t> to record</a:t>
+            </a:r>
+          </a:p>
+          <a:p>
+            <a:pPr marL="0" lvl="5" indent="0">
+              <a:buSzTx/>
+              <a:buNone/>
+            </a:pPr>
+            <a:r>
+              <a:rPr b="1"/>
+              <a:t>Output</a:t>
+            </a:r>
+            <a:r>
+              <a:t>:</a:t>
+            </a:r>
+          </a:p>
+          <a:p>
+            <a:pPr marL="635000" indent="-444500">
+              <a:spcBef>
+                <a:spcPts val="0"/>
+              </a:spcBef>
+              <a:defRPr sz="2800"/>
+            </a:pPr>
+            <a:r>
+              <a:t>Running average for that person</a:t>
+            </a:r>
+          </a:p>
+          <a:p>
+            <a:pPr marL="0" lvl="5" indent="0">
+              <a:buSzTx/>
+              <a:buNone/>
+            </a:pPr>
+            <a:r>
+              <a:rPr b="1"/>
+              <a:t>Example</a:t>
+            </a:r>
+            <a:r>
+              <a:t>:</a:t>
+            </a:r>
+            <a:br/>
+            <a:br>
+              <a:rPr sz="2200"/>
+            </a:br>
+            <a:r>
+              <a:rPr sz="2800"/>
+              <a:t>prompt&gt; </a:t>
+            </a:r>
+            <a:r>
+              <a:rPr sz="2800" b="1"/>
+              <a:t>python record.py alice 10</a:t>
+            </a:r>
+            <a:br>
+              <a:rPr sz="2800" b="1"/>
+            </a:br>
+            <a:r>
+              <a:rPr sz="2800"/>
+              <a:t>Alice Avg: 10</a:t>
+            </a:r>
+            <a:br>
+              <a:rPr sz="2800"/>
+            </a:br>
+            <a:r>
+              <a:rPr sz="2800"/>
+              <a:t>prompt&gt; </a:t>
+            </a:r>
+            <a:r>
+              <a:rPr sz="2800" b="1"/>
+              <a:t>python record.py alice 20</a:t>
+            </a:r>
+            <a:br>
+              <a:rPr sz="2800" b="1"/>
+            </a:br>
+            <a:r>
+              <a:rPr sz="2800"/>
+              <a:t>Alice Avg: 15</a:t>
+            </a:r>
+            <a:br>
+              <a:rPr sz="2800"/>
+            </a:br>
+            <a:r>
+              <a:rPr sz="2800"/>
+              <a:t>prompt&gt; </a:t>
+            </a:r>
+            <a:r>
+              <a:rPr sz="2800" b="1"/>
+              <a:t>python record.py bob 13</a:t>
+            </a:r>
+            <a:br>
+              <a:rPr sz="2800" b="1"/>
+            </a:br>
+            <a:r>
+              <a:rPr sz="2800"/>
+              <a:t>Bob Avg: 13</a:t>
             </a:r>
           </a:p>
         </p:txBody>
@@ -14625,441 +13950,72 @@
       </p:grpSpPr>
       <p:sp>
         <p:nvSpPr>
-          <p:cNvPr id="451" name="{…"/>
+          <p:cNvPr id="496" name="Demo 2: FIFA JSON"/>
           <p:cNvSpPr txBox="1">
             <a:spLocks noGrp="1"/>
           </p:cNvSpPr>
           <p:nvPr>
-            <p:ph type="body" sz="quarter" idx="1"/>
+            <p:ph type="title"/>
           </p:nvPr>
         </p:nvSpPr>
         <p:spPr>
           <a:xfrm>
-            <a:off x="1054100" y="6969851"/>
-            <a:ext cx="10195481" cy="2194043"/>
-          </a:xfrm>
-          <a:prstGeom prst="rect">
-            <a:avLst/>
-          </a:prstGeom>
-          <a:ln>
-            <a:solidFill>
-              <a:srgbClr val="000000"/>
-            </a:solidFill>
-          </a:ln>
+            <a:off x="952500" y="254000"/>
+            <a:ext cx="11099800" cy="902345"/>
+          </a:xfrm>
+          <a:prstGeom prst="rect">
+            <a:avLst/>
+          </a:prstGeom>
+        </p:spPr>
+        <p:txBody>
+          <a:bodyPr/>
+          <a:lstStyle>
+            <a:lvl1pPr algn="l">
+              <a:defRPr sz="4800"/>
+            </a:lvl1pPr>
+          </a:lstStyle>
+          <a:p>
+            <a:r>
+              <a:rPr dirty="0"/>
+              <a:t>Demo </a:t>
+            </a:r>
+            <a:r>
+              <a:rPr lang="en-US" dirty="0"/>
+              <a:t>3</a:t>
+            </a:r>
+            <a:r>
+              <a:rPr dirty="0"/>
+              <a:t>: FIFA JSON</a:t>
+            </a:r>
+          </a:p>
+        </p:txBody>
+      </p:sp>
+      <p:sp>
+        <p:nvSpPr>
+          <p:cNvPr id="497" name="Goal: lookup stats about players…"/>
+          <p:cNvSpPr txBox="1">
+            <a:spLocks noGrp="1"/>
+          </p:cNvSpPr>
+          <p:nvPr>
+            <p:ph type="body" idx="1"/>
+          </p:nvPr>
+        </p:nvSpPr>
+        <p:spPr>
+          <a:xfrm>
+            <a:off x="952500" y="1587896"/>
+            <a:ext cx="11540877" cy="7684494"/>
+          </a:xfrm>
+          <a:prstGeom prst="rect">
+            <a:avLst/>
+          </a:prstGeom>
         </p:spPr>
         <p:txBody>
           <a:bodyPr anchor="t"/>
           <a:lstStyle/>
           <a:p>
             <a:pPr marL="0" lvl="5" indent="0">
-              <a:spcBef>
-                <a:spcPts val="0"/>
-              </a:spcBef>
               <a:buSzTx/>
               <a:buNone/>
-              <a:defRPr sz="2400"/>
-            </a:pPr>
-            <a:r>
-              <a:t>{</a:t>
-            </a:r>
-          </a:p>
-          <a:p>
-            <a:pPr marL="0" lvl="5" indent="0">
-              <a:spcBef>
-                <a:spcPts val="0"/>
-              </a:spcBef>
-              <a:buSzTx/>
-              <a:buNone/>
-              <a:defRPr sz="2400"/>
-            </a:pPr>
-            <a:r>
-              <a:t>  “cindy”: 15</a:t>
-            </a:r>
-          </a:p>
-          <a:p>
-            <a:pPr marL="0" lvl="5" indent="0">
-              <a:spcBef>
-                <a:spcPts val="0"/>
-              </a:spcBef>
-              <a:buSzTx/>
-              <a:buNone/>
-              <a:defRPr sz="2400"/>
-            </a:pPr>
-            <a:r>
-              <a:t>}</a:t>
-            </a:r>
-          </a:p>
-        </p:txBody>
-      </p:sp>
-      <p:sp>
-        <p:nvSpPr>
-          <p:cNvPr id="452" name="JSON file saved somewhere"/>
-          <p:cNvSpPr txBox="1"/>
-          <p:nvPr/>
-        </p:nvSpPr>
-        <p:spPr>
-          <a:xfrm>
-            <a:off x="920180" y="6502399"/>
-            <a:ext cx="4353372" cy="457201"/>
-          </a:xfrm>
-          <a:prstGeom prst="rect">
-            <a:avLst/>
-          </a:prstGeom>
-          <a:ln w="12700">
-            <a:miter lim="400000"/>
-          </a:ln>
-          <a:extLst>
-            <a:ext uri="{C572A759-6A51-4108-AA02-DFA0A04FC94B}">
-              <ma14:wrappingTextBoxFlag xmlns="" xmlns:m="http://schemas.openxmlformats.org/officeDocument/2006/math" xmlns:a14="http://schemas.microsoft.com/office/drawing/2010/main" xmlns:ma14="http://schemas.microsoft.com/office/mac/drawingml/2011/main" val="1"/>
-            </a:ext>
-          </a:extLst>
-        </p:spPr>
-        <p:txBody>
-          <a:bodyPr wrap="none" lIns="50800" tIns="50800" rIns="50800" bIns="50800" anchor="ctr">
-            <a:spAutoFit/>
-          </a:bodyPr>
-          <a:lstStyle/>
-          <a:p>
-            <a:r>
-              <a:t>JSON file saved somewhere</a:t>
-            </a:r>
-          </a:p>
-        </p:txBody>
-      </p:sp>
-      <p:sp>
-        <p:nvSpPr>
-          <p:cNvPr id="453" name="Python Program"/>
-          <p:cNvSpPr txBox="1"/>
-          <p:nvPr/>
-        </p:nvSpPr>
-        <p:spPr>
-          <a:xfrm>
-            <a:off x="8129960" y="380840"/>
-            <a:ext cx="2677865" cy="457201"/>
-          </a:xfrm>
-          <a:prstGeom prst="rect">
-            <a:avLst/>
-          </a:prstGeom>
-          <a:ln w="12700">
-            <a:miter lim="400000"/>
-          </a:ln>
-          <a:extLst>
-            <a:ext uri="{C572A759-6A51-4108-AA02-DFA0A04FC94B}">
-              <ma14:wrappingTextBoxFlag xmlns="" xmlns:m="http://schemas.openxmlformats.org/officeDocument/2006/math" xmlns:a14="http://schemas.microsoft.com/office/drawing/2010/main" xmlns:ma14="http://schemas.microsoft.com/office/mac/drawingml/2011/main" val="1"/>
-            </a:ext>
-          </a:extLst>
-        </p:spPr>
-        <p:txBody>
-          <a:bodyPr wrap="none" lIns="50800" tIns="50800" rIns="50800" bIns="50800" anchor="ctr">
-            <a:spAutoFit/>
-          </a:bodyPr>
-          <a:lstStyle/>
-          <a:p>
-            <a:r>
-              <a:t>Python Program</a:t>
-            </a:r>
-          </a:p>
-        </p:txBody>
-      </p:sp>
-      <p:sp>
-        <p:nvSpPr>
-          <p:cNvPr id="454" name="Rectangle"/>
-          <p:cNvSpPr/>
-          <p:nvPr/>
-        </p:nvSpPr>
-        <p:spPr>
-          <a:xfrm>
-            <a:off x="6409382" y="914091"/>
-            <a:ext cx="6119022" cy="4988918"/>
-          </a:xfrm>
-          <a:prstGeom prst="rect">
-            <a:avLst/>
-          </a:prstGeom>
-          <a:ln w="12700">
-            <a:solidFill>
-              <a:srgbClr val="000000"/>
-            </a:solidFill>
-            <a:miter lim="400000"/>
-          </a:ln>
-        </p:spPr>
-        <p:txBody>
-          <a:bodyPr lIns="50800" tIns="50800" rIns="50800" bIns="50800" anchor="ctr"/>
-          <a:lstStyle/>
-          <a:p>
-            <a:pPr>
-              <a:defRPr sz="2200" b="0">
-                <a:solidFill>
-                  <a:srgbClr val="FFFFFF"/>
-                </a:solidFill>
-                <a:latin typeface="+mn-lt"/>
-                <a:ea typeface="+mn-ea"/>
-                <a:cs typeface="+mn-cs"/>
-                <a:sym typeface="Gill Sans SemiBold"/>
-              </a:defRPr>
-            </a:pPr>
-            <a:endParaRPr/>
-          </a:p>
-        </p:txBody>
-      </p:sp>
-      <p:sp>
-        <p:nvSpPr>
-          <p:cNvPr id="455" name="Arrow"/>
-          <p:cNvSpPr/>
-          <p:nvPr/>
-        </p:nvSpPr>
-        <p:spPr>
-          <a:xfrm rot="5400000">
-            <a:off x="9053166" y="5642679"/>
-            <a:ext cx="1270001" cy="1270001"/>
-          </a:xfrm>
-          <a:prstGeom prst="rightArrow">
-            <a:avLst>
-              <a:gd name="adj1" fmla="val 34062"/>
-              <a:gd name="adj2" fmla="val 26590"/>
-            </a:avLst>
-          </a:prstGeom>
-          <a:solidFill>
-            <a:schemeClr val="accent5">
-              <a:hueOff val="-82419"/>
-              <a:satOff val="-9513"/>
-              <a:lumOff val="-16343"/>
-            </a:schemeClr>
-          </a:solidFill>
-          <a:ln w="12700">
-            <a:miter lim="400000"/>
-          </a:ln>
-        </p:spPr>
-        <p:txBody>
-          <a:bodyPr lIns="50800" tIns="50800" rIns="50800" bIns="50800" anchor="ctr"/>
-          <a:lstStyle/>
-          <a:p>
-            <a:pPr>
-              <a:defRPr sz="2200" b="0">
-                <a:solidFill>
-                  <a:srgbClr val="FFFFFF"/>
-                </a:solidFill>
-                <a:latin typeface="+mn-lt"/>
-                <a:ea typeface="+mn-ea"/>
-                <a:cs typeface="+mn-cs"/>
-                <a:sym typeface="Gill Sans SemiBold"/>
-              </a:defRPr>
-            </a:pPr>
-            <a:endParaRPr/>
-          </a:p>
-        </p:txBody>
-      </p:sp>
-      <p:sp>
-        <p:nvSpPr>
-          <p:cNvPr id="456" name="Arrow"/>
-          <p:cNvSpPr/>
-          <p:nvPr/>
-        </p:nvSpPr>
-        <p:spPr>
-          <a:xfrm rot="5400000">
-            <a:off x="9221589" y="3946907"/>
-            <a:ext cx="902345" cy="1270001"/>
-          </a:xfrm>
-          <a:prstGeom prst="rightArrow">
-            <a:avLst>
-              <a:gd name="adj1" fmla="val 34062"/>
-              <a:gd name="adj2" fmla="val 37424"/>
-            </a:avLst>
-          </a:prstGeom>
-          <a:solidFill>
-            <a:schemeClr val="accent5">
-              <a:hueOff val="-82419"/>
-              <a:satOff val="-9513"/>
-              <a:lumOff val="-16343"/>
-            </a:schemeClr>
-          </a:solidFill>
-          <a:ln w="12700">
-            <a:miter lim="400000"/>
-          </a:ln>
-        </p:spPr>
-        <p:txBody>
-          <a:bodyPr lIns="50800" tIns="50800" rIns="50800" bIns="50800" anchor="ctr"/>
-          <a:lstStyle/>
-          <a:p>
-            <a:pPr>
-              <a:defRPr sz="2200" b="0">
-                <a:solidFill>
-                  <a:srgbClr val="FFFFFF"/>
-                </a:solidFill>
-                <a:latin typeface="+mn-lt"/>
-                <a:ea typeface="+mn-ea"/>
-                <a:cs typeface="+mn-cs"/>
-                <a:sym typeface="Gill Sans SemiBold"/>
-              </a:defRPr>
-            </a:pPr>
-            <a:endParaRPr/>
-          </a:p>
-        </p:txBody>
-      </p:sp>
-      <p:sp>
-        <p:nvSpPr>
-          <p:cNvPr id="457" name="{“cindy”: 15}"/>
-          <p:cNvSpPr txBox="1"/>
-          <p:nvPr/>
-        </p:nvSpPr>
-        <p:spPr>
-          <a:xfrm>
-            <a:off x="7399735" y="3298680"/>
-            <a:ext cx="2492128" cy="469901"/>
-          </a:xfrm>
-          <a:prstGeom prst="rect">
-            <a:avLst/>
-          </a:prstGeom>
-          <a:ln w="12700">
-            <a:miter lim="400000"/>
-          </a:ln>
-          <a:extLst>
-            <a:ext uri="{C572A759-6A51-4108-AA02-DFA0A04FC94B}">
-              <ma14:wrappingTextBoxFlag xmlns="" xmlns:m="http://schemas.openxmlformats.org/officeDocument/2006/math" xmlns:a14="http://schemas.microsoft.com/office/drawing/2010/main" xmlns:ma14="http://schemas.microsoft.com/office/mac/drawingml/2011/main" val="1"/>
-            </a:ext>
-          </a:extLst>
-        </p:spPr>
-        <p:txBody>
-          <a:bodyPr wrap="none" lIns="50800" tIns="50800" rIns="50800" bIns="50800" anchor="ctr">
-            <a:spAutoFit/>
-          </a:bodyPr>
-          <a:lstStyle>
-            <a:lvl1pPr algn="l">
-              <a:defRPr>
-                <a:latin typeface="Courier"/>
-                <a:ea typeface="Courier"/>
-                <a:cs typeface="Courier"/>
-                <a:sym typeface="Courier"/>
-              </a:defRPr>
-            </a:lvl1pPr>
-          </a:lstStyle>
-          <a:p>
-            <a:r>
-              <a:t>{“cindy”: 15}</a:t>
-            </a:r>
-          </a:p>
-        </p:txBody>
-      </p:sp>
-      <p:sp>
-        <p:nvSpPr>
-          <p:cNvPr id="458" name="Arrow"/>
-          <p:cNvSpPr/>
-          <p:nvPr/>
-        </p:nvSpPr>
-        <p:spPr>
-          <a:xfrm rot="5400000">
-            <a:off x="9221589" y="1850352"/>
-            <a:ext cx="902345" cy="1270001"/>
-          </a:xfrm>
-          <a:prstGeom prst="rightArrow">
-            <a:avLst>
-              <a:gd name="adj1" fmla="val 34062"/>
-              <a:gd name="adj2" fmla="val 37424"/>
-            </a:avLst>
-          </a:prstGeom>
-          <a:solidFill>
-            <a:schemeClr val="accent5">
-              <a:hueOff val="-82419"/>
-              <a:satOff val="-9513"/>
-              <a:lumOff val="-16343"/>
-            </a:schemeClr>
-          </a:solidFill>
-          <a:ln w="12700">
-            <a:miter lim="400000"/>
-          </a:ln>
-        </p:spPr>
-        <p:txBody>
-          <a:bodyPr lIns="50800" tIns="50800" rIns="50800" bIns="50800" anchor="ctr"/>
-          <a:lstStyle/>
-          <a:p>
-            <a:pPr>
-              <a:defRPr sz="2200" b="0">
-                <a:solidFill>
-                  <a:srgbClr val="FFFFFF"/>
-                </a:solidFill>
-                <a:latin typeface="+mn-lt"/>
-                <a:ea typeface="+mn-ea"/>
-                <a:cs typeface="+mn-cs"/>
-                <a:sym typeface="Gill Sans SemiBold"/>
-              </a:defRPr>
-            </a:pPr>
-            <a:endParaRPr/>
-          </a:p>
-        </p:txBody>
-      </p:sp>
-      <p:sp>
-        <p:nvSpPr>
-          <p:cNvPr id="459" name="Code"/>
-          <p:cNvSpPr/>
-          <p:nvPr/>
-        </p:nvSpPr>
-        <p:spPr>
-          <a:xfrm>
-            <a:off x="7452176" y="1105670"/>
-            <a:ext cx="4441171" cy="889645"/>
-          </a:xfrm>
-          <a:prstGeom prst="rect">
-            <a:avLst/>
-          </a:prstGeom>
-          <a:ln w="12700">
-            <a:solidFill>
-              <a:srgbClr val="000000"/>
-            </a:solidFill>
-            <a:miter lim="400000"/>
-          </a:ln>
-          <a:extLst>
-            <a:ext uri="{C572A759-6A51-4108-AA02-DFA0A04FC94B}">
-              <ma14:wrappingTextBoxFlag xmlns="" xmlns:m="http://schemas.openxmlformats.org/officeDocument/2006/math" xmlns:a14="http://schemas.microsoft.com/office/drawing/2010/main" xmlns:ma14="http://schemas.microsoft.com/office/mac/drawingml/2011/main" val="1"/>
-            </a:ext>
-          </a:extLst>
-        </p:spPr>
-        <p:txBody>
-          <a:bodyPr lIns="50800" tIns="50800" rIns="50800" bIns="50800"/>
-          <a:lstStyle>
-            <a:lvl1pPr>
-              <a:defRPr sz="2200" b="0">
-                <a:latin typeface="+mn-lt"/>
-                <a:ea typeface="+mn-ea"/>
-                <a:cs typeface="+mn-cs"/>
-                <a:sym typeface="Gill Sans SemiBold"/>
-              </a:defRPr>
-            </a:lvl1pPr>
-          </a:lstStyle>
-          <a:p>
-            <a:r>
-              <a:t>Code</a:t>
-            </a:r>
-          </a:p>
-        </p:txBody>
-      </p:sp>
-      <p:sp>
-        <p:nvSpPr>
-          <p:cNvPr id="460" name="dict"/>
-          <p:cNvSpPr txBox="1"/>
-          <p:nvPr/>
-        </p:nvSpPr>
-        <p:spPr>
-          <a:xfrm rot="16200000">
-            <a:off x="6727009" y="3305030"/>
-            <a:ext cx="700684" cy="457201"/>
-          </a:xfrm>
-          <a:prstGeom prst="rect">
-            <a:avLst/>
-          </a:prstGeom>
-          <a:ln w="12700">
-            <a:miter lim="400000"/>
-          </a:ln>
-          <a:extLst>
-            <a:ext uri="{C572A759-6A51-4108-AA02-DFA0A04FC94B}">
-              <ma14:wrappingTextBoxFlag xmlns="" xmlns:m="http://schemas.openxmlformats.org/officeDocument/2006/math" xmlns:a14="http://schemas.microsoft.com/office/drawing/2010/main" xmlns:ma14="http://schemas.microsoft.com/office/mac/drawingml/2011/main" val="1"/>
-            </a:ext>
-          </a:extLst>
-        </p:spPr>
-        <p:txBody>
-          <a:bodyPr wrap="none" lIns="50800" tIns="50800" rIns="50800" bIns="50800" anchor="ctr">
-            <a:spAutoFit/>
-          </a:bodyPr>
-          <a:lstStyle>
-            <a:lvl1pPr>
               <a:defRPr>
                 <a:solidFill>
                   <a:schemeClr val="accent5">
@@ -15069,30 +14025,118 @@
                   </a:schemeClr>
                 </a:solidFill>
               </a:defRPr>
-            </a:lvl1pPr>
-          </a:lstStyle>
-          <a:p>
-            <a:r>
-              <a:t>dict</a:t>
-            </a:r>
-          </a:p>
-        </p:txBody>
-      </p:sp>
-      <p:sp>
-        <p:nvSpPr>
-          <p:cNvPr id="461" name="data[“cindy”] = 15"/>
-          <p:cNvSpPr txBox="1"/>
-          <p:nvPr/>
-        </p:nvSpPr>
-        <p:spPr>
-          <a:xfrm>
-            <a:off x="7257752" y="1416411"/>
-            <a:ext cx="3772496" cy="469901"/>
-          </a:xfrm>
-          <a:prstGeom prst="rect">
-            <a:avLst/>
-          </a:prstGeom>
+            </a:pPr>
+            <a:r>
+              <a:t>Goal: lookup stats about players</a:t>
+            </a:r>
+          </a:p>
+          <a:p>
+            <a:pPr marL="0" lvl="5" indent="0">
+              <a:buSzTx/>
+              <a:buNone/>
+            </a:pPr>
+            <a:r>
+              <a:rPr b="1"/>
+              <a:t>Input</a:t>
+            </a:r>
+            <a:r>
+              <a:t>:</a:t>
+            </a:r>
+          </a:p>
+          <a:p>
+            <a:pPr marL="635000" indent="-444500">
+              <a:spcBef>
+                <a:spcPts val="0"/>
+              </a:spcBef>
+              <a:defRPr sz="2800"/>
+            </a:pPr>
+            <a:r>
+              <a:t>Player ID and column</a:t>
+            </a:r>
+          </a:p>
+          <a:p>
+            <a:pPr marL="0" lvl="5" indent="0">
+              <a:buSzTx/>
+              <a:buNone/>
+            </a:pPr>
+            <a:r>
+              <a:rPr b="1"/>
+              <a:t>Output</a:t>
+            </a:r>
+            <a:r>
+              <a:t>:</a:t>
+            </a:r>
+          </a:p>
+          <a:p>
+            <a:pPr marL="635000" indent="-444500">
+              <a:spcBef>
+                <a:spcPts val="0"/>
+              </a:spcBef>
+              <a:defRPr sz="2800"/>
+            </a:pPr>
+            <a:r>
+              <a:t>The value</a:t>
+            </a:r>
+          </a:p>
+          <a:p>
+            <a:pPr marL="0" lvl="5" indent="0">
+              <a:buSzTx/>
+              <a:buNone/>
+            </a:pPr>
+            <a:r>
+              <a:rPr b="1"/>
+              <a:t>Example</a:t>
+            </a:r>
+            <a:r>
+              <a:t>:</a:t>
+            </a:r>
+            <a:br/>
+            <a:br>
+              <a:rPr sz="2200"/>
+            </a:br>
+            <a:r>
+              <a:rPr sz="2800"/>
+              <a:t>prompt&gt; </a:t>
+            </a:r>
+            <a:r>
+              <a:rPr sz="2800" b="1"/>
+              <a:t>python lookup.py 20801 name</a:t>
+            </a:r>
+            <a:br>
+              <a:rPr sz="2800" b="1"/>
+            </a:br>
+            <a:r>
+              <a:rPr sz="2800"/>
+              <a:t>Cristiano Ronaldo</a:t>
+            </a:r>
+            <a:br>
+              <a:rPr sz="2800" b="1"/>
+            </a:br>
+            <a:endParaRPr sz="2800" b="1"/>
+          </a:p>
+        </p:txBody>
+      </p:sp>
+      <p:sp>
+        <p:nvSpPr>
+          <p:cNvPr id="498" name="{…"/>
+          <p:cNvSpPr/>
+          <p:nvPr/>
+        </p:nvSpPr>
+        <p:spPr>
+          <a:xfrm>
+            <a:off x="7340600" y="3175000"/>
+            <a:ext cx="5095280" cy="2840534"/>
+          </a:xfrm>
+          <a:prstGeom prst="rect">
+            <a:avLst/>
+          </a:prstGeom>
+          <a:solidFill>
+            <a:srgbClr val="D6D5D5"/>
+          </a:solidFill>
           <a:ln w="12700">
+            <a:solidFill>
+              <a:srgbClr val="000000"/>
+            </a:solidFill>
             <a:miter lim="400000"/>
           </a:ln>
           <a:extLst>
@@ -15102,36 +14146,108 @@
           </a:extLst>
         </p:spPr>
         <p:txBody>
-          <a:bodyPr wrap="none" lIns="50800" tIns="50800" rIns="50800" bIns="50800" anchor="ctr">
-            <a:spAutoFit/>
-          </a:bodyPr>
-          <a:lstStyle>
-            <a:lvl1pPr>
-              <a:defRPr>
-                <a:latin typeface="Courier"/>
-                <a:ea typeface="Courier"/>
-                <a:cs typeface="Courier"/>
-                <a:sym typeface="Courier"/>
-              </a:defRPr>
-            </a:lvl1pPr>
-          </a:lstStyle>
-          <a:p>
-            <a:r>
-              <a:t>  data[“cindy”] = 15</a:t>
-            </a:r>
-          </a:p>
-        </p:txBody>
-      </p:sp>
-      <p:sp>
-        <p:nvSpPr>
-          <p:cNvPr id="462" name="What does this look like?"/>
+          <a:bodyPr lIns="50800" tIns="50800" rIns="50800" bIns="50800"/>
+          <a:lstStyle/>
+          <a:p>
+            <a:pPr algn="l">
+              <a:defRPr sz="1600" b="0"/>
+            </a:pPr>
+            <a:r>
+              <a:t>{</a:t>
+            </a:r>
+          </a:p>
+          <a:p>
+            <a:pPr algn="l">
+              <a:defRPr sz="1600" b="0"/>
+            </a:pPr>
+            <a:r>
+              <a:t>  "20801": {</a:t>
+            </a:r>
+          </a:p>
+          <a:p>
+            <a:pPr algn="l">
+              <a:defRPr sz="1600" b="0"/>
+            </a:pPr>
+            <a:r>
+              <a:t>    "name": "Cristiano Ronaldo",</a:t>
+            </a:r>
+          </a:p>
+          <a:p>
+            <a:pPr algn="l">
+              <a:defRPr sz="1600" b="0"/>
+            </a:pPr>
+            <a:r>
+              <a:t>    "Age": 32,</a:t>
+            </a:r>
+          </a:p>
+          <a:p>
+            <a:pPr algn="l">
+              <a:defRPr sz="1600" b="0"/>
+            </a:pPr>
+            <a:r>
+              <a:t>    "nationality": "Portugal",</a:t>
+            </a:r>
+          </a:p>
+          <a:p>
+            <a:pPr algn="l">
+              <a:defRPr sz="1600" b="0"/>
+            </a:pPr>
+            <a:r>
+              <a:t>    "club": "Real Madrid CF",</a:t>
+            </a:r>
+          </a:p>
+          <a:p>
+            <a:pPr algn="l">
+              <a:defRPr sz="1600" b="0"/>
+            </a:pPr>
+            <a:r>
+              <a:t>    "league": "Spanish Primera Divisi\u00f3n",</a:t>
+            </a:r>
+          </a:p>
+          <a:p>
+            <a:pPr algn="l">
+              <a:defRPr sz="1600" b="0"/>
+            </a:pPr>
+            <a:r>
+              <a:t>    "euro_wage": 565000,</a:t>
+            </a:r>
+          </a:p>
+          <a:p>
+            <a:pPr algn="l">
+              <a:defRPr sz="1600" b="0"/>
+            </a:pPr>
+            <a:r>
+              <a:t>    "networth": 95500000,</a:t>
+            </a:r>
+          </a:p>
+          <a:p>
+            <a:pPr algn="l">
+              <a:defRPr sz="1600" b="0"/>
+            </a:pPr>
+            <a:r>
+              <a:t>    "score_of_100": 94</a:t>
+            </a:r>
+          </a:p>
+          <a:p>
+            <a:pPr algn="l">
+              <a:defRPr sz="1600" b="0"/>
+            </a:pPr>
+            <a:r>
+              <a:t>...</a:t>
+            </a:r>
+          </a:p>
+        </p:txBody>
+      </p:sp>
+      <p:sp>
+        <p:nvSpPr>
+          <p:cNvPr id="499" name="fifa.json"/>
           <p:cNvSpPr txBox="1"/>
           <p:nvPr/>
         </p:nvSpPr>
         <p:spPr>
           <a:xfrm>
-            <a:off x="4925342" y="6229219"/>
-            <a:ext cx="3992316" cy="457201"/>
+            <a:off x="7352158" y="2616199"/>
+            <a:ext cx="1323083" cy="457201"/>
           </a:xfrm>
           <a:prstGeom prst="rect">
             <a:avLst/>
@@ -15149,163 +14265,10 @@
           <a:bodyPr wrap="none" lIns="50800" tIns="50800" rIns="50800" bIns="50800" anchor="ctr">
             <a:spAutoFit/>
           </a:bodyPr>
-          <a:lstStyle>
-            <a:lvl1pPr>
-              <a:defRPr>
-                <a:solidFill>
-                  <a:schemeClr val="accent5">
-                    <a:hueOff val="-82419"/>
-                    <a:satOff val="-9513"/>
-                    <a:lumOff val="-16343"/>
-                  </a:schemeClr>
-                </a:solidFill>
-              </a:defRPr>
-            </a:lvl1pPr>
-          </a:lstStyle>
-          <a:p>
-            <a:r>
-              <a:t>What does this look like?</a:t>
-            </a:r>
-          </a:p>
-        </p:txBody>
-      </p:sp>
-      <p:sp>
-        <p:nvSpPr>
-          <p:cNvPr id="466" name="Connection Line"/>
-          <p:cNvSpPr/>
-          <p:nvPr/>
-        </p:nvSpPr>
-        <p:spPr>
-          <a:xfrm>
-            <a:off x="6925502" y="5324502"/>
-            <a:ext cx="1156990" cy="938811"/>
-          </a:xfrm>
-          <a:custGeom>
-            <a:avLst/>
-            <a:gdLst/>
-            <a:ahLst/>
-            <a:cxnLst>
-              <a:cxn ang="0">
-                <a:pos x="wd2" y="hd2"/>
-              </a:cxn>
-              <a:cxn ang="5400000">
-                <a:pos x="wd2" y="hd2"/>
-              </a:cxn>
-              <a:cxn ang="10800000">
-                <a:pos x="wd2" y="hd2"/>
-              </a:cxn>
-              <a:cxn ang="16200000">
-                <a:pos x="wd2" y="hd2"/>
-              </a:cxn>
-            </a:cxnLst>
-            <a:rect l="0" t="0" r="r" b="b"/>
-            <a:pathLst>
-              <a:path w="21600" h="20715" extrusionOk="0">
-                <a:moveTo>
-                  <a:pt x="0" y="20715"/>
-                </a:moveTo>
-                <a:cubicBezTo>
-                  <a:pt x="1678" y="5990"/>
-                  <a:pt x="8878" y="-885"/>
-                  <a:pt x="21600" y="90"/>
-                </a:cubicBezTo>
-              </a:path>
-            </a:pathLst>
-          </a:custGeom>
-          <a:ln w="50800">
-            <a:solidFill>
-              <a:schemeClr val="accent5">
-                <a:hueOff val="-82419"/>
-                <a:satOff val="-9513"/>
-                <a:lumOff val="-16343"/>
-              </a:schemeClr>
-            </a:solidFill>
-            <a:miter lim="400000"/>
-            <a:tailEnd type="triangle"/>
-          </a:ln>
-        </p:spPr>
-        <p:txBody>
-          <a:bodyPr/>
           <a:lstStyle/>
           <a:p>
-            <a:endParaRPr/>
-          </a:p>
-        </p:txBody>
-      </p:sp>
-      <p:sp>
-        <p:nvSpPr>
-          <p:cNvPr id="464" name="Serialization Code"/>
-          <p:cNvSpPr/>
-          <p:nvPr/>
-        </p:nvSpPr>
-        <p:spPr>
-          <a:xfrm>
-            <a:off x="8142328" y="5071945"/>
-            <a:ext cx="3060867" cy="589013"/>
-          </a:xfrm>
-          <a:prstGeom prst="rect">
-            <a:avLst/>
-          </a:prstGeom>
-          <a:ln w="12700">
-            <a:solidFill>
-              <a:srgbClr val="000000"/>
-            </a:solidFill>
-            <a:miter lim="400000"/>
-          </a:ln>
-          <a:extLst>
-            <a:ext uri="{C572A759-6A51-4108-AA02-DFA0A04FC94B}">
-              <ma14:wrappingTextBoxFlag xmlns="" xmlns:m="http://schemas.openxmlformats.org/officeDocument/2006/math" xmlns:a14="http://schemas.microsoft.com/office/drawing/2010/main" xmlns:ma14="http://schemas.microsoft.com/office/mac/drawingml/2011/main" val="1"/>
-            </a:ext>
-          </a:extLst>
-        </p:spPr>
-        <p:txBody>
-          <a:bodyPr lIns="50800" tIns="50800" rIns="50800" bIns="50800" anchor="ctr"/>
-          <a:lstStyle>
-            <a:lvl1pPr>
-              <a:defRPr sz="2200" b="0">
-                <a:latin typeface="+mn-lt"/>
-                <a:ea typeface="+mn-ea"/>
-                <a:cs typeface="+mn-cs"/>
-                <a:sym typeface="Gill Sans SemiBold"/>
-              </a:defRPr>
-            </a:lvl1pPr>
-          </a:lstStyle>
-          <a:p>
-            <a:r>
-              <a:t>Serialization Code</a:t>
-            </a:r>
-          </a:p>
-        </p:txBody>
-      </p:sp>
-      <p:sp>
-        <p:nvSpPr>
-          <p:cNvPr id="465" name="Writing JSON Files"/>
-          <p:cNvSpPr txBox="1">
-            <a:spLocks noGrp="1"/>
-          </p:cNvSpPr>
-          <p:nvPr>
-            <p:ph type="title"/>
-          </p:nvPr>
-        </p:nvSpPr>
-        <p:spPr>
-          <a:xfrm>
-            <a:off x="355600" y="177389"/>
-            <a:ext cx="11099800" cy="902346"/>
-          </a:xfrm>
-          <a:prstGeom prst="rect">
-            <a:avLst/>
-          </a:prstGeom>
-        </p:spPr>
-        <p:txBody>
-          <a:bodyPr/>
-          <a:lstStyle>
-            <a:lvl1pPr algn="l">
-              <a:defRPr sz="4800"/>
-            </a:lvl1pPr>
-          </a:lstStyle>
-          <a:p>
-            <a:r>
-              <a:t>Writing JSON Files</a:t>
+            <a:r>
+              <a:t>fifa.json</a:t>
             </a:r>
           </a:p>
         </p:txBody>
@@ -15338,441 +14301,63 @@
       </p:grpSpPr>
       <p:sp>
         <p:nvSpPr>
-          <p:cNvPr id="468" name="{…"/>
+          <p:cNvPr id="504" name="Demo 4: Prime Cache"/>
           <p:cNvSpPr txBox="1">
             <a:spLocks noGrp="1"/>
           </p:cNvSpPr>
           <p:nvPr>
-            <p:ph type="body" sz="quarter" idx="1"/>
+            <p:ph type="title"/>
           </p:nvPr>
         </p:nvSpPr>
         <p:spPr>
           <a:xfrm>
-            <a:off x="1054100" y="6969851"/>
-            <a:ext cx="10195481" cy="2194043"/>
-          </a:xfrm>
-          <a:prstGeom prst="rect">
-            <a:avLst/>
-          </a:prstGeom>
-          <a:ln>
-            <a:solidFill>
-              <a:srgbClr val="000000"/>
-            </a:solidFill>
-          </a:ln>
+            <a:off x="952500" y="254000"/>
+            <a:ext cx="11099800" cy="902345"/>
+          </a:xfrm>
+          <a:prstGeom prst="rect">
+            <a:avLst/>
+          </a:prstGeom>
+        </p:spPr>
+        <p:txBody>
+          <a:bodyPr/>
+          <a:lstStyle>
+            <a:lvl1pPr algn="l">
+              <a:defRPr sz="4800"/>
+            </a:lvl1pPr>
+          </a:lstStyle>
+          <a:p>
+            <a:r>
+              <a:t>Demo 4: Prime Cache</a:t>
+            </a:r>
+          </a:p>
+        </p:txBody>
+      </p:sp>
+      <p:sp>
+        <p:nvSpPr>
+          <p:cNvPr id="505" name="Goal: find number of primes less than N, cache previous return vals…"/>
+          <p:cNvSpPr txBox="1">
+            <a:spLocks noGrp="1"/>
+          </p:cNvSpPr>
+          <p:nvPr>
+            <p:ph type="body" idx="1"/>
+          </p:nvPr>
+        </p:nvSpPr>
+        <p:spPr>
+          <a:xfrm>
+            <a:off x="952500" y="1587896"/>
+            <a:ext cx="11540877" cy="7684494"/>
+          </a:xfrm>
+          <a:prstGeom prst="rect">
+            <a:avLst/>
+          </a:prstGeom>
         </p:spPr>
         <p:txBody>
           <a:bodyPr anchor="t"/>
           <a:lstStyle/>
           <a:p>
             <a:pPr marL="0" lvl="5" indent="0">
-              <a:spcBef>
-                <a:spcPts val="0"/>
-              </a:spcBef>
               <a:buSzTx/>
               <a:buNone/>
-              <a:defRPr sz="2400"/>
-            </a:pPr>
-            <a:r>
-              <a:t>{</a:t>
-            </a:r>
-          </a:p>
-          <a:p>
-            <a:pPr marL="0" lvl="5" indent="0">
-              <a:spcBef>
-                <a:spcPts val="0"/>
-              </a:spcBef>
-              <a:buSzTx/>
-              <a:buNone/>
-              <a:defRPr sz="2400"/>
-            </a:pPr>
-            <a:r>
-              <a:t>  “cindy”: 15</a:t>
-            </a:r>
-          </a:p>
-          <a:p>
-            <a:pPr marL="0" lvl="5" indent="0">
-              <a:spcBef>
-                <a:spcPts val="0"/>
-              </a:spcBef>
-              <a:buSzTx/>
-              <a:buNone/>
-              <a:defRPr sz="2400"/>
-            </a:pPr>
-            <a:r>
-              <a:t>}</a:t>
-            </a:r>
-          </a:p>
-        </p:txBody>
-      </p:sp>
-      <p:sp>
-        <p:nvSpPr>
-          <p:cNvPr id="469" name="JSON file saved somewhere"/>
-          <p:cNvSpPr txBox="1"/>
-          <p:nvPr/>
-        </p:nvSpPr>
-        <p:spPr>
-          <a:xfrm>
-            <a:off x="920180" y="6502399"/>
-            <a:ext cx="4353372" cy="457201"/>
-          </a:xfrm>
-          <a:prstGeom prst="rect">
-            <a:avLst/>
-          </a:prstGeom>
-          <a:ln w="12700">
-            <a:miter lim="400000"/>
-          </a:ln>
-          <a:extLst>
-            <a:ext uri="{C572A759-6A51-4108-AA02-DFA0A04FC94B}">
-              <ma14:wrappingTextBoxFlag xmlns="" xmlns:m="http://schemas.openxmlformats.org/officeDocument/2006/math" xmlns:a14="http://schemas.microsoft.com/office/drawing/2010/main" xmlns:ma14="http://schemas.microsoft.com/office/mac/drawingml/2011/main" val="1"/>
-            </a:ext>
-          </a:extLst>
-        </p:spPr>
-        <p:txBody>
-          <a:bodyPr wrap="none" lIns="50800" tIns="50800" rIns="50800" bIns="50800" anchor="ctr">
-            <a:spAutoFit/>
-          </a:bodyPr>
-          <a:lstStyle/>
-          <a:p>
-            <a:r>
-              <a:t>JSON file saved somewhere</a:t>
-            </a:r>
-          </a:p>
-        </p:txBody>
-      </p:sp>
-      <p:sp>
-        <p:nvSpPr>
-          <p:cNvPr id="470" name="Python Program"/>
-          <p:cNvSpPr txBox="1"/>
-          <p:nvPr/>
-        </p:nvSpPr>
-        <p:spPr>
-          <a:xfrm>
-            <a:off x="8129960" y="380840"/>
-            <a:ext cx="2677865" cy="457201"/>
-          </a:xfrm>
-          <a:prstGeom prst="rect">
-            <a:avLst/>
-          </a:prstGeom>
-          <a:ln w="12700">
-            <a:miter lim="400000"/>
-          </a:ln>
-          <a:extLst>
-            <a:ext uri="{C572A759-6A51-4108-AA02-DFA0A04FC94B}">
-              <ma14:wrappingTextBoxFlag xmlns="" xmlns:m="http://schemas.openxmlformats.org/officeDocument/2006/math" xmlns:a14="http://schemas.microsoft.com/office/drawing/2010/main" xmlns:ma14="http://schemas.microsoft.com/office/mac/drawingml/2011/main" val="1"/>
-            </a:ext>
-          </a:extLst>
-        </p:spPr>
-        <p:txBody>
-          <a:bodyPr wrap="none" lIns="50800" tIns="50800" rIns="50800" bIns="50800" anchor="ctr">
-            <a:spAutoFit/>
-          </a:bodyPr>
-          <a:lstStyle/>
-          <a:p>
-            <a:r>
-              <a:t>Python Program</a:t>
-            </a:r>
-          </a:p>
-        </p:txBody>
-      </p:sp>
-      <p:sp>
-        <p:nvSpPr>
-          <p:cNvPr id="471" name="Rectangle"/>
-          <p:cNvSpPr/>
-          <p:nvPr/>
-        </p:nvSpPr>
-        <p:spPr>
-          <a:xfrm>
-            <a:off x="6409382" y="914091"/>
-            <a:ext cx="6119022" cy="4988918"/>
-          </a:xfrm>
-          <a:prstGeom prst="rect">
-            <a:avLst/>
-          </a:prstGeom>
-          <a:ln w="12700">
-            <a:solidFill>
-              <a:srgbClr val="000000"/>
-            </a:solidFill>
-            <a:miter lim="400000"/>
-          </a:ln>
-        </p:spPr>
-        <p:txBody>
-          <a:bodyPr lIns="50800" tIns="50800" rIns="50800" bIns="50800" anchor="ctr"/>
-          <a:lstStyle/>
-          <a:p>
-            <a:pPr>
-              <a:defRPr sz="2200" b="0">
-                <a:solidFill>
-                  <a:srgbClr val="FFFFFF"/>
-                </a:solidFill>
-                <a:latin typeface="+mn-lt"/>
-                <a:ea typeface="+mn-ea"/>
-                <a:cs typeface="+mn-cs"/>
-                <a:sym typeface="Gill Sans SemiBold"/>
-              </a:defRPr>
-            </a:pPr>
-            <a:endParaRPr/>
-          </a:p>
-        </p:txBody>
-      </p:sp>
-      <p:sp>
-        <p:nvSpPr>
-          <p:cNvPr id="472" name="Arrow"/>
-          <p:cNvSpPr/>
-          <p:nvPr/>
-        </p:nvSpPr>
-        <p:spPr>
-          <a:xfrm rot="5400000">
-            <a:off x="9053166" y="5642679"/>
-            <a:ext cx="1270001" cy="1270001"/>
-          </a:xfrm>
-          <a:prstGeom prst="rightArrow">
-            <a:avLst>
-              <a:gd name="adj1" fmla="val 34062"/>
-              <a:gd name="adj2" fmla="val 26590"/>
-            </a:avLst>
-          </a:prstGeom>
-          <a:solidFill>
-            <a:schemeClr val="accent5">
-              <a:hueOff val="-82419"/>
-              <a:satOff val="-9513"/>
-              <a:lumOff val="-16343"/>
-            </a:schemeClr>
-          </a:solidFill>
-          <a:ln w="12700">
-            <a:miter lim="400000"/>
-          </a:ln>
-        </p:spPr>
-        <p:txBody>
-          <a:bodyPr lIns="50800" tIns="50800" rIns="50800" bIns="50800" anchor="ctr"/>
-          <a:lstStyle/>
-          <a:p>
-            <a:pPr>
-              <a:defRPr sz="2200" b="0">
-                <a:solidFill>
-                  <a:srgbClr val="FFFFFF"/>
-                </a:solidFill>
-                <a:latin typeface="+mn-lt"/>
-                <a:ea typeface="+mn-ea"/>
-                <a:cs typeface="+mn-cs"/>
-                <a:sym typeface="Gill Sans SemiBold"/>
-              </a:defRPr>
-            </a:pPr>
-            <a:endParaRPr/>
-          </a:p>
-        </p:txBody>
-      </p:sp>
-      <p:sp>
-        <p:nvSpPr>
-          <p:cNvPr id="473" name="Arrow"/>
-          <p:cNvSpPr/>
-          <p:nvPr/>
-        </p:nvSpPr>
-        <p:spPr>
-          <a:xfrm rot="5400000">
-            <a:off x="9221589" y="3946907"/>
-            <a:ext cx="902345" cy="1270001"/>
-          </a:xfrm>
-          <a:prstGeom prst="rightArrow">
-            <a:avLst>
-              <a:gd name="adj1" fmla="val 34062"/>
-              <a:gd name="adj2" fmla="val 37424"/>
-            </a:avLst>
-          </a:prstGeom>
-          <a:solidFill>
-            <a:schemeClr val="accent5">
-              <a:hueOff val="-82419"/>
-              <a:satOff val="-9513"/>
-              <a:lumOff val="-16343"/>
-            </a:schemeClr>
-          </a:solidFill>
-          <a:ln w="12700">
-            <a:miter lim="400000"/>
-          </a:ln>
-        </p:spPr>
-        <p:txBody>
-          <a:bodyPr lIns="50800" tIns="50800" rIns="50800" bIns="50800" anchor="ctr"/>
-          <a:lstStyle/>
-          <a:p>
-            <a:pPr>
-              <a:defRPr sz="2200" b="0">
-                <a:solidFill>
-                  <a:srgbClr val="FFFFFF"/>
-                </a:solidFill>
-                <a:latin typeface="+mn-lt"/>
-                <a:ea typeface="+mn-ea"/>
-                <a:cs typeface="+mn-cs"/>
-                <a:sym typeface="Gill Sans SemiBold"/>
-              </a:defRPr>
-            </a:pPr>
-            <a:endParaRPr/>
-          </a:p>
-        </p:txBody>
-      </p:sp>
-      <p:sp>
-        <p:nvSpPr>
-          <p:cNvPr id="474" name="{“cindy”: 15}"/>
-          <p:cNvSpPr txBox="1"/>
-          <p:nvPr/>
-        </p:nvSpPr>
-        <p:spPr>
-          <a:xfrm>
-            <a:off x="7399735" y="3298680"/>
-            <a:ext cx="2492128" cy="469901"/>
-          </a:xfrm>
-          <a:prstGeom prst="rect">
-            <a:avLst/>
-          </a:prstGeom>
-          <a:ln w="12700">
-            <a:miter lim="400000"/>
-          </a:ln>
-          <a:extLst>
-            <a:ext uri="{C572A759-6A51-4108-AA02-DFA0A04FC94B}">
-              <ma14:wrappingTextBoxFlag xmlns="" xmlns:m="http://schemas.openxmlformats.org/officeDocument/2006/math" xmlns:a14="http://schemas.microsoft.com/office/drawing/2010/main" xmlns:ma14="http://schemas.microsoft.com/office/mac/drawingml/2011/main" val="1"/>
-            </a:ext>
-          </a:extLst>
-        </p:spPr>
-        <p:txBody>
-          <a:bodyPr wrap="none" lIns="50800" tIns="50800" rIns="50800" bIns="50800" anchor="ctr">
-            <a:spAutoFit/>
-          </a:bodyPr>
-          <a:lstStyle>
-            <a:lvl1pPr algn="l">
-              <a:defRPr>
-                <a:latin typeface="Courier"/>
-                <a:ea typeface="Courier"/>
-                <a:cs typeface="Courier"/>
-                <a:sym typeface="Courier"/>
-              </a:defRPr>
-            </a:lvl1pPr>
-          </a:lstStyle>
-          <a:p>
-            <a:r>
-              <a:t>{“cindy”: 15}</a:t>
-            </a:r>
-          </a:p>
-        </p:txBody>
-      </p:sp>
-      <p:sp>
-        <p:nvSpPr>
-          <p:cNvPr id="475" name="Arrow"/>
-          <p:cNvSpPr/>
-          <p:nvPr/>
-        </p:nvSpPr>
-        <p:spPr>
-          <a:xfrm rot="5400000">
-            <a:off x="9221589" y="1850352"/>
-            <a:ext cx="902345" cy="1270001"/>
-          </a:xfrm>
-          <a:prstGeom prst="rightArrow">
-            <a:avLst>
-              <a:gd name="adj1" fmla="val 34062"/>
-              <a:gd name="adj2" fmla="val 37424"/>
-            </a:avLst>
-          </a:prstGeom>
-          <a:solidFill>
-            <a:schemeClr val="accent5">
-              <a:hueOff val="-82419"/>
-              <a:satOff val="-9513"/>
-              <a:lumOff val="-16343"/>
-            </a:schemeClr>
-          </a:solidFill>
-          <a:ln w="12700">
-            <a:miter lim="400000"/>
-          </a:ln>
-        </p:spPr>
-        <p:txBody>
-          <a:bodyPr lIns="50800" tIns="50800" rIns="50800" bIns="50800" anchor="ctr"/>
-          <a:lstStyle/>
-          <a:p>
-            <a:pPr>
-              <a:defRPr sz="2200" b="0">
-                <a:solidFill>
-                  <a:srgbClr val="FFFFFF"/>
-                </a:solidFill>
-                <a:latin typeface="+mn-lt"/>
-                <a:ea typeface="+mn-ea"/>
-                <a:cs typeface="+mn-cs"/>
-                <a:sym typeface="Gill Sans SemiBold"/>
-              </a:defRPr>
-            </a:pPr>
-            <a:endParaRPr/>
-          </a:p>
-        </p:txBody>
-      </p:sp>
-      <p:sp>
-        <p:nvSpPr>
-          <p:cNvPr id="476" name="Code"/>
-          <p:cNvSpPr/>
-          <p:nvPr/>
-        </p:nvSpPr>
-        <p:spPr>
-          <a:xfrm>
-            <a:off x="7452176" y="1105670"/>
-            <a:ext cx="4441171" cy="889645"/>
-          </a:xfrm>
-          <a:prstGeom prst="rect">
-            <a:avLst/>
-          </a:prstGeom>
-          <a:ln w="12700">
-            <a:solidFill>
-              <a:srgbClr val="000000"/>
-            </a:solidFill>
-            <a:miter lim="400000"/>
-          </a:ln>
-          <a:extLst>
-            <a:ext uri="{C572A759-6A51-4108-AA02-DFA0A04FC94B}">
-              <ma14:wrappingTextBoxFlag xmlns="" xmlns:m="http://schemas.openxmlformats.org/officeDocument/2006/math" xmlns:a14="http://schemas.microsoft.com/office/drawing/2010/main" xmlns:ma14="http://schemas.microsoft.com/office/mac/drawingml/2011/main" val="1"/>
-            </a:ext>
-          </a:extLst>
-        </p:spPr>
-        <p:txBody>
-          <a:bodyPr lIns="50800" tIns="50800" rIns="50800" bIns="50800"/>
-          <a:lstStyle>
-            <a:lvl1pPr>
-              <a:defRPr sz="2200" b="0">
-                <a:latin typeface="+mn-lt"/>
-                <a:ea typeface="+mn-ea"/>
-                <a:cs typeface="+mn-cs"/>
-                <a:sym typeface="Gill Sans SemiBold"/>
-              </a:defRPr>
-            </a:lvl1pPr>
-          </a:lstStyle>
-          <a:p>
-            <a:r>
-              <a:t>Code</a:t>
-            </a:r>
-          </a:p>
-        </p:txBody>
-      </p:sp>
-      <p:sp>
-        <p:nvSpPr>
-          <p:cNvPr id="477" name="dict"/>
-          <p:cNvSpPr txBox="1"/>
-          <p:nvPr/>
-        </p:nvSpPr>
-        <p:spPr>
-          <a:xfrm rot="16200000">
-            <a:off x="6727009" y="3305030"/>
-            <a:ext cx="700684" cy="457201"/>
-          </a:xfrm>
-          <a:prstGeom prst="rect">
-            <a:avLst/>
-          </a:prstGeom>
-          <a:ln w="12700">
-            <a:miter lim="400000"/>
-          </a:ln>
-          <a:extLst>
-            <a:ext uri="{C572A759-6A51-4108-AA02-DFA0A04FC94B}">
-              <ma14:wrappingTextBoxFlag xmlns="" xmlns:m="http://schemas.openxmlformats.org/officeDocument/2006/math" xmlns:a14="http://schemas.microsoft.com/office/drawing/2010/main" xmlns:ma14="http://schemas.microsoft.com/office/mac/drawingml/2011/main" val="1"/>
-            </a:ext>
-          </a:extLst>
-        </p:spPr>
-        <p:txBody>
-          <a:bodyPr wrap="none" lIns="50800" tIns="50800" rIns="50800" bIns="50800" anchor="ctr">
-            <a:spAutoFit/>
-          </a:bodyPr>
-          <a:lstStyle>
-            <a:lvl1pPr>
               <a:defRPr>
                 <a:solidFill>
                   <a:schemeClr val="accent5">
@@ -15782,644 +14367,57 @@
                   </a:schemeClr>
                 </a:solidFill>
               </a:defRPr>
-            </a:lvl1pPr>
-          </a:lstStyle>
-          <a:p>
-            <a:r>
-              <a:t>dict</a:t>
-            </a:r>
-          </a:p>
-        </p:txBody>
-      </p:sp>
-      <p:sp>
-        <p:nvSpPr>
-          <p:cNvPr id="478" name="data[“cindy”] = 15"/>
-          <p:cNvSpPr txBox="1"/>
-          <p:nvPr/>
-        </p:nvSpPr>
-        <p:spPr>
-          <a:xfrm>
-            <a:off x="7257752" y="1416411"/>
-            <a:ext cx="3772496" cy="469901"/>
-          </a:xfrm>
-          <a:prstGeom prst="rect">
-            <a:avLst/>
-          </a:prstGeom>
-          <a:ln w="12700">
-            <a:miter lim="400000"/>
-          </a:ln>
-          <a:extLst>
-            <a:ext uri="{C572A759-6A51-4108-AA02-DFA0A04FC94B}">
-              <ma14:wrappingTextBoxFlag xmlns="" xmlns:m="http://schemas.openxmlformats.org/officeDocument/2006/math" xmlns:a14="http://schemas.microsoft.com/office/drawing/2010/main" xmlns:ma14="http://schemas.microsoft.com/office/mac/drawingml/2011/main" val="1"/>
-            </a:ext>
-          </a:extLst>
-        </p:spPr>
-        <p:txBody>
-          <a:bodyPr wrap="none" lIns="50800" tIns="50800" rIns="50800" bIns="50800" anchor="ctr">
-            <a:spAutoFit/>
-          </a:bodyPr>
-          <a:lstStyle>
-            <a:lvl1pPr>
-              <a:defRPr>
-                <a:latin typeface="Courier"/>
-                <a:ea typeface="Courier"/>
-                <a:cs typeface="Courier"/>
-                <a:sym typeface="Courier"/>
-              </a:defRPr>
-            </a:lvl1pPr>
-          </a:lstStyle>
-          <a:p>
-            <a:r>
-              <a:t>  data[“cindy”] = 15</a:t>
-            </a:r>
-          </a:p>
-        </p:txBody>
-      </p:sp>
-      <p:sp>
-        <p:nvSpPr>
-          <p:cNvPr id="479" name="Rectangle"/>
-          <p:cNvSpPr/>
-          <p:nvPr/>
-        </p:nvSpPr>
-        <p:spPr>
-          <a:xfrm>
-            <a:off x="491849" y="368732"/>
-            <a:ext cx="12300502" cy="8832751"/>
-          </a:xfrm>
-          <a:prstGeom prst="rect">
-            <a:avLst/>
-          </a:prstGeom>
-          <a:solidFill>
-            <a:srgbClr val="FFFFFF">
-              <a:alpha val="97498"/>
-            </a:srgbClr>
-          </a:solidFill>
-          <a:ln w="12700">
-            <a:miter lim="400000"/>
-          </a:ln>
-        </p:spPr>
-        <p:txBody>
-          <a:bodyPr lIns="50800" tIns="50800" rIns="50800" bIns="50800" anchor="ctr"/>
-          <a:lstStyle/>
-          <a:p>
-            <a:pPr>
-              <a:defRPr sz="2200" b="0">
-                <a:solidFill>
-                  <a:srgbClr val="FFFFFF"/>
-                </a:solidFill>
-                <a:latin typeface="+mn-lt"/>
-                <a:ea typeface="+mn-ea"/>
-                <a:cs typeface="+mn-cs"/>
-                <a:sym typeface="Gill Sans SemiBold"/>
-              </a:defRPr>
-            </a:pPr>
-            <a:endParaRPr/>
-          </a:p>
-        </p:txBody>
-      </p:sp>
-      <p:sp>
-        <p:nvSpPr>
-          <p:cNvPr id="480" name="What does this look like?"/>
-          <p:cNvSpPr txBox="1"/>
-          <p:nvPr/>
-        </p:nvSpPr>
-        <p:spPr>
-          <a:xfrm>
-            <a:off x="4925342" y="6229219"/>
-            <a:ext cx="3992316" cy="457201"/>
-          </a:xfrm>
-          <a:prstGeom prst="rect">
-            <a:avLst/>
-          </a:prstGeom>
-          <a:ln w="12700">
-            <a:miter lim="400000"/>
-          </a:ln>
-          <a:extLst>
-            <a:ext uri="{C572A759-6A51-4108-AA02-DFA0A04FC94B}">
-              <ma14:wrappingTextBoxFlag xmlns="" xmlns:m="http://schemas.openxmlformats.org/officeDocument/2006/math" xmlns:a14="http://schemas.microsoft.com/office/drawing/2010/main" xmlns:ma14="http://schemas.microsoft.com/office/mac/drawingml/2011/main" val="1"/>
-            </a:ext>
-          </a:extLst>
-        </p:spPr>
-        <p:txBody>
-          <a:bodyPr wrap="none" lIns="50800" tIns="50800" rIns="50800" bIns="50800" anchor="ctr">
-            <a:spAutoFit/>
-          </a:bodyPr>
-          <a:lstStyle>
-            <a:lvl1pPr>
-              <a:defRPr>
-                <a:solidFill>
-                  <a:schemeClr val="accent5">
-                    <a:hueOff val="-82419"/>
-                    <a:satOff val="-9513"/>
-                    <a:lumOff val="-16343"/>
-                  </a:schemeClr>
-                </a:solidFill>
-              </a:defRPr>
-            </a:lvl1pPr>
-          </a:lstStyle>
-          <a:p>
-            <a:r>
-              <a:t>What does this look like?</a:t>
-            </a:r>
-          </a:p>
-        </p:txBody>
-      </p:sp>
-      <p:sp>
-        <p:nvSpPr>
-          <p:cNvPr id="489" name="Connection Line"/>
-          <p:cNvSpPr/>
-          <p:nvPr/>
-        </p:nvSpPr>
-        <p:spPr>
-          <a:xfrm>
-            <a:off x="6925502" y="5324502"/>
-            <a:ext cx="1156990" cy="938811"/>
-          </a:xfrm>
-          <a:custGeom>
-            <a:avLst/>
-            <a:gdLst/>
-            <a:ahLst/>
-            <a:cxnLst>
-              <a:cxn ang="0">
-                <a:pos x="wd2" y="hd2"/>
-              </a:cxn>
-              <a:cxn ang="5400000">
-                <a:pos x="wd2" y="hd2"/>
-              </a:cxn>
-              <a:cxn ang="10800000">
-                <a:pos x="wd2" y="hd2"/>
-              </a:cxn>
-              <a:cxn ang="16200000">
-                <a:pos x="wd2" y="hd2"/>
-              </a:cxn>
-            </a:cxnLst>
-            <a:rect l="0" t="0" r="r" b="b"/>
-            <a:pathLst>
-              <a:path w="21600" h="20715" extrusionOk="0">
-                <a:moveTo>
-                  <a:pt x="0" y="20715"/>
-                </a:moveTo>
-                <a:cubicBezTo>
-                  <a:pt x="1678" y="5990"/>
-                  <a:pt x="8878" y="-885"/>
-                  <a:pt x="21600" y="90"/>
-                </a:cubicBezTo>
-              </a:path>
-            </a:pathLst>
-          </a:custGeom>
-          <a:ln w="50800">
-            <a:solidFill>
-              <a:schemeClr val="accent5">
-                <a:hueOff val="-82419"/>
-                <a:satOff val="-9513"/>
-                <a:lumOff val="-16343"/>
-              </a:schemeClr>
-            </a:solidFill>
-            <a:miter lim="400000"/>
-            <a:tailEnd type="triangle"/>
-          </a:ln>
-        </p:spPr>
-        <p:txBody>
-          <a:bodyPr/>
-          <a:lstStyle/>
-          <a:p>
-            <a:endParaRPr/>
-          </a:p>
-        </p:txBody>
-      </p:sp>
-      <p:sp>
-        <p:nvSpPr>
-          <p:cNvPr id="482" name="Serialization Code"/>
-          <p:cNvSpPr/>
-          <p:nvPr/>
-        </p:nvSpPr>
-        <p:spPr>
-          <a:xfrm>
-            <a:off x="8142328" y="5071945"/>
-            <a:ext cx="3060867" cy="589013"/>
-          </a:xfrm>
-          <a:prstGeom prst="rect">
-            <a:avLst/>
-          </a:prstGeom>
-          <a:ln w="12700">
-            <a:solidFill>
-              <a:srgbClr val="000000"/>
-            </a:solidFill>
-            <a:miter lim="400000"/>
-          </a:ln>
-          <a:extLst>
-            <a:ext uri="{C572A759-6A51-4108-AA02-DFA0A04FC94B}">
-              <ma14:wrappingTextBoxFlag xmlns="" xmlns:m="http://schemas.openxmlformats.org/officeDocument/2006/math" xmlns:a14="http://schemas.microsoft.com/office/drawing/2010/main" xmlns:ma14="http://schemas.microsoft.com/office/mac/drawingml/2011/main" val="1"/>
-            </a:ext>
-          </a:extLst>
-        </p:spPr>
-        <p:txBody>
-          <a:bodyPr lIns="50800" tIns="50800" rIns="50800" bIns="50800" anchor="ctr"/>
-          <a:lstStyle>
-            <a:lvl1pPr>
-              <a:defRPr sz="2200" b="0">
-                <a:latin typeface="+mn-lt"/>
-                <a:ea typeface="+mn-ea"/>
-                <a:cs typeface="+mn-cs"/>
-                <a:sym typeface="Gill Sans SemiBold"/>
-              </a:defRPr>
-            </a:lvl1pPr>
-          </a:lstStyle>
-          <a:p>
-            <a:r>
-              <a:t>Serialization Code</a:t>
-            </a:r>
-          </a:p>
-        </p:txBody>
-      </p:sp>
-      <p:sp>
-        <p:nvSpPr>
-          <p:cNvPr id="483" name="Writing JSON Files"/>
-          <p:cNvSpPr txBox="1">
-            <a:spLocks noGrp="1"/>
-          </p:cNvSpPr>
-          <p:nvPr>
-            <p:ph type="title"/>
-          </p:nvPr>
-        </p:nvSpPr>
-        <p:spPr>
-          <a:xfrm>
-            <a:off x="355600" y="177389"/>
-            <a:ext cx="11099800" cy="902346"/>
-          </a:xfrm>
-          <a:prstGeom prst="rect">
-            <a:avLst/>
-          </a:prstGeom>
-        </p:spPr>
-        <p:txBody>
-          <a:bodyPr/>
-          <a:lstStyle>
-            <a:lvl1pPr algn="l">
-              <a:defRPr sz="4800"/>
-            </a:lvl1pPr>
-          </a:lstStyle>
-          <a:p>
-            <a:r>
-              <a:t>Writing JSON Files</a:t>
-            </a:r>
-          </a:p>
-        </p:txBody>
-      </p:sp>
-      <p:sp>
-        <p:nvSpPr>
-          <p:cNvPr id="484" name="import json…"/>
-          <p:cNvSpPr txBox="1"/>
-          <p:nvPr/>
-        </p:nvSpPr>
-        <p:spPr>
-          <a:xfrm>
-            <a:off x="622300" y="1553241"/>
-            <a:ext cx="8096252" cy="2103988"/>
-          </a:xfrm>
-          <a:prstGeom prst="rect">
-            <a:avLst/>
-          </a:prstGeom>
-          <a:ln w="12700">
-            <a:miter lim="400000"/>
-          </a:ln>
-          <a:extLst>
-            <a:ext uri="{C572A759-6A51-4108-AA02-DFA0A04FC94B}">
-              <ma14:wrappingTextBoxFlag xmlns="" xmlns:m="http://schemas.openxmlformats.org/officeDocument/2006/math" xmlns:a14="http://schemas.microsoft.com/office/drawing/2010/main" xmlns:ma14="http://schemas.microsoft.com/office/mac/drawingml/2011/main" val="1"/>
-            </a:ext>
-          </a:extLst>
-        </p:spPr>
-        <p:txBody>
-          <a:bodyPr lIns="50800" tIns="50800" rIns="50800" bIns="50800">
-            <a:normAutofit fontScale="92500"/>
-          </a:bodyPr>
-          <a:lstStyle/>
-          <a:p>
-            <a:pPr algn="l" defTabSz="554990">
-              <a:defRPr sz="2185" b="0">
-                <a:latin typeface="Courier"/>
-                <a:ea typeface="Courier"/>
-                <a:cs typeface="Courier"/>
-                <a:sym typeface="Courier"/>
-              </a:defRPr>
-            </a:pPr>
-            <a:r>
-              <a:rPr dirty="0"/>
-              <a:t>import json</a:t>
-            </a:r>
-          </a:p>
-          <a:p>
-            <a:pPr algn="l" defTabSz="554990">
-              <a:defRPr sz="2185" b="0">
-                <a:latin typeface="Courier"/>
-                <a:ea typeface="Courier"/>
-                <a:cs typeface="Courier"/>
-                <a:sym typeface="Courier"/>
-              </a:defRPr>
-            </a:pPr>
-            <a:endParaRPr dirty="0"/>
-          </a:p>
-          <a:p>
-            <a:pPr algn="l" defTabSz="554990">
-              <a:defRPr sz="2185" b="0">
-                <a:latin typeface="Courier"/>
-                <a:ea typeface="Courier"/>
-                <a:cs typeface="Courier"/>
-                <a:sym typeface="Courier"/>
-              </a:defRPr>
-            </a:pPr>
-            <a:r>
-              <a:rPr dirty="0">
-                <a:solidFill>
-                  <a:srgbClr val="929292"/>
-                </a:solidFill>
-              </a:rPr>
-              <a:t># data is a </a:t>
-            </a:r>
-            <a:r>
-              <a:rPr dirty="0" err="1">
-                <a:solidFill>
-                  <a:srgbClr val="929292"/>
-                </a:solidFill>
-              </a:rPr>
-              <a:t>dict</a:t>
-            </a:r>
-            <a:r>
-              <a:rPr dirty="0">
-                <a:solidFill>
-                  <a:srgbClr val="929292"/>
-                </a:solidFill>
-              </a:rPr>
-              <a:t>, list, </a:t>
-            </a:r>
-            <a:r>
-              <a:rPr dirty="0" err="1">
-                <a:solidFill>
-                  <a:srgbClr val="929292"/>
-                </a:solidFill>
-              </a:rPr>
-              <a:t>etc</a:t>
-            </a:r>
-            <a:endParaRPr dirty="0">
-              <a:solidFill>
-                <a:srgbClr val="929292"/>
-              </a:solidFill>
-            </a:endParaRPr>
-          </a:p>
-          <a:p>
-            <a:pPr algn="l" defTabSz="554990">
-              <a:defRPr sz="2185" b="0">
-                <a:latin typeface="Courier"/>
-                <a:ea typeface="Courier"/>
-                <a:cs typeface="Courier"/>
-                <a:sym typeface="Courier"/>
-              </a:defRPr>
-            </a:pPr>
-            <a:r>
-              <a:rPr dirty="0"/>
-              <a:t>def </a:t>
-            </a:r>
-            <a:r>
-              <a:rPr dirty="0" err="1"/>
-              <a:t>write_json</a:t>
-            </a:r>
-            <a:r>
-              <a:rPr dirty="0"/>
-              <a:t>(path, data):</a:t>
-            </a:r>
-          </a:p>
-          <a:p>
-            <a:pPr algn="l" defTabSz="554990">
-              <a:defRPr sz="2185" b="0">
-                <a:latin typeface="Courier"/>
-                <a:ea typeface="Courier"/>
-                <a:cs typeface="Courier"/>
-                <a:sym typeface="Courier"/>
-              </a:defRPr>
-            </a:pPr>
-            <a:r>
-              <a:rPr dirty="0"/>
-              <a:t>    with open(path, 'w', encoding="utf-8") as f:</a:t>
-            </a:r>
-          </a:p>
-          <a:p>
-            <a:pPr algn="l" defTabSz="554990">
-              <a:defRPr sz="2185" b="0">
-                <a:latin typeface="Courier"/>
-                <a:ea typeface="Courier"/>
-                <a:cs typeface="Courier"/>
-                <a:sym typeface="Courier"/>
-              </a:defRPr>
-            </a:pPr>
-            <a:r>
-              <a:rPr dirty="0"/>
-              <a:t>        </a:t>
-            </a:r>
-            <a:r>
-              <a:rPr dirty="0" err="1"/>
-              <a:t>json.dump</a:t>
-            </a:r>
-            <a:r>
-              <a:rPr dirty="0"/>
-              <a:t>(data, f, indent=2)</a:t>
-            </a:r>
-          </a:p>
-        </p:txBody>
-      </p:sp>
-      <p:sp>
-        <p:nvSpPr>
-          <p:cNvPr id="485" name="CTRL"/>
-          <p:cNvSpPr/>
-          <p:nvPr/>
-        </p:nvSpPr>
-        <p:spPr>
-          <a:xfrm>
-            <a:off x="1384300" y="4125362"/>
-            <a:ext cx="1169463" cy="648717"/>
-          </a:xfrm>
-          <a:prstGeom prst="roundRect">
-            <a:avLst>
-              <a:gd name="adj" fmla="val 27041"/>
-            </a:avLst>
-          </a:prstGeom>
-          <a:solidFill>
-            <a:srgbClr val="D6D5D5"/>
-          </a:solidFill>
-          <a:ln w="12700">
-            <a:solidFill>
-              <a:srgbClr val="000000"/>
-            </a:solidFill>
-            <a:miter lim="400000"/>
-          </a:ln>
-          <a:effectLst>
-            <a:outerShdw blurRad="63500" dist="73144" dir="2249259" rotWithShape="0">
-              <a:srgbClr val="000000">
-                <a:alpha val="50000"/>
-              </a:srgbClr>
-            </a:outerShdw>
-          </a:effectLst>
-          <a:extLst>
-            <a:ext uri="{C572A759-6A51-4108-AA02-DFA0A04FC94B}">
-              <ma14:wrappingTextBoxFlag xmlns="" xmlns:m="http://schemas.openxmlformats.org/officeDocument/2006/math" xmlns:a14="http://schemas.microsoft.com/office/drawing/2010/main" xmlns:ma14="http://schemas.microsoft.com/office/mac/drawingml/2011/main" val="1"/>
-            </a:ext>
-          </a:extLst>
-        </p:spPr>
-        <p:txBody>
-          <a:bodyPr lIns="50800" tIns="50800" rIns="50800" bIns="50800" anchor="ctr"/>
-          <a:lstStyle>
-            <a:lvl1pPr>
-              <a:defRPr sz="2200" b="0">
-                <a:latin typeface="+mn-lt"/>
-                <a:ea typeface="+mn-ea"/>
-                <a:cs typeface="+mn-cs"/>
-                <a:sym typeface="Gill Sans SemiBold"/>
-              </a:defRPr>
-            </a:lvl1pPr>
-          </a:lstStyle>
-          <a:p>
-            <a:r>
-              <a:t>CTRL</a:t>
-            </a:r>
-          </a:p>
-        </p:txBody>
-      </p:sp>
-      <p:sp>
-        <p:nvSpPr>
-          <p:cNvPr id="486" name="C"/>
-          <p:cNvSpPr/>
-          <p:nvPr/>
-        </p:nvSpPr>
-        <p:spPr>
-          <a:xfrm>
-            <a:off x="3263900" y="4125362"/>
-            <a:ext cx="656533" cy="648717"/>
-          </a:xfrm>
-          <a:prstGeom prst="roundRect">
-            <a:avLst>
-              <a:gd name="adj" fmla="val 27041"/>
-            </a:avLst>
-          </a:prstGeom>
-          <a:solidFill>
-            <a:srgbClr val="D6D5D5"/>
-          </a:solidFill>
-          <a:ln w="12700">
-            <a:solidFill>
-              <a:srgbClr val="000000"/>
-            </a:solidFill>
-            <a:miter lim="400000"/>
-          </a:ln>
-          <a:effectLst>
-            <a:outerShdw blurRad="63500" dist="73144" dir="2249259" rotWithShape="0">
-              <a:srgbClr val="000000">
-                <a:alpha val="50000"/>
-              </a:srgbClr>
-            </a:outerShdw>
-          </a:effectLst>
-          <a:extLst>
-            <a:ext uri="{C572A759-6A51-4108-AA02-DFA0A04FC94B}">
-              <ma14:wrappingTextBoxFlag xmlns="" xmlns:m="http://schemas.openxmlformats.org/officeDocument/2006/math" xmlns:a14="http://schemas.microsoft.com/office/drawing/2010/main" xmlns:ma14="http://schemas.microsoft.com/office/mac/drawingml/2011/main" val="1"/>
-            </a:ext>
-          </a:extLst>
-        </p:spPr>
-        <p:txBody>
-          <a:bodyPr lIns="50800" tIns="50800" rIns="50800" bIns="50800" anchor="ctr"/>
-          <a:lstStyle>
-            <a:lvl1pPr>
-              <a:defRPr sz="2200" b="0">
-                <a:latin typeface="+mn-lt"/>
-                <a:ea typeface="+mn-ea"/>
-                <a:cs typeface="+mn-cs"/>
-                <a:sym typeface="Gill Sans SemiBold"/>
-              </a:defRPr>
-            </a:lvl1pPr>
-          </a:lstStyle>
-          <a:p>
-            <a:r>
-              <a:t>C</a:t>
-            </a:r>
-          </a:p>
-        </p:txBody>
-      </p:sp>
-      <p:sp>
-        <p:nvSpPr>
-          <p:cNvPr id="487" name="+"/>
-          <p:cNvSpPr txBox="1"/>
-          <p:nvPr/>
-        </p:nvSpPr>
-        <p:spPr>
-          <a:xfrm>
-            <a:off x="2733015" y="4126022"/>
-            <a:ext cx="351632" cy="558801"/>
-          </a:xfrm>
-          <a:prstGeom prst="rect">
-            <a:avLst/>
-          </a:prstGeom>
-          <a:ln w="12700">
-            <a:miter lim="400000"/>
-          </a:ln>
-          <a:extLst>
-            <a:ext uri="{C572A759-6A51-4108-AA02-DFA0A04FC94B}">
-              <ma14:wrappingTextBoxFlag xmlns="" xmlns:m="http://schemas.openxmlformats.org/officeDocument/2006/math" xmlns:a14="http://schemas.microsoft.com/office/drawing/2010/main" xmlns:ma14="http://schemas.microsoft.com/office/mac/drawingml/2011/main" val="1"/>
-            </a:ext>
-          </a:extLst>
-        </p:spPr>
-        <p:txBody>
-          <a:bodyPr wrap="none" lIns="50800" tIns="50800" rIns="50800" bIns="50800" anchor="ctr">
-            <a:spAutoFit/>
-          </a:bodyPr>
-          <a:lstStyle>
-            <a:lvl1pPr>
-              <a:defRPr sz="3200" b="0"/>
-            </a:lvl1pPr>
-          </a:lstStyle>
-          <a:p>
-            <a:r>
-              <a:t>+</a:t>
-            </a:r>
-          </a:p>
-        </p:txBody>
-      </p:sp>
-      <p:sp>
-        <p:nvSpPr>
-          <p:cNvPr id="488" name="don't need to understand…"/>
-          <p:cNvSpPr txBox="1"/>
-          <p:nvPr/>
-        </p:nvSpPr>
-        <p:spPr>
-          <a:xfrm>
-            <a:off x="1399356" y="4939643"/>
-            <a:ext cx="2586088" cy="685801"/>
-          </a:xfrm>
-          <a:prstGeom prst="rect">
-            <a:avLst/>
-          </a:prstGeom>
-          <a:ln w="12700">
-            <a:miter lim="400000"/>
-          </a:ln>
-          <a:extLst>
-            <a:ext uri="{C572A759-6A51-4108-AA02-DFA0A04FC94B}">
-              <ma14:wrappingTextBoxFlag xmlns="" xmlns:m="http://schemas.openxmlformats.org/officeDocument/2006/math" xmlns:a14="http://schemas.microsoft.com/office/drawing/2010/main" xmlns:ma14="http://schemas.microsoft.com/office/mac/drawingml/2011/main" val="1"/>
-            </a:ext>
-          </a:extLst>
-        </p:spPr>
-        <p:txBody>
-          <a:bodyPr wrap="none" lIns="50800" tIns="50800" rIns="50800" bIns="50800" anchor="ctr">
-            <a:spAutoFit/>
-          </a:bodyPr>
-          <a:lstStyle/>
-          <a:p>
-            <a:pPr>
-              <a:defRPr sz="2000" b="0" i="1"/>
-            </a:pPr>
-            <a:r>
-              <a:t>don't need to understand</a:t>
-            </a:r>
-          </a:p>
-          <a:p>
-            <a:pPr>
-              <a:defRPr sz="2000" b="0" i="1"/>
-            </a:pPr>
-            <a:r>
-              <a:t>this snippet yet</a:t>
+            </a:pPr>
+            <a:r>
+              <a:t>Goal: find number of primes less than N, cache previous return vals</a:t>
+            </a:r>
+          </a:p>
+          <a:p>
+            <a:pPr marL="0" lvl="5" indent="0">
+              <a:buSzTx/>
+              <a:buNone/>
+            </a:pPr>
+            <a:r>
+              <a:rPr b="1"/>
+              <a:t>Input</a:t>
+            </a:r>
+            <a:r>
+              <a:t>:</a:t>
+            </a:r>
+          </a:p>
+          <a:p>
+            <a:pPr marL="635000" indent="-444500">
+              <a:spcBef>
+                <a:spcPts val="0"/>
+              </a:spcBef>
+              <a:defRPr sz="2800"/>
+            </a:pPr>
+            <a:r>
+              <a:t>An integer N</a:t>
+            </a:r>
+          </a:p>
+          <a:p>
+            <a:pPr marL="0" lvl="5" indent="0">
+              <a:buSzTx/>
+              <a:buNone/>
+            </a:pPr>
+            <a:r>
+              <a:rPr b="1"/>
+              <a:t>Output</a:t>
+            </a:r>
+            <a:r>
+              <a:t>:</a:t>
+            </a:r>
+          </a:p>
+          <a:p>
+            <a:pPr marL="635000" indent="-444500">
+              <a:spcBef>
+                <a:spcPts val="0"/>
+              </a:spcBef>
+              <a:defRPr sz="2800"/>
+            </a:pPr>
+            <a:r>
+              <a:t>How many primes are less than that number</a:t>
             </a:r>
           </a:p>
         </p:txBody>
@@ -16452,1009 +14450,6 @@
       </p:grpSpPr>
       <p:sp>
         <p:nvSpPr>
-          <p:cNvPr id="491" name="Demo 1: Number Count"/>
-          <p:cNvSpPr txBox="1">
-            <a:spLocks noGrp="1"/>
-          </p:cNvSpPr>
-          <p:nvPr>
-            <p:ph type="title"/>
-          </p:nvPr>
-        </p:nvSpPr>
-        <p:spPr>
-          <a:xfrm>
-            <a:off x="952500" y="254000"/>
-            <a:ext cx="11099800" cy="902345"/>
-          </a:xfrm>
-          <a:prstGeom prst="rect">
-            <a:avLst/>
-          </a:prstGeom>
-        </p:spPr>
-        <p:txBody>
-          <a:bodyPr/>
-          <a:lstStyle>
-            <a:lvl1pPr algn="l">
-              <a:defRPr sz="4800"/>
-            </a:lvl1pPr>
-          </a:lstStyle>
-          <a:p>
-            <a:r>
-              <a:t>Demo 1: Number Count</a:t>
-            </a:r>
-          </a:p>
-        </p:txBody>
-      </p:sp>
-      <p:sp>
-        <p:nvSpPr>
-          <p:cNvPr id="492" name="Goal: count the numbers in a list saved as a JSON file…"/>
-          <p:cNvSpPr txBox="1">
-            <a:spLocks noGrp="1"/>
-          </p:cNvSpPr>
-          <p:nvPr>
-            <p:ph type="body" idx="1"/>
-          </p:nvPr>
-        </p:nvSpPr>
-        <p:spPr>
-          <a:xfrm>
-            <a:off x="952500" y="1587896"/>
-            <a:ext cx="11540877" cy="7684494"/>
-          </a:xfrm>
-          <a:prstGeom prst="rect">
-            <a:avLst/>
-          </a:prstGeom>
-        </p:spPr>
-        <p:txBody>
-          <a:bodyPr anchor="t"/>
-          <a:lstStyle/>
-          <a:p>
-            <a:pPr marL="0" lvl="5" indent="0">
-              <a:buSzTx/>
-              <a:buNone/>
-              <a:defRPr>
-                <a:solidFill>
-                  <a:schemeClr val="accent5">
-                    <a:hueOff val="-82419"/>
-                    <a:satOff val="-9513"/>
-                    <a:lumOff val="-16343"/>
-                  </a:schemeClr>
-                </a:solidFill>
-              </a:defRPr>
-            </a:pPr>
-            <a:r>
-              <a:t>Goal: count the numbers in a list saved as a JSON file</a:t>
-            </a:r>
-          </a:p>
-          <a:p>
-            <a:pPr marL="0" lvl="5" indent="0">
-              <a:buSzTx/>
-              <a:buNone/>
-            </a:pPr>
-            <a:r>
-              <a:rPr b="1"/>
-              <a:t>Input</a:t>
-            </a:r>
-            <a:r>
-              <a:t>:</a:t>
-            </a:r>
-          </a:p>
-          <a:p>
-            <a:pPr marL="635000" indent="-444500">
-              <a:spcBef>
-                <a:spcPts val="0"/>
-              </a:spcBef>
-              <a:defRPr sz="2800"/>
-            </a:pPr>
-            <a:r>
-              <a:t>Location of the file</a:t>
-            </a:r>
-          </a:p>
-          <a:p>
-            <a:pPr marL="0" lvl="5" indent="0">
-              <a:buSzTx/>
-              <a:buNone/>
-            </a:pPr>
-            <a:r>
-              <a:rPr b="1"/>
-              <a:t>Output</a:t>
-            </a:r>
-            <a:r>
-              <a:t>:</a:t>
-            </a:r>
-          </a:p>
-          <a:p>
-            <a:pPr marL="635000" indent="-444500">
-              <a:spcBef>
-                <a:spcPts val="0"/>
-              </a:spcBef>
-              <a:defRPr sz="2800"/>
-            </a:pPr>
-            <a:r>
-              <a:t>The sum</a:t>
-            </a:r>
-          </a:p>
-          <a:p>
-            <a:pPr marL="0" lvl="5" indent="0">
-              <a:buSzTx/>
-              <a:buNone/>
-            </a:pPr>
-            <a:r>
-              <a:rPr b="1"/>
-              <a:t>Example</a:t>
-            </a:r>
-            <a:r>
-              <a:t>:</a:t>
-            </a:r>
-            <a:br/>
-            <a:br>
-              <a:rPr sz="2200"/>
-            </a:br>
-            <a:r>
-              <a:rPr sz="2800"/>
-              <a:t>prompt&gt; </a:t>
-            </a:r>
-            <a:r>
-              <a:rPr sz="2800" b="1"/>
-              <a:t>python sum.py fileA.json</a:t>
-            </a:r>
-            <a:br>
-              <a:rPr sz="2800" b="1"/>
-            </a:br>
-            <a:r>
-              <a:rPr sz="2800"/>
-              <a:t>6</a:t>
-            </a:r>
-            <a:br>
-              <a:rPr sz="2800"/>
-            </a:br>
-            <a:endParaRPr sz="2800"/>
-          </a:p>
-        </p:txBody>
-      </p:sp>
-      <p:sp>
-        <p:nvSpPr>
-          <p:cNvPr id="493" name="[1,2,3]"/>
-          <p:cNvSpPr/>
-          <p:nvPr/>
-        </p:nvSpPr>
-        <p:spPr>
-          <a:xfrm>
-            <a:off x="9588500" y="7035800"/>
-            <a:ext cx="1591420" cy="987029"/>
-          </a:xfrm>
-          <a:prstGeom prst="rect">
-            <a:avLst/>
-          </a:prstGeom>
-          <a:solidFill>
-            <a:srgbClr val="D6D5D5"/>
-          </a:solidFill>
-          <a:ln w="12700">
-            <a:solidFill>
-              <a:srgbClr val="000000"/>
-            </a:solidFill>
-            <a:miter lim="400000"/>
-          </a:ln>
-          <a:extLst>
-            <a:ext uri="{C572A759-6A51-4108-AA02-DFA0A04FC94B}">
-              <ma14:wrappingTextBoxFlag xmlns="" xmlns:m="http://schemas.openxmlformats.org/officeDocument/2006/math" xmlns:a14="http://schemas.microsoft.com/office/drawing/2010/main" xmlns:ma14="http://schemas.microsoft.com/office/mac/drawingml/2011/main" val="1"/>
-            </a:ext>
-          </a:extLst>
-        </p:spPr>
-        <p:txBody>
-          <a:bodyPr lIns="50800" tIns="50800" rIns="50800" bIns="50800"/>
-          <a:lstStyle>
-            <a:lvl1pPr algn="l">
-              <a:defRPr sz="2200" b="0"/>
-            </a:lvl1pPr>
-          </a:lstStyle>
-          <a:p>
-            <a:r>
-              <a:t>[1,2,3]</a:t>
-            </a:r>
-          </a:p>
-        </p:txBody>
-      </p:sp>
-      <p:sp>
-        <p:nvSpPr>
-          <p:cNvPr id="494" name="fileA.json"/>
-          <p:cNvSpPr txBox="1"/>
-          <p:nvPr/>
-        </p:nvSpPr>
-        <p:spPr>
-          <a:xfrm>
-            <a:off x="9483080" y="6476999"/>
-            <a:ext cx="1557040" cy="457201"/>
-          </a:xfrm>
-          <a:prstGeom prst="rect">
-            <a:avLst/>
-          </a:prstGeom>
-          <a:ln w="12700">
-            <a:miter lim="400000"/>
-          </a:ln>
-          <a:extLst>
-            <a:ext uri="{C572A759-6A51-4108-AA02-DFA0A04FC94B}">
-              <ma14:wrappingTextBoxFlag xmlns="" xmlns:m="http://schemas.openxmlformats.org/officeDocument/2006/math" xmlns:a14="http://schemas.microsoft.com/office/drawing/2010/main" xmlns:ma14="http://schemas.microsoft.com/office/mac/drawingml/2011/main" val="1"/>
-            </a:ext>
-          </a:extLst>
-        </p:spPr>
-        <p:txBody>
-          <a:bodyPr wrap="none" lIns="50800" tIns="50800" rIns="50800" bIns="50800" anchor="ctr">
-            <a:spAutoFit/>
-          </a:bodyPr>
-          <a:lstStyle/>
-          <a:p>
-            <a:r>
-              <a:t>fileA.json</a:t>
-            </a:r>
-          </a:p>
-        </p:txBody>
-      </p:sp>
-    </p:spTree>
-  </p:cSld>
-  <p:clrMapOvr>
-    <a:masterClrMapping/>
-  </p:clrMapOvr>
-  <p:transition spd="med"/>
-</p:sld>
-</file>
-
-<file path=ppt/slides/slide23.xml><?xml version="1.0" encoding="utf-8"?>
-<p:sld xmlns:a="http://schemas.openxmlformats.org/drawingml/2006/main" xmlns:r="http://schemas.openxmlformats.org/officeDocument/2006/relationships" xmlns:p="http://schemas.openxmlformats.org/presentationml/2006/main">
-  <p:cSld>
-    <p:spTree>
-      <p:nvGrpSpPr>
-        <p:cNvPr id="1" name=""/>
-        <p:cNvGrpSpPr/>
-        <p:nvPr/>
-      </p:nvGrpSpPr>
-      <p:grpSpPr>
-        <a:xfrm>
-          <a:off x="0" y="0"/>
-          <a:ext cx="0" cy="0"/>
-          <a:chOff x="0" y="0"/>
-          <a:chExt cx="0" cy="0"/>
-        </a:xfrm>
-      </p:grpSpPr>
-      <p:sp>
-        <p:nvSpPr>
-          <p:cNvPr id="501" name="Demo 3: Score Tracker"/>
-          <p:cNvSpPr txBox="1">
-            <a:spLocks noGrp="1"/>
-          </p:cNvSpPr>
-          <p:nvPr>
-            <p:ph type="title"/>
-          </p:nvPr>
-        </p:nvSpPr>
-        <p:spPr>
-          <a:xfrm>
-            <a:off x="952500" y="254000"/>
-            <a:ext cx="11099800" cy="902345"/>
-          </a:xfrm>
-          <a:prstGeom prst="rect">
-            <a:avLst/>
-          </a:prstGeom>
-        </p:spPr>
-        <p:txBody>
-          <a:bodyPr/>
-          <a:lstStyle>
-            <a:lvl1pPr algn="l">
-              <a:defRPr sz="4800"/>
-            </a:lvl1pPr>
-          </a:lstStyle>
-          <a:p>
-            <a:r>
-              <a:rPr dirty="0"/>
-              <a:t>Demo </a:t>
-            </a:r>
-            <a:r>
-              <a:rPr lang="en-US" dirty="0"/>
-              <a:t>2</a:t>
-            </a:r>
-            <a:r>
-              <a:rPr dirty="0"/>
-              <a:t>: Score Tracker</a:t>
-            </a:r>
-          </a:p>
-        </p:txBody>
-      </p:sp>
-      <p:sp>
-        <p:nvSpPr>
-          <p:cNvPr id="502" name="Goal: record scores (save across runs) and print average…"/>
-          <p:cNvSpPr txBox="1">
-            <a:spLocks noGrp="1"/>
-          </p:cNvSpPr>
-          <p:nvPr>
-            <p:ph type="body" idx="1"/>
-          </p:nvPr>
-        </p:nvSpPr>
-        <p:spPr>
-          <a:xfrm>
-            <a:off x="952500" y="1587896"/>
-            <a:ext cx="11540877" cy="7684494"/>
-          </a:xfrm>
-          <a:prstGeom prst="rect">
-            <a:avLst/>
-          </a:prstGeom>
-        </p:spPr>
-        <p:txBody>
-          <a:bodyPr anchor="t"/>
-          <a:lstStyle/>
-          <a:p>
-            <a:pPr marL="0" lvl="5" indent="0">
-              <a:buSzTx/>
-              <a:buNone/>
-              <a:defRPr>
-                <a:solidFill>
-                  <a:schemeClr val="accent5">
-                    <a:hueOff val="-82419"/>
-                    <a:satOff val="-9513"/>
-                    <a:lumOff val="-16343"/>
-                  </a:schemeClr>
-                </a:solidFill>
-              </a:defRPr>
-            </a:pPr>
-            <a:r>
-              <a:t>Goal: record scores (save across runs) and print average</a:t>
-            </a:r>
-          </a:p>
-          <a:p>
-            <a:pPr marL="0" lvl="5" indent="0">
-              <a:buSzTx/>
-              <a:buNone/>
-            </a:pPr>
-            <a:r>
-              <a:rPr b="1"/>
-              <a:t>Input</a:t>
-            </a:r>
-            <a:r>
-              <a:t>:</a:t>
-            </a:r>
-          </a:p>
-          <a:p>
-            <a:pPr marL="635000" indent="-444500">
-              <a:spcBef>
-                <a:spcPts val="0"/>
-              </a:spcBef>
-              <a:defRPr sz="2800"/>
-            </a:pPr>
-            <a:r>
-              <a:t>A </a:t>
-            </a:r>
-            <a:r>
-              <a:rPr b="1"/>
-              <a:t>name</a:t>
-            </a:r>
-            <a:r>
-              <a:t> and a </a:t>
-            </a:r>
-            <a:r>
-              <a:rPr b="1"/>
-              <a:t>score</a:t>
-            </a:r>
-            <a:r>
-              <a:t> to record</a:t>
-            </a:r>
-          </a:p>
-          <a:p>
-            <a:pPr marL="0" lvl="5" indent="0">
-              <a:buSzTx/>
-              <a:buNone/>
-            </a:pPr>
-            <a:r>
-              <a:rPr b="1"/>
-              <a:t>Output</a:t>
-            </a:r>
-            <a:r>
-              <a:t>:</a:t>
-            </a:r>
-          </a:p>
-          <a:p>
-            <a:pPr marL="635000" indent="-444500">
-              <a:spcBef>
-                <a:spcPts val="0"/>
-              </a:spcBef>
-              <a:defRPr sz="2800"/>
-            </a:pPr>
-            <a:r>
-              <a:t>Running average for that person</a:t>
-            </a:r>
-          </a:p>
-          <a:p>
-            <a:pPr marL="0" lvl="5" indent="0">
-              <a:buSzTx/>
-              <a:buNone/>
-            </a:pPr>
-            <a:r>
-              <a:rPr b="1"/>
-              <a:t>Example</a:t>
-            </a:r>
-            <a:r>
-              <a:t>:</a:t>
-            </a:r>
-            <a:br/>
-            <a:br>
-              <a:rPr sz="2200"/>
-            </a:br>
-            <a:r>
-              <a:rPr sz="2800"/>
-              <a:t>prompt&gt; </a:t>
-            </a:r>
-            <a:r>
-              <a:rPr sz="2800" b="1"/>
-              <a:t>python record.py alice 10</a:t>
-            </a:r>
-            <a:br>
-              <a:rPr sz="2800" b="1"/>
-            </a:br>
-            <a:r>
-              <a:rPr sz="2800"/>
-              <a:t>Alice Avg: 10</a:t>
-            </a:r>
-            <a:br>
-              <a:rPr sz="2800"/>
-            </a:br>
-            <a:r>
-              <a:rPr sz="2800"/>
-              <a:t>prompt&gt; </a:t>
-            </a:r>
-            <a:r>
-              <a:rPr sz="2800" b="1"/>
-              <a:t>python record.py alice 20</a:t>
-            </a:r>
-            <a:br>
-              <a:rPr sz="2800" b="1"/>
-            </a:br>
-            <a:r>
-              <a:rPr sz="2800"/>
-              <a:t>Alice Avg: 15</a:t>
-            </a:r>
-            <a:br>
-              <a:rPr sz="2800"/>
-            </a:br>
-            <a:r>
-              <a:rPr sz="2800"/>
-              <a:t>prompt&gt; </a:t>
-            </a:r>
-            <a:r>
-              <a:rPr sz="2800" b="1"/>
-              <a:t>python record.py bob 13</a:t>
-            </a:r>
-            <a:br>
-              <a:rPr sz="2800" b="1"/>
-            </a:br>
-            <a:r>
-              <a:rPr sz="2800"/>
-              <a:t>Bob Avg: 13</a:t>
-            </a:r>
-          </a:p>
-        </p:txBody>
-      </p:sp>
-    </p:spTree>
-  </p:cSld>
-  <p:clrMapOvr>
-    <a:masterClrMapping/>
-  </p:clrMapOvr>
-  <p:transition spd="med"/>
-</p:sld>
-</file>
-
-<file path=ppt/slides/slide24.xml><?xml version="1.0" encoding="utf-8"?>
-<p:sld xmlns:a="http://schemas.openxmlformats.org/drawingml/2006/main" xmlns:r="http://schemas.openxmlformats.org/officeDocument/2006/relationships" xmlns:p="http://schemas.openxmlformats.org/presentationml/2006/main">
-  <p:cSld>
-    <p:spTree>
-      <p:nvGrpSpPr>
-        <p:cNvPr id="1" name=""/>
-        <p:cNvGrpSpPr/>
-        <p:nvPr/>
-      </p:nvGrpSpPr>
-      <p:grpSpPr>
-        <a:xfrm>
-          <a:off x="0" y="0"/>
-          <a:ext cx="0" cy="0"/>
-          <a:chOff x="0" y="0"/>
-          <a:chExt cx="0" cy="0"/>
-        </a:xfrm>
-      </p:grpSpPr>
-      <p:sp>
-        <p:nvSpPr>
-          <p:cNvPr id="496" name="Demo 2: FIFA JSON"/>
-          <p:cNvSpPr txBox="1">
-            <a:spLocks noGrp="1"/>
-          </p:cNvSpPr>
-          <p:nvPr>
-            <p:ph type="title"/>
-          </p:nvPr>
-        </p:nvSpPr>
-        <p:spPr>
-          <a:xfrm>
-            <a:off x="952500" y="254000"/>
-            <a:ext cx="11099800" cy="902345"/>
-          </a:xfrm>
-          <a:prstGeom prst="rect">
-            <a:avLst/>
-          </a:prstGeom>
-        </p:spPr>
-        <p:txBody>
-          <a:bodyPr/>
-          <a:lstStyle>
-            <a:lvl1pPr algn="l">
-              <a:defRPr sz="4800"/>
-            </a:lvl1pPr>
-          </a:lstStyle>
-          <a:p>
-            <a:r>
-              <a:rPr dirty="0"/>
-              <a:t>Demo </a:t>
-            </a:r>
-            <a:r>
-              <a:rPr lang="en-US" dirty="0"/>
-              <a:t>3</a:t>
-            </a:r>
-            <a:r>
-              <a:rPr dirty="0"/>
-              <a:t>: FIFA JSON</a:t>
-            </a:r>
-          </a:p>
-        </p:txBody>
-      </p:sp>
-      <p:sp>
-        <p:nvSpPr>
-          <p:cNvPr id="497" name="Goal: lookup stats about players…"/>
-          <p:cNvSpPr txBox="1">
-            <a:spLocks noGrp="1"/>
-          </p:cNvSpPr>
-          <p:nvPr>
-            <p:ph type="body" idx="1"/>
-          </p:nvPr>
-        </p:nvSpPr>
-        <p:spPr>
-          <a:xfrm>
-            <a:off x="952500" y="1587896"/>
-            <a:ext cx="11540877" cy="7684494"/>
-          </a:xfrm>
-          <a:prstGeom prst="rect">
-            <a:avLst/>
-          </a:prstGeom>
-        </p:spPr>
-        <p:txBody>
-          <a:bodyPr anchor="t"/>
-          <a:lstStyle/>
-          <a:p>
-            <a:pPr marL="0" lvl="5" indent="0">
-              <a:buSzTx/>
-              <a:buNone/>
-              <a:defRPr>
-                <a:solidFill>
-                  <a:schemeClr val="accent5">
-                    <a:hueOff val="-82419"/>
-                    <a:satOff val="-9513"/>
-                    <a:lumOff val="-16343"/>
-                  </a:schemeClr>
-                </a:solidFill>
-              </a:defRPr>
-            </a:pPr>
-            <a:r>
-              <a:t>Goal: lookup stats about players</a:t>
-            </a:r>
-          </a:p>
-          <a:p>
-            <a:pPr marL="0" lvl="5" indent="0">
-              <a:buSzTx/>
-              <a:buNone/>
-            </a:pPr>
-            <a:r>
-              <a:rPr b="1"/>
-              <a:t>Input</a:t>
-            </a:r>
-            <a:r>
-              <a:t>:</a:t>
-            </a:r>
-          </a:p>
-          <a:p>
-            <a:pPr marL="635000" indent="-444500">
-              <a:spcBef>
-                <a:spcPts val="0"/>
-              </a:spcBef>
-              <a:defRPr sz="2800"/>
-            </a:pPr>
-            <a:r>
-              <a:t>Player ID and column</a:t>
-            </a:r>
-          </a:p>
-          <a:p>
-            <a:pPr marL="0" lvl="5" indent="0">
-              <a:buSzTx/>
-              <a:buNone/>
-            </a:pPr>
-            <a:r>
-              <a:rPr b="1"/>
-              <a:t>Output</a:t>
-            </a:r>
-            <a:r>
-              <a:t>:</a:t>
-            </a:r>
-          </a:p>
-          <a:p>
-            <a:pPr marL="635000" indent="-444500">
-              <a:spcBef>
-                <a:spcPts val="0"/>
-              </a:spcBef>
-              <a:defRPr sz="2800"/>
-            </a:pPr>
-            <a:r>
-              <a:t>The value</a:t>
-            </a:r>
-          </a:p>
-          <a:p>
-            <a:pPr marL="0" lvl="5" indent="0">
-              <a:buSzTx/>
-              <a:buNone/>
-            </a:pPr>
-            <a:r>
-              <a:rPr b="1"/>
-              <a:t>Example</a:t>
-            </a:r>
-            <a:r>
-              <a:t>:</a:t>
-            </a:r>
-            <a:br/>
-            <a:br>
-              <a:rPr sz="2200"/>
-            </a:br>
-            <a:r>
-              <a:rPr sz="2800"/>
-              <a:t>prompt&gt; </a:t>
-            </a:r>
-            <a:r>
-              <a:rPr sz="2800" b="1"/>
-              <a:t>python lookup.py 20801 name</a:t>
-            </a:r>
-            <a:br>
-              <a:rPr sz="2800" b="1"/>
-            </a:br>
-            <a:r>
-              <a:rPr sz="2800"/>
-              <a:t>Cristiano Ronaldo</a:t>
-            </a:r>
-            <a:br>
-              <a:rPr sz="2800" b="1"/>
-            </a:br>
-            <a:endParaRPr sz="2800" b="1"/>
-          </a:p>
-        </p:txBody>
-      </p:sp>
-      <p:sp>
-        <p:nvSpPr>
-          <p:cNvPr id="498" name="{…"/>
-          <p:cNvSpPr/>
-          <p:nvPr/>
-        </p:nvSpPr>
-        <p:spPr>
-          <a:xfrm>
-            <a:off x="7340600" y="3175000"/>
-            <a:ext cx="5095280" cy="2840534"/>
-          </a:xfrm>
-          <a:prstGeom prst="rect">
-            <a:avLst/>
-          </a:prstGeom>
-          <a:solidFill>
-            <a:srgbClr val="D6D5D5"/>
-          </a:solidFill>
-          <a:ln w="12700">
-            <a:solidFill>
-              <a:srgbClr val="000000"/>
-            </a:solidFill>
-            <a:miter lim="400000"/>
-          </a:ln>
-          <a:extLst>
-            <a:ext uri="{C572A759-6A51-4108-AA02-DFA0A04FC94B}">
-              <ma14:wrappingTextBoxFlag xmlns="" xmlns:m="http://schemas.openxmlformats.org/officeDocument/2006/math" xmlns:a14="http://schemas.microsoft.com/office/drawing/2010/main" xmlns:ma14="http://schemas.microsoft.com/office/mac/drawingml/2011/main" val="1"/>
-            </a:ext>
-          </a:extLst>
-        </p:spPr>
-        <p:txBody>
-          <a:bodyPr lIns="50800" tIns="50800" rIns="50800" bIns="50800"/>
-          <a:lstStyle/>
-          <a:p>
-            <a:pPr algn="l">
-              <a:defRPr sz="1600" b="0"/>
-            </a:pPr>
-            <a:r>
-              <a:t>{</a:t>
-            </a:r>
-          </a:p>
-          <a:p>
-            <a:pPr algn="l">
-              <a:defRPr sz="1600" b="0"/>
-            </a:pPr>
-            <a:r>
-              <a:t>  "20801": {</a:t>
-            </a:r>
-          </a:p>
-          <a:p>
-            <a:pPr algn="l">
-              <a:defRPr sz="1600" b="0"/>
-            </a:pPr>
-            <a:r>
-              <a:t>    "name": "Cristiano Ronaldo",</a:t>
-            </a:r>
-          </a:p>
-          <a:p>
-            <a:pPr algn="l">
-              <a:defRPr sz="1600" b="0"/>
-            </a:pPr>
-            <a:r>
-              <a:t>    "Age": 32,</a:t>
-            </a:r>
-          </a:p>
-          <a:p>
-            <a:pPr algn="l">
-              <a:defRPr sz="1600" b="0"/>
-            </a:pPr>
-            <a:r>
-              <a:t>    "nationality": "Portugal",</a:t>
-            </a:r>
-          </a:p>
-          <a:p>
-            <a:pPr algn="l">
-              <a:defRPr sz="1600" b="0"/>
-            </a:pPr>
-            <a:r>
-              <a:t>    "club": "Real Madrid CF",</a:t>
-            </a:r>
-          </a:p>
-          <a:p>
-            <a:pPr algn="l">
-              <a:defRPr sz="1600" b="0"/>
-            </a:pPr>
-            <a:r>
-              <a:t>    "league": "Spanish Primera Divisi\u00f3n",</a:t>
-            </a:r>
-          </a:p>
-          <a:p>
-            <a:pPr algn="l">
-              <a:defRPr sz="1600" b="0"/>
-            </a:pPr>
-            <a:r>
-              <a:t>    "euro_wage": 565000,</a:t>
-            </a:r>
-          </a:p>
-          <a:p>
-            <a:pPr algn="l">
-              <a:defRPr sz="1600" b="0"/>
-            </a:pPr>
-            <a:r>
-              <a:t>    "networth": 95500000,</a:t>
-            </a:r>
-          </a:p>
-          <a:p>
-            <a:pPr algn="l">
-              <a:defRPr sz="1600" b="0"/>
-            </a:pPr>
-            <a:r>
-              <a:t>    "score_of_100": 94</a:t>
-            </a:r>
-          </a:p>
-          <a:p>
-            <a:pPr algn="l">
-              <a:defRPr sz="1600" b="0"/>
-            </a:pPr>
-            <a:r>
-              <a:t>...</a:t>
-            </a:r>
-          </a:p>
-        </p:txBody>
-      </p:sp>
-      <p:sp>
-        <p:nvSpPr>
-          <p:cNvPr id="499" name="fifa.json"/>
-          <p:cNvSpPr txBox="1"/>
-          <p:nvPr/>
-        </p:nvSpPr>
-        <p:spPr>
-          <a:xfrm>
-            <a:off x="7352158" y="2616199"/>
-            <a:ext cx="1323083" cy="457201"/>
-          </a:xfrm>
-          <a:prstGeom prst="rect">
-            <a:avLst/>
-          </a:prstGeom>
-          <a:ln w="12700">
-            <a:miter lim="400000"/>
-          </a:ln>
-          <a:extLst>
-            <a:ext uri="{C572A759-6A51-4108-AA02-DFA0A04FC94B}">
-              <ma14:wrappingTextBoxFlag xmlns="" xmlns:m="http://schemas.openxmlformats.org/officeDocument/2006/math" xmlns:a14="http://schemas.microsoft.com/office/drawing/2010/main" xmlns:ma14="http://schemas.microsoft.com/office/mac/drawingml/2011/main" val="1"/>
-            </a:ext>
-          </a:extLst>
-        </p:spPr>
-        <p:txBody>
-          <a:bodyPr wrap="none" lIns="50800" tIns="50800" rIns="50800" bIns="50800" anchor="ctr">
-            <a:spAutoFit/>
-          </a:bodyPr>
-          <a:lstStyle/>
-          <a:p>
-            <a:r>
-              <a:t>fifa.json</a:t>
-            </a:r>
-          </a:p>
-        </p:txBody>
-      </p:sp>
-    </p:spTree>
-  </p:cSld>
-  <p:clrMapOvr>
-    <a:masterClrMapping/>
-  </p:clrMapOvr>
-  <p:transition spd="med"/>
-</p:sld>
-</file>
-
-<file path=ppt/slides/slide25.xml><?xml version="1.0" encoding="utf-8"?>
-<p:sld xmlns:a="http://schemas.openxmlformats.org/drawingml/2006/main" xmlns:r="http://schemas.openxmlformats.org/officeDocument/2006/relationships" xmlns:p="http://schemas.openxmlformats.org/presentationml/2006/main">
-  <p:cSld>
-    <p:spTree>
-      <p:nvGrpSpPr>
-        <p:cNvPr id="1" name=""/>
-        <p:cNvGrpSpPr/>
-        <p:nvPr/>
-      </p:nvGrpSpPr>
-      <p:grpSpPr>
-        <a:xfrm>
-          <a:off x="0" y="0"/>
-          <a:ext cx="0" cy="0"/>
-          <a:chOff x="0" y="0"/>
-          <a:chExt cx="0" cy="0"/>
-        </a:xfrm>
-      </p:grpSpPr>
-      <p:sp>
-        <p:nvSpPr>
-          <p:cNvPr id="504" name="Demo 4: Prime Cache"/>
-          <p:cNvSpPr txBox="1">
-            <a:spLocks noGrp="1"/>
-          </p:cNvSpPr>
-          <p:nvPr>
-            <p:ph type="title"/>
-          </p:nvPr>
-        </p:nvSpPr>
-        <p:spPr>
-          <a:xfrm>
-            <a:off x="952500" y="254000"/>
-            <a:ext cx="11099800" cy="902345"/>
-          </a:xfrm>
-          <a:prstGeom prst="rect">
-            <a:avLst/>
-          </a:prstGeom>
-        </p:spPr>
-        <p:txBody>
-          <a:bodyPr/>
-          <a:lstStyle>
-            <a:lvl1pPr algn="l">
-              <a:defRPr sz="4800"/>
-            </a:lvl1pPr>
-          </a:lstStyle>
-          <a:p>
-            <a:r>
-              <a:t>Demo 4: Prime Cache</a:t>
-            </a:r>
-          </a:p>
-        </p:txBody>
-      </p:sp>
-      <p:sp>
-        <p:nvSpPr>
-          <p:cNvPr id="505" name="Goal: find number of primes less than N, cache previous return vals…"/>
-          <p:cNvSpPr txBox="1">
-            <a:spLocks noGrp="1"/>
-          </p:cNvSpPr>
-          <p:nvPr>
-            <p:ph type="body" idx="1"/>
-          </p:nvPr>
-        </p:nvSpPr>
-        <p:spPr>
-          <a:xfrm>
-            <a:off x="952500" y="1587896"/>
-            <a:ext cx="11540877" cy="7684494"/>
-          </a:xfrm>
-          <a:prstGeom prst="rect">
-            <a:avLst/>
-          </a:prstGeom>
-        </p:spPr>
-        <p:txBody>
-          <a:bodyPr anchor="t"/>
-          <a:lstStyle/>
-          <a:p>
-            <a:pPr marL="0" lvl="5" indent="0">
-              <a:buSzTx/>
-              <a:buNone/>
-              <a:defRPr>
-                <a:solidFill>
-                  <a:schemeClr val="accent5">
-                    <a:hueOff val="-82419"/>
-                    <a:satOff val="-9513"/>
-                    <a:lumOff val="-16343"/>
-                  </a:schemeClr>
-                </a:solidFill>
-              </a:defRPr>
-            </a:pPr>
-            <a:r>
-              <a:t>Goal: find number of primes less than N, cache previous return vals</a:t>
-            </a:r>
-          </a:p>
-          <a:p>
-            <a:pPr marL="0" lvl="5" indent="0">
-              <a:buSzTx/>
-              <a:buNone/>
-            </a:pPr>
-            <a:r>
-              <a:rPr b="1"/>
-              <a:t>Input</a:t>
-            </a:r>
-            <a:r>
-              <a:t>:</a:t>
-            </a:r>
-          </a:p>
-          <a:p>
-            <a:pPr marL="635000" indent="-444500">
-              <a:spcBef>
-                <a:spcPts val="0"/>
-              </a:spcBef>
-              <a:defRPr sz="2800"/>
-            </a:pPr>
-            <a:r>
-              <a:t>An integer N</a:t>
-            </a:r>
-          </a:p>
-          <a:p>
-            <a:pPr marL="0" lvl="5" indent="0">
-              <a:buSzTx/>
-              <a:buNone/>
-            </a:pPr>
-            <a:r>
-              <a:rPr b="1"/>
-              <a:t>Output</a:t>
-            </a:r>
-            <a:r>
-              <a:t>:</a:t>
-            </a:r>
-          </a:p>
-          <a:p>
-            <a:pPr marL="635000" indent="-444500">
-              <a:spcBef>
-                <a:spcPts val="0"/>
-              </a:spcBef>
-              <a:defRPr sz="2800"/>
-            </a:pPr>
-            <a:r>
-              <a:t>How many primes are less than that number</a:t>
-            </a:r>
-          </a:p>
-        </p:txBody>
-      </p:sp>
-    </p:spTree>
-  </p:cSld>
-  <p:clrMapOvr>
-    <a:masterClrMapping/>
-  </p:clrMapOvr>
-  <p:transition spd="med"/>
-</p:sld>
-</file>
-
-<file path=ppt/slides/slide26.xml><?xml version="1.0" encoding="utf-8"?>
-<p:sld xmlns:a="http://schemas.openxmlformats.org/drawingml/2006/main" xmlns:r="http://schemas.openxmlformats.org/officeDocument/2006/relationships" xmlns:p="http://schemas.openxmlformats.org/presentationml/2006/main">
-  <p:cSld>
-    <p:spTree>
-      <p:nvGrpSpPr>
-        <p:cNvPr id="1" name=""/>
-        <p:cNvGrpSpPr/>
-        <p:nvPr/>
-      </p:nvGrpSpPr>
-      <p:grpSpPr>
-        <a:xfrm>
-          <a:off x="0" y="0"/>
-          <a:ext cx="0" cy="0"/>
-          <a:chOff x="0" y="0"/>
-          <a:chExt cx="0" cy="0"/>
-        </a:xfrm>
-      </p:grpSpPr>
-      <p:sp>
-        <p:nvSpPr>
           <p:cNvPr id="507" name="Demo 5: Upper Autocomplete"/>
           <p:cNvSpPr txBox="1">
             <a:spLocks noGrp="1"/>
@@ -20194,7 +17189,7 @@
       </p:grpSpPr>
       <p:sp>
         <p:nvSpPr>
-          <p:cNvPr id="225" name="Double Arrow"/>
+          <p:cNvPr id="243" name="Double Arrow"/>
           <p:cNvSpPr/>
           <p:nvPr/>
         </p:nvSpPr>
@@ -20237,7 +17232,7 @@
       </p:sp>
       <p:sp>
         <p:nvSpPr>
-          <p:cNvPr id="226" name="Double Arrow"/>
+          <p:cNvPr id="244" name="Double Arrow"/>
           <p:cNvSpPr/>
           <p:nvPr/>
         </p:nvSpPr>
@@ -20280,7 +17275,7 @@
       </p:sp>
       <p:sp>
         <p:nvSpPr>
-          <p:cNvPr id="227" name="Python Data Structures and File Formats"/>
+          <p:cNvPr id="245" name="Python Data Structures and File Formats"/>
           <p:cNvSpPr txBox="1">
             <a:spLocks noGrp="1"/>
           </p:cNvSpPr>
@@ -20313,7 +17308,7 @@
       </p:sp>
       <p:sp>
         <p:nvSpPr>
-          <p:cNvPr id="228" name="Python"/>
+          <p:cNvPr id="246" name="Python"/>
           <p:cNvSpPr txBox="1"/>
           <p:nvPr/>
         </p:nvSpPr>
@@ -20348,7 +17343,7 @@
       </p:sp>
       <p:sp>
         <p:nvSpPr>
-          <p:cNvPr id="229" name="File"/>
+          <p:cNvPr id="247" name="File"/>
           <p:cNvSpPr txBox="1"/>
           <p:nvPr/>
         </p:nvSpPr>
@@ -20383,7 +17378,7 @@
       </p:sp>
       <p:sp>
         <p:nvSpPr>
-          <p:cNvPr id="230" name="[…"/>
+          <p:cNvPr id="248" name="[…"/>
           <p:cNvSpPr txBox="1"/>
           <p:nvPr/>
         </p:nvSpPr>
@@ -20478,7 +17473,7 @@
       </p:sp>
       <p:sp>
         <p:nvSpPr>
-          <p:cNvPr id="231" name="name,x,y…"/>
+          <p:cNvPr id="249" name="name,x,y…"/>
           <p:cNvSpPr txBox="1"/>
           <p:nvPr/>
         </p:nvSpPr>
@@ -20550,7 +17545,7 @@
       </p:sp>
       <p:sp>
         <p:nvSpPr>
-          <p:cNvPr id="232" name="list of lists"/>
+          <p:cNvPr id="250" name="list of lists"/>
           <p:cNvSpPr txBox="1"/>
           <p:nvPr/>
         </p:nvSpPr>
@@ -20597,7 +17592,7 @@
       </p:sp>
       <p:sp>
         <p:nvSpPr>
-          <p:cNvPr id="233" name="CSV file"/>
+          <p:cNvPr id="251" name="CSV file"/>
           <p:cNvSpPr txBox="1"/>
           <p:nvPr/>
         </p:nvSpPr>
@@ -20644,7 +17639,7 @@
       </p:sp>
       <p:sp>
         <p:nvSpPr>
-          <p:cNvPr id="234" name="{…"/>
+          <p:cNvPr id="252" name="{…"/>
           <p:cNvSpPr txBox="1"/>
           <p:nvPr/>
         </p:nvSpPr>
@@ -20830,7 +17825,7 @@
       </p:sp>
       <p:sp>
         <p:nvSpPr>
-          <p:cNvPr id="235" name="dict of dicts"/>
+          <p:cNvPr id="253" name="dict of dicts"/>
           <p:cNvSpPr txBox="1"/>
           <p:nvPr/>
         </p:nvSpPr>
@@ -20877,14 +17872,14 @@
       </p:sp>
       <p:sp>
         <p:nvSpPr>
-          <p:cNvPr id="236" name="Rectangle"/>
+          <p:cNvPr id="254" name="Rectangle"/>
           <p:cNvSpPr/>
           <p:nvPr/>
         </p:nvSpPr>
         <p:spPr>
           <a:xfrm>
-            <a:off x="304800" y="1168400"/>
-            <a:ext cx="12395200" cy="8403084"/>
+            <a:off x="304800" y="1280718"/>
+            <a:ext cx="12395200" cy="8403085"/>
           </a:xfrm>
           <a:prstGeom prst="rect">
             <a:avLst/>
@@ -20919,7 +17914,7 @@
       </p:sp>
       <p:sp>
         <p:nvSpPr>
-          <p:cNvPr id="237" name="{…"/>
+          <p:cNvPr id="255" name="{…"/>
           <p:cNvSpPr txBox="1"/>
           <p:nvPr/>
         </p:nvSpPr>
@@ -21047,7 +18042,7 @@
       </p:sp>
       <p:sp>
         <p:nvSpPr>
-          <p:cNvPr id="238" name="JSON file"/>
+          <p:cNvPr id="256" name="JSON file"/>
           <p:cNvSpPr txBox="1"/>
           <p:nvPr/>
         </p:nvSpPr>
@@ -21094,7 +18089,7 @@
       </p:sp>
       <p:sp>
         <p:nvSpPr>
-          <p:cNvPr id="241" name="Connection Line"/>
+          <p:cNvPr id="262" name="Connection Line"/>
           <p:cNvSpPr/>
           <p:nvPr/>
         </p:nvSpPr>
@@ -21157,7 +18152,7 @@
       </p:sp>
       <p:sp>
         <p:nvSpPr>
-          <p:cNvPr id="240" name="JSON files look almost…"/>
+          <p:cNvPr id="258" name="JSON files look almost…"/>
           <p:cNvSpPr txBox="1"/>
           <p:nvPr/>
         </p:nvSpPr>
@@ -21230,6 +18225,133 @@
             <a:r>
               <a:t>for data structures!</a:t>
             </a:r>
+          </a:p>
+        </p:txBody>
+      </p:sp>
+      <p:sp>
+        <p:nvSpPr>
+          <p:cNvPr id="259" name="Rectangle"/>
+          <p:cNvSpPr/>
+          <p:nvPr/>
+        </p:nvSpPr>
+        <p:spPr>
+          <a:xfrm>
+            <a:off x="7556500" y="5410200"/>
+            <a:ext cx="352674" cy="422959"/>
+          </a:xfrm>
+          <a:prstGeom prst="rect">
+            <a:avLst/>
+          </a:prstGeom>
+          <a:ln w="38100">
+            <a:solidFill>
+              <a:srgbClr val="FF2600"/>
+            </a:solidFill>
+            <a:miter lim="400000"/>
+          </a:ln>
+        </p:spPr>
+        <p:txBody>
+          <a:bodyPr lIns="50800" tIns="50800" rIns="50800" bIns="50800" anchor="ctr"/>
+          <a:lstStyle/>
+          <a:p>
+            <a:pPr>
+              <a:defRPr sz="2200" b="0">
+                <a:solidFill>
+                  <a:srgbClr val="FFFFFF"/>
+                </a:solidFill>
+                <a:latin typeface="+mn-lt"/>
+                <a:ea typeface="+mn-ea"/>
+                <a:cs typeface="+mn-cs"/>
+                <a:sym typeface="Gill Sans SemiBold"/>
+              </a:defRPr>
+            </a:pPr>
+            <a:endParaRPr/>
+          </a:p>
+        </p:txBody>
+      </p:sp>
+      <p:sp>
+        <p:nvSpPr>
+          <p:cNvPr id="260" name="dicts use curly braces"/>
+          <p:cNvSpPr txBox="1"/>
+          <p:nvPr/>
+        </p:nvSpPr>
+        <p:spPr>
+          <a:xfrm>
+            <a:off x="3502620" y="4961560"/>
+            <a:ext cx="3408760" cy="457201"/>
+          </a:xfrm>
+          <a:prstGeom prst="rect">
+            <a:avLst/>
+          </a:prstGeom>
+          <a:ln w="12700">
+            <a:miter lim="400000"/>
+          </a:ln>
+          <a:extLst>
+            <a:ext uri="{C572A759-6A51-4108-AA02-DFA0A04FC94B}">
+              <ma14:wrappingTextBoxFlag xmlns="" xmlns:m="http://schemas.openxmlformats.org/officeDocument/2006/math" xmlns:a14="http://schemas.microsoft.com/office/drawing/2010/main" xmlns:ma14="http://schemas.microsoft.com/office/mac/drawingml/2011/main" val="1"/>
+            </a:ext>
+          </a:extLst>
+        </p:spPr>
+        <p:txBody>
+          <a:bodyPr wrap="none" lIns="50800" tIns="50800" rIns="50800" bIns="50800" anchor="ctr">
+            <a:spAutoFit/>
+          </a:bodyPr>
+          <a:lstStyle>
+            <a:lvl1pPr>
+              <a:defRPr>
+                <a:solidFill>
+                  <a:schemeClr val="accent5">
+                    <a:hueOff val="-82419"/>
+                    <a:satOff val="-9513"/>
+                    <a:lumOff val="-16343"/>
+                  </a:schemeClr>
+                </a:solidFill>
+              </a:defRPr>
+            </a:lvl1pPr>
+          </a:lstStyle>
+          <a:p>
+            <a:r>
+              <a:t>dicts use curly braces</a:t>
+            </a:r>
+          </a:p>
+        </p:txBody>
+      </p:sp>
+      <p:sp>
+        <p:nvSpPr>
+          <p:cNvPr id="261" name="Rectangle"/>
+          <p:cNvSpPr/>
+          <p:nvPr/>
+        </p:nvSpPr>
+        <p:spPr>
+          <a:xfrm>
+            <a:off x="7556500" y="7696200"/>
+            <a:ext cx="352674" cy="422959"/>
+          </a:xfrm>
+          <a:prstGeom prst="rect">
+            <a:avLst/>
+          </a:prstGeom>
+          <a:ln w="38100">
+            <a:solidFill>
+              <a:srgbClr val="FF2600"/>
+            </a:solidFill>
+            <a:miter lim="400000"/>
+          </a:ln>
+        </p:spPr>
+        <p:txBody>
+          <a:bodyPr lIns="50800" tIns="50800" rIns="50800" bIns="50800" anchor="ctr"/>
+          <a:lstStyle/>
+          <a:p>
+            <a:pPr>
+              <a:defRPr sz="2200" b="0">
+                <a:solidFill>
+                  <a:srgbClr val="FFFFFF"/>
+                </a:solidFill>
+                <a:latin typeface="+mn-lt"/>
+                <a:ea typeface="+mn-ea"/>
+                <a:cs typeface="+mn-cs"/>
+                <a:sym typeface="Gill Sans SemiBold"/>
+              </a:defRPr>
+            </a:pPr>
+            <a:endParaRPr/>
           </a:p>
         </p:txBody>
       </p:sp>
@@ -21261,7 +18383,7 @@
       </p:grpSpPr>
       <p:sp>
         <p:nvSpPr>
-          <p:cNvPr id="243" name="Double Arrow"/>
+          <p:cNvPr id="264" name="Double Arrow"/>
           <p:cNvSpPr/>
           <p:nvPr/>
         </p:nvSpPr>
@@ -21304,7 +18426,7 @@
       </p:sp>
       <p:sp>
         <p:nvSpPr>
-          <p:cNvPr id="244" name="Double Arrow"/>
+          <p:cNvPr id="265" name="Double Arrow"/>
           <p:cNvSpPr/>
           <p:nvPr/>
         </p:nvSpPr>
@@ -21347,7 +18469,7 @@
       </p:sp>
       <p:sp>
         <p:nvSpPr>
-          <p:cNvPr id="245" name="Python Data Structures and File Formats"/>
+          <p:cNvPr id="266" name="Python Data Structures and File Formats"/>
           <p:cNvSpPr txBox="1">
             <a:spLocks noGrp="1"/>
           </p:cNvSpPr>
@@ -21380,7 +18502,7 @@
       </p:sp>
       <p:sp>
         <p:nvSpPr>
-          <p:cNvPr id="246" name="Python"/>
+          <p:cNvPr id="267" name="Python"/>
           <p:cNvSpPr txBox="1"/>
           <p:nvPr/>
         </p:nvSpPr>
@@ -21415,7 +18537,7 @@
       </p:sp>
       <p:sp>
         <p:nvSpPr>
-          <p:cNvPr id="247" name="File"/>
+          <p:cNvPr id="268" name="File"/>
           <p:cNvSpPr txBox="1"/>
           <p:nvPr/>
         </p:nvSpPr>
@@ -21450,7 +18572,7 @@
       </p:sp>
       <p:sp>
         <p:nvSpPr>
-          <p:cNvPr id="248" name="[…"/>
+          <p:cNvPr id="269" name="[…"/>
           <p:cNvSpPr txBox="1"/>
           <p:nvPr/>
         </p:nvSpPr>
@@ -21545,7 +18667,7 @@
       </p:sp>
       <p:sp>
         <p:nvSpPr>
-          <p:cNvPr id="249" name="name,x,y…"/>
+          <p:cNvPr id="270" name="name,x,y…"/>
           <p:cNvSpPr txBox="1"/>
           <p:nvPr/>
         </p:nvSpPr>
@@ -21617,7 +18739,7 @@
       </p:sp>
       <p:sp>
         <p:nvSpPr>
-          <p:cNvPr id="250" name="list of lists"/>
+          <p:cNvPr id="271" name="list of lists"/>
           <p:cNvSpPr txBox="1"/>
           <p:nvPr/>
         </p:nvSpPr>
@@ -21664,7 +18786,7 @@
       </p:sp>
       <p:sp>
         <p:nvSpPr>
-          <p:cNvPr id="251" name="CSV file"/>
+          <p:cNvPr id="272" name="CSV file"/>
           <p:cNvSpPr txBox="1"/>
           <p:nvPr/>
         </p:nvSpPr>
@@ -21711,7 +18833,7 @@
       </p:sp>
       <p:sp>
         <p:nvSpPr>
-          <p:cNvPr id="252" name="{…"/>
+          <p:cNvPr id="273" name="{…"/>
           <p:cNvSpPr txBox="1"/>
           <p:nvPr/>
         </p:nvSpPr>
@@ -21897,7 +19019,7 @@
       </p:sp>
       <p:sp>
         <p:nvSpPr>
-          <p:cNvPr id="253" name="dict of dicts"/>
+          <p:cNvPr id="274" name="dict of dicts"/>
           <p:cNvSpPr txBox="1"/>
           <p:nvPr/>
         </p:nvSpPr>
@@ -21944,14 +19066,14 @@
       </p:sp>
       <p:sp>
         <p:nvSpPr>
-          <p:cNvPr id="254" name="Rectangle"/>
+          <p:cNvPr id="275" name="Rectangle"/>
           <p:cNvSpPr/>
           <p:nvPr/>
         </p:nvSpPr>
         <p:spPr>
           <a:xfrm>
-            <a:off x="304800" y="1280718"/>
-            <a:ext cx="12395200" cy="8403085"/>
+            <a:off x="558800" y="1168400"/>
+            <a:ext cx="12395200" cy="8403084"/>
           </a:xfrm>
           <a:prstGeom prst="rect">
             <a:avLst/>
@@ -21986,7 +19108,7 @@
       </p:sp>
       <p:sp>
         <p:nvSpPr>
-          <p:cNvPr id="255" name="{…"/>
+          <p:cNvPr id="276" name="{…"/>
           <p:cNvSpPr txBox="1"/>
           <p:nvPr/>
         </p:nvSpPr>
@@ -22114,7 +19236,7 @@
       </p:sp>
       <p:sp>
         <p:nvSpPr>
-          <p:cNvPr id="256" name="JSON file"/>
+          <p:cNvPr id="277" name="JSON file"/>
           <p:cNvSpPr txBox="1"/>
           <p:nvPr/>
         </p:nvSpPr>
@@ -22161,7 +19283,7 @@
       </p:sp>
       <p:sp>
         <p:nvSpPr>
-          <p:cNvPr id="262" name="Connection Line"/>
+          <p:cNvPr id="283" name="Connection Line"/>
           <p:cNvSpPr/>
           <p:nvPr/>
         </p:nvSpPr>
@@ -22224,7 +19346,7 @@
       </p:sp>
       <p:sp>
         <p:nvSpPr>
-          <p:cNvPr id="258" name="JSON files look almost…"/>
+          <p:cNvPr id="279" name="JSON files look almost…"/>
           <p:cNvSpPr txBox="1"/>
           <p:nvPr/>
         </p:nvSpPr>
@@ -22302,14 +19424,14 @@
       </p:sp>
       <p:sp>
         <p:nvSpPr>
-          <p:cNvPr id="259" name="Rectangle"/>
+          <p:cNvPr id="280" name="Rectangle"/>
           <p:cNvSpPr/>
           <p:nvPr/>
         </p:nvSpPr>
         <p:spPr>
           <a:xfrm>
-            <a:off x="7556500" y="5410200"/>
-            <a:ext cx="352674" cy="422959"/>
+            <a:off x="8178800" y="6055864"/>
+            <a:ext cx="921016" cy="422960"/>
           </a:xfrm>
           <a:prstGeom prst="rect">
             <a:avLst/>
@@ -22342,14 +19464,14 @@
       </p:sp>
       <p:sp>
         <p:nvSpPr>
-          <p:cNvPr id="260" name="dicts use curly braces"/>
+          <p:cNvPr id="281" name="keys are separated from…"/>
           <p:cNvSpPr txBox="1"/>
           <p:nvPr/>
         </p:nvSpPr>
         <p:spPr>
           <a:xfrm>
-            <a:off x="3502620" y="4961560"/>
-            <a:ext cx="3408760" cy="457201"/>
+            <a:off x="3228925" y="4783760"/>
+            <a:ext cx="3956150" cy="812801"/>
           </a:xfrm>
           <a:prstGeom prst="rect">
             <a:avLst/>
@@ -22367,8 +19489,9 @@
           <a:bodyPr wrap="none" lIns="50800" tIns="50800" rIns="50800" bIns="50800" anchor="ctr">
             <a:spAutoFit/>
           </a:bodyPr>
-          <a:lstStyle>
-            <a:lvl1pPr>
+          <a:lstStyle/>
+          <a:p>
+            <a:pPr>
               <a:defRPr>
                 <a:solidFill>
                   <a:schemeClr val="accent5">
@@ -22378,25 +19501,39 @@
                   </a:schemeClr>
                 </a:solidFill>
               </a:defRPr>
-            </a:lvl1pPr>
-          </a:lstStyle>
-          <a:p>
-            <a:r>
-              <a:t>dicts use curly braces</a:t>
-            </a:r>
-          </a:p>
-        </p:txBody>
-      </p:sp>
-      <p:sp>
-        <p:nvSpPr>
-          <p:cNvPr id="261" name="Rectangle"/>
+            </a:pPr>
+            <a:r>
+              <a:t>keys are separated from</a:t>
+            </a:r>
+          </a:p>
+          <a:p>
+            <a:pPr>
+              <a:defRPr>
+                <a:solidFill>
+                  <a:schemeClr val="accent5">
+                    <a:hueOff val="-82419"/>
+                    <a:satOff val="-9513"/>
+                    <a:lumOff val="-16343"/>
+                  </a:schemeClr>
+                </a:solidFill>
+              </a:defRPr>
+            </a:pPr>
+            <a:r>
+              <a:t>values with a colon</a:t>
+            </a:r>
+          </a:p>
+        </p:txBody>
+      </p:sp>
+      <p:sp>
+        <p:nvSpPr>
+          <p:cNvPr id="282" name="Rectangle"/>
           <p:cNvSpPr/>
           <p:nvPr/>
         </p:nvSpPr>
         <p:spPr>
           <a:xfrm>
-            <a:off x="7556500" y="7696200"/>
-            <a:ext cx="352674" cy="422959"/>
+            <a:off x="9309100" y="6055864"/>
+            <a:ext cx="485545" cy="422960"/>
           </a:xfrm>
           <a:prstGeom prst="rect">
             <a:avLst/>
@@ -22455,7 +19592,7 @@
       </p:grpSpPr>
       <p:sp>
         <p:nvSpPr>
-          <p:cNvPr id="264" name="Double Arrow"/>
+          <p:cNvPr id="285" name="Double Arrow"/>
           <p:cNvSpPr/>
           <p:nvPr/>
         </p:nvSpPr>
@@ -22498,7 +19635,7 @@
       </p:sp>
       <p:sp>
         <p:nvSpPr>
-          <p:cNvPr id="265" name="Double Arrow"/>
+          <p:cNvPr id="286" name="Double Arrow"/>
           <p:cNvSpPr/>
           <p:nvPr/>
         </p:nvSpPr>
@@ -22541,7 +19678,7 @@
       </p:sp>
       <p:sp>
         <p:nvSpPr>
-          <p:cNvPr id="266" name="Python Data Structures and File Formats"/>
+          <p:cNvPr id="287" name="Python Data Structures and File Formats"/>
           <p:cNvSpPr txBox="1">
             <a:spLocks noGrp="1"/>
           </p:cNvSpPr>
@@ -22574,7 +19711,7 @@
       </p:sp>
       <p:sp>
         <p:nvSpPr>
-          <p:cNvPr id="267" name="Python"/>
+          <p:cNvPr id="288" name="Python"/>
           <p:cNvSpPr txBox="1"/>
           <p:nvPr/>
         </p:nvSpPr>
@@ -22609,7 +19746,7 @@
       </p:sp>
       <p:sp>
         <p:nvSpPr>
-          <p:cNvPr id="268" name="File"/>
+          <p:cNvPr id="289" name="File"/>
           <p:cNvSpPr txBox="1"/>
           <p:nvPr/>
         </p:nvSpPr>
@@ -22644,7 +19781,7 @@
       </p:sp>
       <p:sp>
         <p:nvSpPr>
-          <p:cNvPr id="269" name="[…"/>
+          <p:cNvPr id="290" name="[…"/>
           <p:cNvSpPr txBox="1"/>
           <p:nvPr/>
         </p:nvSpPr>
@@ -22739,7 +19876,7 @@
       </p:sp>
       <p:sp>
         <p:nvSpPr>
-          <p:cNvPr id="270" name="name,x,y…"/>
+          <p:cNvPr id="291" name="name,x,y…"/>
           <p:cNvSpPr txBox="1"/>
           <p:nvPr/>
         </p:nvSpPr>
@@ -22811,7 +19948,7 @@
       </p:sp>
       <p:sp>
         <p:nvSpPr>
-          <p:cNvPr id="271" name="list of lists"/>
+          <p:cNvPr id="292" name="list of lists"/>
           <p:cNvSpPr txBox="1"/>
           <p:nvPr/>
         </p:nvSpPr>
@@ -22858,7 +19995,7 @@
       </p:sp>
       <p:sp>
         <p:nvSpPr>
-          <p:cNvPr id="272" name="CSV file"/>
+          <p:cNvPr id="293" name="CSV file"/>
           <p:cNvSpPr txBox="1"/>
           <p:nvPr/>
         </p:nvSpPr>
@@ -22905,7 +20042,7 @@
       </p:sp>
       <p:sp>
         <p:nvSpPr>
-          <p:cNvPr id="273" name="{…"/>
+          <p:cNvPr id="294" name="{…"/>
           <p:cNvSpPr txBox="1"/>
           <p:nvPr/>
         </p:nvSpPr>
@@ -23091,7 +20228,7 @@
       </p:sp>
       <p:sp>
         <p:nvSpPr>
-          <p:cNvPr id="274" name="dict of dicts"/>
+          <p:cNvPr id="295" name="dict of dicts"/>
           <p:cNvSpPr txBox="1"/>
           <p:nvPr/>
         </p:nvSpPr>
@@ -23138,14 +20275,14 @@
       </p:sp>
       <p:sp>
         <p:nvSpPr>
-          <p:cNvPr id="275" name="Rectangle"/>
+          <p:cNvPr id="296" name="Rectangle"/>
           <p:cNvSpPr/>
           <p:nvPr/>
         </p:nvSpPr>
         <p:spPr>
           <a:xfrm>
-            <a:off x="558800" y="1168400"/>
-            <a:ext cx="12395200" cy="8403084"/>
+            <a:off x="114300" y="1191818"/>
+            <a:ext cx="12395200" cy="8403085"/>
           </a:xfrm>
           <a:prstGeom prst="rect">
             <a:avLst/>
@@ -23180,7 +20317,7 @@
       </p:sp>
       <p:sp>
         <p:nvSpPr>
-          <p:cNvPr id="276" name="{…"/>
+          <p:cNvPr id="297" name="{…"/>
           <p:cNvSpPr txBox="1"/>
           <p:nvPr/>
         </p:nvSpPr>
@@ -23308,7 +20445,7 @@
       </p:sp>
       <p:sp>
         <p:nvSpPr>
-          <p:cNvPr id="277" name="JSON file"/>
+          <p:cNvPr id="298" name="JSON file"/>
           <p:cNvSpPr txBox="1"/>
           <p:nvPr/>
         </p:nvSpPr>
@@ -23355,7 +20492,7 @@
       </p:sp>
       <p:sp>
         <p:nvSpPr>
-          <p:cNvPr id="283" name="Connection Line"/>
+          <p:cNvPr id="303" name="Connection Line"/>
           <p:cNvSpPr/>
           <p:nvPr/>
         </p:nvSpPr>
@@ -23418,7 +20555,7 @@
       </p:sp>
       <p:sp>
         <p:nvSpPr>
-          <p:cNvPr id="279" name="JSON files look almost…"/>
+          <p:cNvPr id="300" name="JSON files look almost…"/>
           <p:cNvSpPr txBox="1"/>
           <p:nvPr/>
         </p:nvSpPr>
@@ -23496,14 +20633,14 @@
       </p:sp>
       <p:sp>
         <p:nvSpPr>
-          <p:cNvPr id="280" name="Rectangle"/>
+          <p:cNvPr id="301" name="Rectangle"/>
           <p:cNvSpPr/>
           <p:nvPr/>
         </p:nvSpPr>
         <p:spPr>
           <a:xfrm>
-            <a:off x="8178800" y="6055864"/>
-            <a:ext cx="921016" cy="422960"/>
+            <a:off x="9766300" y="6424270"/>
+            <a:ext cx="352674" cy="422960"/>
           </a:xfrm>
           <a:prstGeom prst="rect">
             <a:avLst/>
@@ -23536,14 +20673,14 @@
       </p:sp>
       <p:sp>
         <p:nvSpPr>
-          <p:cNvPr id="281" name="keys are separated from…"/>
+          <p:cNvPr id="302" name="lists use square brackets"/>
           <p:cNvSpPr txBox="1"/>
           <p:nvPr/>
         </p:nvSpPr>
         <p:spPr>
           <a:xfrm>
-            <a:off x="3228925" y="4783760"/>
-            <a:ext cx="3956150" cy="812801"/>
+            <a:off x="3260625" y="4961560"/>
+            <a:ext cx="3892750" cy="457201"/>
           </a:xfrm>
           <a:prstGeom prst="rect">
             <a:avLst/>
@@ -23561,9 +20698,8 @@
           <a:bodyPr wrap="none" lIns="50800" tIns="50800" rIns="50800" bIns="50800" anchor="ctr">
             <a:spAutoFit/>
           </a:bodyPr>
-          <a:lstStyle/>
-          <a:p>
-            <a:pPr>
+          <a:lstStyle>
+            <a:lvl1pPr>
               <a:defRPr>
                 <a:solidFill>
                   <a:schemeClr val="accent5">
@@ -23573,66 +20709,12 @@
                   </a:schemeClr>
                 </a:solidFill>
               </a:defRPr>
-            </a:pPr>
-            <a:r>
-              <a:t>keys are separated from</a:t>
-            </a:r>
-          </a:p>
-          <a:p>
-            <a:pPr>
-              <a:defRPr>
-                <a:solidFill>
-                  <a:schemeClr val="accent5">
-                    <a:hueOff val="-82419"/>
-                    <a:satOff val="-9513"/>
-                    <a:lumOff val="-16343"/>
-                  </a:schemeClr>
-                </a:solidFill>
-              </a:defRPr>
-            </a:pPr>
-            <a:r>
-              <a:t>values with a colon</a:t>
-            </a:r>
-          </a:p>
-        </p:txBody>
-      </p:sp>
-      <p:sp>
-        <p:nvSpPr>
-          <p:cNvPr id="282" name="Rectangle"/>
-          <p:cNvSpPr/>
-          <p:nvPr/>
-        </p:nvSpPr>
-        <p:spPr>
-          <a:xfrm>
-            <a:off x="9309100" y="6055864"/>
-            <a:ext cx="485545" cy="422960"/>
-          </a:xfrm>
-          <a:prstGeom prst="rect">
-            <a:avLst/>
-          </a:prstGeom>
-          <a:ln w="38100">
-            <a:solidFill>
-              <a:srgbClr val="FF2600"/>
-            </a:solidFill>
-            <a:miter lim="400000"/>
-          </a:ln>
-        </p:spPr>
-        <p:txBody>
-          <a:bodyPr lIns="50800" tIns="50800" rIns="50800" bIns="50800" anchor="ctr"/>
-          <a:lstStyle/>
-          <a:p>
-            <a:pPr>
-              <a:defRPr sz="2200" b="0">
-                <a:solidFill>
-                  <a:srgbClr val="FFFFFF"/>
-                </a:solidFill>
-                <a:latin typeface="+mn-lt"/>
-                <a:ea typeface="+mn-ea"/>
-                <a:cs typeface="+mn-cs"/>
-                <a:sym typeface="Gill Sans SemiBold"/>
-              </a:defRPr>
-            </a:pPr>
-            <a:endParaRPr/>
+            </a:lvl1pPr>
+          </a:lstStyle>
+          <a:p>
+            <a:r>
+              <a:t>lists use square brackets</a:t>
+            </a:r>
           </a:p>
         </p:txBody>
       </p:sp>
